--- a/slides/0040.pptx
+++ b/slides/0040.pptx
@@ -9,6 +9,8 @@
     <p:sldId id="260" r:id="rId3"/>
     <p:sldId id="261" r:id="rId4"/>
     <p:sldId id="262" r:id="rId5"/>
+    <p:sldId id="263" r:id="rId6"/>
+    <p:sldId id="264" r:id="rId7"/>
   </p:sldIdLst>
   <p:sldSz cx="12192000" cy="6858000"/>
   <p:notesSz cx="6858000" cy="9144000"/>
@@ -262,7 +264,7 @@
           <a:p>
             <a:fld id="{5AEC58D5-D0FD-5D43-AC21-2C9A8E377766}" type="datetimeFigureOut">
               <a:rPr lang="en-US" smtClean="0"/>
-              <a:t>6/22/18</a:t>
+              <a:t>6/25/18</a:t>
             </a:fld>
             <a:endParaRPr lang="en-US"/>
           </a:p>
@@ -460,7 +462,7 @@
           <a:p>
             <a:fld id="{5AEC58D5-D0FD-5D43-AC21-2C9A8E377766}" type="datetimeFigureOut">
               <a:rPr lang="en-US" smtClean="0"/>
-              <a:t>6/22/18</a:t>
+              <a:t>6/25/18</a:t>
             </a:fld>
             <a:endParaRPr lang="en-US"/>
           </a:p>
@@ -668,7 +670,7 @@
           <a:p>
             <a:fld id="{5AEC58D5-D0FD-5D43-AC21-2C9A8E377766}" type="datetimeFigureOut">
               <a:rPr lang="en-US" smtClean="0"/>
-              <a:t>6/22/18</a:t>
+              <a:t>6/25/18</a:t>
             </a:fld>
             <a:endParaRPr lang="en-US"/>
           </a:p>
@@ -866,7 +868,7 @@
           <a:p>
             <a:fld id="{5AEC58D5-D0FD-5D43-AC21-2C9A8E377766}" type="datetimeFigureOut">
               <a:rPr lang="en-US" smtClean="0"/>
-              <a:t>6/22/18</a:t>
+              <a:t>6/25/18</a:t>
             </a:fld>
             <a:endParaRPr lang="en-US"/>
           </a:p>
@@ -1141,7 +1143,7 @@
           <a:p>
             <a:fld id="{5AEC58D5-D0FD-5D43-AC21-2C9A8E377766}" type="datetimeFigureOut">
               <a:rPr lang="en-US" smtClean="0"/>
-              <a:t>6/22/18</a:t>
+              <a:t>6/25/18</a:t>
             </a:fld>
             <a:endParaRPr lang="en-US"/>
           </a:p>
@@ -1406,7 +1408,7 @@
           <a:p>
             <a:fld id="{5AEC58D5-D0FD-5D43-AC21-2C9A8E377766}" type="datetimeFigureOut">
               <a:rPr lang="en-US" smtClean="0"/>
-              <a:t>6/22/18</a:t>
+              <a:t>6/25/18</a:t>
             </a:fld>
             <a:endParaRPr lang="en-US"/>
           </a:p>
@@ -1818,7 +1820,7 @@
           <a:p>
             <a:fld id="{5AEC58D5-D0FD-5D43-AC21-2C9A8E377766}" type="datetimeFigureOut">
               <a:rPr lang="en-US" smtClean="0"/>
-              <a:t>6/22/18</a:t>
+              <a:t>6/25/18</a:t>
             </a:fld>
             <a:endParaRPr lang="en-US"/>
           </a:p>
@@ -1959,7 +1961,7 @@
           <a:p>
             <a:fld id="{5AEC58D5-D0FD-5D43-AC21-2C9A8E377766}" type="datetimeFigureOut">
               <a:rPr lang="en-US" smtClean="0"/>
-              <a:t>6/22/18</a:t>
+              <a:t>6/25/18</a:t>
             </a:fld>
             <a:endParaRPr lang="en-US"/>
           </a:p>
@@ -2072,7 +2074,7 @@
           <a:p>
             <a:fld id="{5AEC58D5-D0FD-5D43-AC21-2C9A8E377766}" type="datetimeFigureOut">
               <a:rPr lang="en-US" smtClean="0"/>
-              <a:t>6/22/18</a:t>
+              <a:t>6/25/18</a:t>
             </a:fld>
             <a:endParaRPr lang="en-US"/>
           </a:p>
@@ -2383,7 +2385,7 @@
           <a:p>
             <a:fld id="{5AEC58D5-D0FD-5D43-AC21-2C9A8E377766}" type="datetimeFigureOut">
               <a:rPr lang="en-US" smtClean="0"/>
-              <a:t>6/22/18</a:t>
+              <a:t>6/25/18</a:t>
             </a:fld>
             <a:endParaRPr lang="en-US"/>
           </a:p>
@@ -2671,7 +2673,7 @@
           <a:p>
             <a:fld id="{5AEC58D5-D0FD-5D43-AC21-2C9A8E377766}" type="datetimeFigureOut">
               <a:rPr lang="en-US" smtClean="0"/>
-              <a:t>6/22/18</a:t>
+              <a:t>6/25/18</a:t>
             </a:fld>
             <a:endParaRPr lang="en-US"/>
           </a:p>
@@ -2912,7 +2914,7 @@
           <a:p>
             <a:fld id="{5AEC58D5-D0FD-5D43-AC21-2C9A8E377766}" type="datetimeFigureOut">
               <a:rPr lang="en-US" smtClean="0"/>
-              <a:t>6/22/18</a:t>
+              <a:t>6/25/18</a:t>
             </a:fld>
             <a:endParaRPr lang="en-US"/>
           </a:p>
@@ -10827,7 +10829,7 @@
         <p:spPr>
           <a:xfrm>
             <a:off x="275351" y="2749043"/>
-            <a:ext cx="3732112" cy="369332"/>
+            <a:ext cx="3797835" cy="369332"/>
           </a:xfrm>
           <a:prstGeom prst="rect">
             <a:avLst/>
@@ -10845,7 +10847,7 @@
                 <a:latin typeface="Yu Gothic" panose="020B0400000000000000" pitchFamily="34" charset="-128"/>
                 <a:ea typeface="Yu Gothic" panose="020B0400000000000000" pitchFamily="34" charset="-128"/>
               </a:rPr>
-              <a:t>192.168.1.0/24 via R3 : Metric</a:t>
+              <a:t>192.168.1.0/24 via R3 :  Metric</a:t>
             </a:r>
             <a:r>
               <a:rPr lang="ja-JP" altLang="en-US" b="1">
@@ -10876,7 +10878,7 @@
         <p:spPr>
           <a:xfrm>
             <a:off x="2347993" y="1314532"/>
-            <a:ext cx="3751453" cy="840612"/>
+            <a:ext cx="3839730" cy="840612"/>
           </a:xfrm>
           <a:prstGeom prst="wedgeRoundRectCallout">
             <a:avLst>
@@ -10972,7 +10974,7 @@
         <p:spPr>
           <a:xfrm>
             <a:off x="2367335" y="1742005"/>
-            <a:ext cx="3732112" cy="369332"/>
+            <a:ext cx="3797835" cy="369332"/>
           </a:xfrm>
           <a:prstGeom prst="rect">
             <a:avLst/>
@@ -10990,7 +10992,7 @@
                 <a:latin typeface="Yu Gothic" panose="020B0400000000000000" pitchFamily="34" charset="-128"/>
                 <a:ea typeface="Yu Gothic" panose="020B0400000000000000" pitchFamily="34" charset="-128"/>
               </a:rPr>
-              <a:t>192.168.1.0/24 via R2 : Metric</a:t>
+              <a:t>192.168.1.0/24 via R2 :  Metric</a:t>
             </a:r>
             <a:r>
               <a:rPr lang="ja-JP" altLang="en-US" b="1">
@@ -11860,8 +11862,8 @@
         </p:nvSpPr>
         <p:spPr>
           <a:xfrm>
-            <a:off x="4977353" y="1683256"/>
-            <a:ext cx="999242" cy="403802"/>
+            <a:off x="5000636" y="1742005"/>
+            <a:ext cx="1079321" cy="336758"/>
           </a:xfrm>
           <a:prstGeom prst="roundRect">
             <a:avLst/>
@@ -11912,8 +11914,8 @@
         </p:nvSpPr>
         <p:spPr>
           <a:xfrm>
-            <a:off x="2905027" y="2693495"/>
-            <a:ext cx="999242" cy="403802"/>
+            <a:off x="2912887" y="2749043"/>
+            <a:ext cx="1080973" cy="346250"/>
           </a:xfrm>
           <a:prstGeom prst="roundRect">
             <a:avLst/>
@@ -11954,6 +11956,4342 @@
     <p:extLst>
       <p:ext uri="{BB962C8B-B14F-4D97-AF65-F5344CB8AC3E}">
         <p14:creationId xmlns:p14="http://schemas.microsoft.com/office/powerpoint/2010/main" val="1097018057"/>
+      </p:ext>
+    </p:extLst>
+  </p:cSld>
+  <p:clrMapOvr>
+    <a:masterClrMapping/>
+  </p:clrMapOvr>
+</p:sld>
+</file>
+
+<file path=ppt/slides/slide5.xml><?xml version="1.0" encoding="utf-8"?>
+<p:sld xmlns:a="http://schemas.openxmlformats.org/drawingml/2006/main" xmlns:r="http://schemas.openxmlformats.org/officeDocument/2006/relationships" xmlns:p="http://schemas.openxmlformats.org/presentationml/2006/main">
+  <p:cSld>
+    <p:spTree>
+      <p:nvGrpSpPr>
+        <p:cNvPr id="1" name=""/>
+        <p:cNvGrpSpPr/>
+        <p:nvPr/>
+      </p:nvGrpSpPr>
+      <p:grpSpPr>
+        <a:xfrm>
+          <a:off x="0" y="0"/>
+          <a:ext cx="0" cy="0"/>
+          <a:chOff x="0" y="0"/>
+          <a:chExt cx="0" cy="0"/>
+        </a:xfrm>
+      </p:grpSpPr>
+      <p:cxnSp>
+        <p:nvCxnSpPr>
+          <p:cNvPr id="98" name="Straight Connector 97">
+            <a:extLst>
+              <a:ext uri="{FF2B5EF4-FFF2-40B4-BE49-F238E27FC236}">
+                <a16:creationId xmlns:a16="http://schemas.microsoft.com/office/drawing/2014/main" id="{8D3C0217-2365-8D45-B4EC-68BE19E6CF5D}"/>
+              </a:ext>
+            </a:extLst>
+          </p:cNvPr>
+          <p:cNvCxnSpPr>
+            <a:cxnSpLocks/>
+          </p:cNvCxnSpPr>
+          <p:nvPr/>
+        </p:nvCxnSpPr>
+        <p:spPr>
+          <a:xfrm flipV="1">
+            <a:off x="6982301" y="2739710"/>
+            <a:ext cx="767730" cy="2555078"/>
+          </a:xfrm>
+          <a:prstGeom prst="line">
+            <a:avLst/>
+          </a:prstGeom>
+          <a:ln w="38100">
+            <a:solidFill>
+              <a:schemeClr val="tx1"/>
+            </a:solidFill>
+          </a:ln>
+        </p:spPr>
+        <p:style>
+          <a:lnRef idx="1">
+            <a:schemeClr val="accent1"/>
+          </a:lnRef>
+          <a:fillRef idx="0">
+            <a:schemeClr val="accent1"/>
+          </a:fillRef>
+          <a:effectRef idx="0">
+            <a:schemeClr val="accent1"/>
+          </a:effectRef>
+          <a:fontRef idx="minor">
+            <a:schemeClr val="tx1"/>
+          </a:fontRef>
+        </p:style>
+      </p:cxnSp>
+      <p:sp>
+        <p:nvSpPr>
+          <p:cNvPr id="5" name="Rounded Rectangle 4">
+            <a:extLst>
+              <a:ext uri="{FF2B5EF4-FFF2-40B4-BE49-F238E27FC236}">
+                <a16:creationId xmlns:a16="http://schemas.microsoft.com/office/drawing/2014/main" id="{C09430BD-ABE9-4341-848E-AC0ECA54ACD3}"/>
+              </a:ext>
+            </a:extLst>
+          </p:cNvPr>
+          <p:cNvSpPr/>
+          <p:nvPr/>
+        </p:nvSpPr>
+        <p:spPr>
+          <a:xfrm>
+            <a:off x="729916" y="1240211"/>
+            <a:ext cx="3516174" cy="2328119"/>
+          </a:xfrm>
+          <a:prstGeom prst="roundRect">
+            <a:avLst/>
+          </a:prstGeom>
+          <a:noFill/>
+          <a:ln w="57150">
+            <a:solidFill>
+              <a:schemeClr val="accent5"/>
+            </a:solidFill>
+            <a:prstDash val="dash"/>
+          </a:ln>
+        </p:spPr>
+        <p:style>
+          <a:lnRef idx="2">
+            <a:schemeClr val="accent1">
+              <a:shade val="50000"/>
+            </a:schemeClr>
+          </a:lnRef>
+          <a:fillRef idx="1">
+            <a:schemeClr val="accent1"/>
+          </a:fillRef>
+          <a:effectRef idx="0">
+            <a:schemeClr val="accent1"/>
+          </a:effectRef>
+          <a:fontRef idx="minor">
+            <a:schemeClr val="lt1"/>
+          </a:fontRef>
+        </p:style>
+        <p:txBody>
+          <a:bodyPr rtlCol="0" anchor="ctr"/>
+          <a:lstStyle/>
+          <a:p>
+            <a:pPr algn="ctr"/>
+            <a:endParaRPr lang="en-US"/>
+          </a:p>
+        </p:txBody>
+      </p:sp>
+      <p:sp>
+        <p:nvSpPr>
+          <p:cNvPr id="6" name="Rounded Rectangle 5">
+            <a:extLst>
+              <a:ext uri="{FF2B5EF4-FFF2-40B4-BE49-F238E27FC236}">
+                <a16:creationId xmlns:a16="http://schemas.microsoft.com/office/drawing/2014/main" id="{3AFC067A-2941-4E43-B696-E43C5799DC3F}"/>
+              </a:ext>
+            </a:extLst>
+          </p:cNvPr>
+          <p:cNvSpPr/>
+          <p:nvPr/>
+        </p:nvSpPr>
+        <p:spPr>
+          <a:xfrm>
+            <a:off x="4536834" y="1242165"/>
+            <a:ext cx="3045912" cy="1661122"/>
+          </a:xfrm>
+          <a:prstGeom prst="roundRect">
+            <a:avLst/>
+          </a:prstGeom>
+          <a:noFill/>
+          <a:ln w="57150">
+            <a:solidFill>
+              <a:schemeClr val="accent5"/>
+            </a:solidFill>
+            <a:prstDash val="dash"/>
+          </a:ln>
+        </p:spPr>
+        <p:style>
+          <a:lnRef idx="2">
+            <a:schemeClr val="accent1">
+              <a:shade val="50000"/>
+            </a:schemeClr>
+          </a:lnRef>
+          <a:fillRef idx="1">
+            <a:schemeClr val="accent1"/>
+          </a:fillRef>
+          <a:effectRef idx="0">
+            <a:schemeClr val="accent1"/>
+          </a:effectRef>
+          <a:fontRef idx="minor">
+            <a:schemeClr val="lt1"/>
+          </a:fontRef>
+        </p:style>
+        <p:txBody>
+          <a:bodyPr rtlCol="0" anchor="ctr"/>
+          <a:lstStyle/>
+          <a:p>
+            <a:pPr algn="ctr"/>
+            <a:endParaRPr lang="en-US"/>
+          </a:p>
+        </p:txBody>
+      </p:sp>
+      <p:sp>
+        <p:nvSpPr>
+          <p:cNvPr id="7" name="Rounded Rectangle 6">
+            <a:extLst>
+              <a:ext uri="{FF2B5EF4-FFF2-40B4-BE49-F238E27FC236}">
+                <a16:creationId xmlns:a16="http://schemas.microsoft.com/office/drawing/2014/main" id="{04008167-CF3A-164D-9697-2D485A2DFAC4}"/>
+              </a:ext>
+            </a:extLst>
+          </p:cNvPr>
+          <p:cNvSpPr/>
+          <p:nvPr/>
+        </p:nvSpPr>
+        <p:spPr>
+          <a:xfrm>
+            <a:off x="7858200" y="1240211"/>
+            <a:ext cx="3160909" cy="2328119"/>
+          </a:xfrm>
+          <a:prstGeom prst="roundRect">
+            <a:avLst/>
+          </a:prstGeom>
+          <a:noFill/>
+          <a:ln w="57150">
+            <a:solidFill>
+              <a:schemeClr val="accent5"/>
+            </a:solidFill>
+            <a:prstDash val="dash"/>
+          </a:ln>
+        </p:spPr>
+        <p:style>
+          <a:lnRef idx="2">
+            <a:schemeClr val="accent1">
+              <a:shade val="50000"/>
+            </a:schemeClr>
+          </a:lnRef>
+          <a:fillRef idx="1">
+            <a:schemeClr val="accent1"/>
+          </a:fillRef>
+          <a:effectRef idx="0">
+            <a:schemeClr val="accent1"/>
+          </a:effectRef>
+          <a:fontRef idx="minor">
+            <a:schemeClr val="lt1"/>
+          </a:fontRef>
+        </p:style>
+        <p:txBody>
+          <a:bodyPr rtlCol="0" anchor="ctr"/>
+          <a:lstStyle/>
+          <a:p>
+            <a:pPr algn="ctr"/>
+            <a:endParaRPr lang="en-US"/>
+          </a:p>
+        </p:txBody>
+      </p:sp>
+      <p:sp>
+        <p:nvSpPr>
+          <p:cNvPr id="9" name="TextBox 8">
+            <a:extLst>
+              <a:ext uri="{FF2B5EF4-FFF2-40B4-BE49-F238E27FC236}">
+                <a16:creationId xmlns:a16="http://schemas.microsoft.com/office/drawing/2014/main" id="{392DB41C-311B-2E46-A571-575F7C6E0964}"/>
+              </a:ext>
+            </a:extLst>
+          </p:cNvPr>
+          <p:cNvSpPr txBox="1"/>
+          <p:nvPr/>
+        </p:nvSpPr>
+        <p:spPr>
+          <a:xfrm>
+            <a:off x="2011736" y="686790"/>
+            <a:ext cx="1832553" cy="461665"/>
+          </a:xfrm>
+          <a:prstGeom prst="rect">
+            <a:avLst/>
+          </a:prstGeom>
+          <a:noFill/>
+        </p:spPr>
+        <p:txBody>
+          <a:bodyPr wrap="none" rtlCol="0">
+            <a:spAutoFit/>
+          </a:bodyPr>
+          <a:lstStyle/>
+          <a:p>
+            <a:r>
+              <a:rPr lang="en-US" sz="2400" b="1" dirty="0">
+                <a:solidFill>
+                  <a:schemeClr val="accent5"/>
+                </a:solidFill>
+                <a:latin typeface="Yu Gothic" panose="020B0400000000000000" pitchFamily="34" charset="-128"/>
+                <a:ea typeface="Yu Gothic" panose="020B0400000000000000" pitchFamily="34" charset="-128"/>
+              </a:rPr>
+              <a:t>10.1.0.0/16</a:t>
+            </a:r>
+          </a:p>
+        </p:txBody>
+      </p:sp>
+      <p:sp>
+        <p:nvSpPr>
+          <p:cNvPr id="11" name="TextBox 10">
+            <a:extLst>
+              <a:ext uri="{FF2B5EF4-FFF2-40B4-BE49-F238E27FC236}">
+                <a16:creationId xmlns:a16="http://schemas.microsoft.com/office/drawing/2014/main" id="{CC89BE5F-4B97-E04A-95F0-15E44706A6AC}"/>
+              </a:ext>
+            </a:extLst>
+          </p:cNvPr>
+          <p:cNvSpPr txBox="1"/>
+          <p:nvPr/>
+        </p:nvSpPr>
+        <p:spPr>
+          <a:xfrm>
+            <a:off x="3360131" y="2051666"/>
+            <a:ext cx="639919" cy="584775"/>
+          </a:xfrm>
+          <a:prstGeom prst="rect">
+            <a:avLst/>
+          </a:prstGeom>
+          <a:noFill/>
+        </p:spPr>
+        <p:txBody>
+          <a:bodyPr wrap="none" rtlCol="0">
+            <a:spAutoFit/>
+          </a:bodyPr>
+          <a:lstStyle/>
+          <a:p>
+            <a:r>
+              <a:rPr lang="en-US" sz="1600" b="1" dirty="0">
+                <a:latin typeface="Yu Gothic" panose="020B0400000000000000" pitchFamily="34" charset="-128"/>
+                <a:ea typeface="Yu Gothic" panose="020B0400000000000000" pitchFamily="34" charset="-128"/>
+              </a:rPr>
+              <a:t>g0/3</a:t>
+            </a:r>
+          </a:p>
+          <a:p>
+            <a:r>
+              <a:rPr lang="en-US" sz="1600" b="1" dirty="0">
+                <a:latin typeface="Yu Gothic" panose="020B0400000000000000" pitchFamily="34" charset="-128"/>
+                <a:ea typeface="Yu Gothic" panose="020B0400000000000000" pitchFamily="34" charset="-128"/>
+              </a:rPr>
+              <a:t>.1</a:t>
+            </a:r>
+          </a:p>
+        </p:txBody>
+      </p:sp>
+      <p:sp>
+        <p:nvSpPr>
+          <p:cNvPr id="12" name="TextBox 11">
+            <a:extLst>
+              <a:ext uri="{FF2B5EF4-FFF2-40B4-BE49-F238E27FC236}">
+                <a16:creationId xmlns:a16="http://schemas.microsoft.com/office/drawing/2014/main" id="{43F5C367-D573-6B45-A88B-F542EEB6B4D7}"/>
+              </a:ext>
+            </a:extLst>
+          </p:cNvPr>
+          <p:cNvSpPr txBox="1"/>
+          <p:nvPr/>
+        </p:nvSpPr>
+        <p:spPr>
+          <a:xfrm>
+            <a:off x="4916852" y="1973049"/>
+            <a:ext cx="639919" cy="584775"/>
+          </a:xfrm>
+          <a:prstGeom prst="rect">
+            <a:avLst/>
+          </a:prstGeom>
+          <a:noFill/>
+        </p:spPr>
+        <p:txBody>
+          <a:bodyPr wrap="none" rtlCol="0">
+            <a:spAutoFit/>
+          </a:bodyPr>
+          <a:lstStyle/>
+          <a:p>
+            <a:r>
+              <a:rPr lang="en-US" sz="1600" b="1" dirty="0">
+                <a:latin typeface="Yu Gothic" panose="020B0400000000000000" pitchFamily="34" charset="-128"/>
+                <a:ea typeface="Yu Gothic" panose="020B0400000000000000" pitchFamily="34" charset="-128"/>
+              </a:rPr>
+              <a:t>g0/2</a:t>
+            </a:r>
+          </a:p>
+          <a:p>
+            <a:r>
+              <a:rPr lang="en-US" sz="1600" b="1" dirty="0">
+                <a:latin typeface="Yu Gothic" panose="020B0400000000000000" pitchFamily="34" charset="-128"/>
+                <a:ea typeface="Yu Gothic" panose="020B0400000000000000" pitchFamily="34" charset="-128"/>
+              </a:rPr>
+              <a:t>.1</a:t>
+            </a:r>
+          </a:p>
+        </p:txBody>
+      </p:sp>
+      <p:sp>
+        <p:nvSpPr>
+          <p:cNvPr id="14" name="TextBox 13">
+            <a:extLst>
+              <a:ext uri="{FF2B5EF4-FFF2-40B4-BE49-F238E27FC236}">
+                <a16:creationId xmlns:a16="http://schemas.microsoft.com/office/drawing/2014/main" id="{55AA6D12-4E4B-8D41-8B59-91A37ED11951}"/>
+              </a:ext>
+            </a:extLst>
+          </p:cNvPr>
+          <p:cNvSpPr txBox="1"/>
+          <p:nvPr/>
+        </p:nvSpPr>
+        <p:spPr>
+          <a:xfrm>
+            <a:off x="4900939" y="678830"/>
+            <a:ext cx="2361544" cy="461665"/>
+          </a:xfrm>
+          <a:prstGeom prst="rect">
+            <a:avLst/>
+          </a:prstGeom>
+          <a:noFill/>
+        </p:spPr>
+        <p:txBody>
+          <a:bodyPr wrap="none" rtlCol="0">
+            <a:spAutoFit/>
+          </a:bodyPr>
+          <a:lstStyle/>
+          <a:p>
+            <a:r>
+              <a:rPr lang="en-US" sz="2400" b="1" dirty="0">
+                <a:solidFill>
+                  <a:schemeClr val="accent5"/>
+                </a:solidFill>
+                <a:latin typeface="Yu Gothic" panose="020B0400000000000000" pitchFamily="34" charset="-128"/>
+                <a:ea typeface="Yu Gothic" panose="020B0400000000000000" pitchFamily="34" charset="-128"/>
+              </a:rPr>
+              <a:t>192.168.0.0/24</a:t>
+            </a:r>
+          </a:p>
+        </p:txBody>
+      </p:sp>
+      <p:sp>
+        <p:nvSpPr>
+          <p:cNvPr id="15" name="TextBox 14">
+            <a:extLst>
+              <a:ext uri="{FF2B5EF4-FFF2-40B4-BE49-F238E27FC236}">
+                <a16:creationId xmlns:a16="http://schemas.microsoft.com/office/drawing/2014/main" id="{A206C684-BD26-D745-A24C-46F8F1B4104C}"/>
+              </a:ext>
+            </a:extLst>
+          </p:cNvPr>
+          <p:cNvSpPr txBox="1"/>
+          <p:nvPr/>
+        </p:nvSpPr>
+        <p:spPr>
+          <a:xfrm>
+            <a:off x="8419797" y="685844"/>
+            <a:ext cx="1832553" cy="461665"/>
+          </a:xfrm>
+          <a:prstGeom prst="rect">
+            <a:avLst/>
+          </a:prstGeom>
+          <a:noFill/>
+        </p:spPr>
+        <p:txBody>
+          <a:bodyPr wrap="none" rtlCol="0">
+            <a:spAutoFit/>
+          </a:bodyPr>
+          <a:lstStyle/>
+          <a:p>
+            <a:r>
+              <a:rPr lang="en-US" sz="2400" b="1" dirty="0">
+                <a:solidFill>
+                  <a:schemeClr val="accent5"/>
+                </a:solidFill>
+                <a:latin typeface="Yu Gothic" panose="020B0400000000000000" pitchFamily="34" charset="-128"/>
+                <a:ea typeface="Yu Gothic" panose="020B0400000000000000" pitchFamily="34" charset="-128"/>
+              </a:rPr>
+              <a:t>10.2.0.0/16</a:t>
+            </a:r>
+          </a:p>
+        </p:txBody>
+      </p:sp>
+      <p:cxnSp>
+        <p:nvCxnSpPr>
+          <p:cNvPr id="20" name="Straight Connector 19">
+            <a:extLst>
+              <a:ext uri="{FF2B5EF4-FFF2-40B4-BE49-F238E27FC236}">
+                <a16:creationId xmlns:a16="http://schemas.microsoft.com/office/drawing/2014/main" id="{2C0AB9A0-CD41-CA47-B92E-9C7F8D9EC931}"/>
+              </a:ext>
+            </a:extLst>
+          </p:cNvPr>
+          <p:cNvCxnSpPr>
+            <a:cxnSpLocks/>
+          </p:cNvCxnSpPr>
+          <p:nvPr/>
+        </p:nvCxnSpPr>
+        <p:spPr>
+          <a:xfrm flipH="1">
+            <a:off x="1796047" y="2677672"/>
+            <a:ext cx="8402076" cy="0"/>
+          </a:xfrm>
+          <a:prstGeom prst="line">
+            <a:avLst/>
+          </a:prstGeom>
+          <a:ln w="38100">
+            <a:solidFill>
+              <a:schemeClr val="tx1"/>
+            </a:solidFill>
+          </a:ln>
+        </p:spPr>
+        <p:style>
+          <a:lnRef idx="1">
+            <a:schemeClr val="accent1"/>
+          </a:lnRef>
+          <a:fillRef idx="0">
+            <a:schemeClr val="accent1"/>
+          </a:fillRef>
+          <a:effectRef idx="0">
+            <a:schemeClr val="accent1"/>
+          </a:effectRef>
+          <a:fontRef idx="minor">
+            <a:schemeClr val="tx1"/>
+          </a:fontRef>
+        </p:style>
+      </p:cxnSp>
+      <p:sp>
+        <p:nvSpPr>
+          <p:cNvPr id="23" name="TextBox 22">
+            <a:extLst>
+              <a:ext uri="{FF2B5EF4-FFF2-40B4-BE49-F238E27FC236}">
+                <a16:creationId xmlns:a16="http://schemas.microsoft.com/office/drawing/2014/main" id="{061C9842-D49F-D344-BFEF-DBED6A2B0D22}"/>
+              </a:ext>
+            </a:extLst>
+          </p:cNvPr>
+          <p:cNvSpPr txBox="1"/>
+          <p:nvPr/>
+        </p:nvSpPr>
+        <p:spPr>
+          <a:xfrm>
+            <a:off x="8154696" y="1982848"/>
+            <a:ext cx="639919" cy="584775"/>
+          </a:xfrm>
+          <a:prstGeom prst="rect">
+            <a:avLst/>
+          </a:prstGeom>
+          <a:noFill/>
+        </p:spPr>
+        <p:txBody>
+          <a:bodyPr wrap="none" rtlCol="0">
+            <a:spAutoFit/>
+          </a:bodyPr>
+          <a:lstStyle/>
+          <a:p>
+            <a:r>
+              <a:rPr lang="en-US" sz="1600" b="1" dirty="0">
+                <a:latin typeface="Yu Gothic" panose="020B0400000000000000" pitchFamily="34" charset="-128"/>
+                <a:ea typeface="Yu Gothic" panose="020B0400000000000000" pitchFamily="34" charset="-128"/>
+              </a:rPr>
+              <a:t>g0/3</a:t>
+            </a:r>
+          </a:p>
+          <a:p>
+            <a:r>
+              <a:rPr lang="en-US" sz="1600" b="1" dirty="0">
+                <a:latin typeface="Yu Gothic" panose="020B0400000000000000" pitchFamily="34" charset="-128"/>
+                <a:ea typeface="Yu Gothic" panose="020B0400000000000000" pitchFamily="34" charset="-128"/>
+              </a:rPr>
+              <a:t>.1</a:t>
+            </a:r>
+          </a:p>
+        </p:txBody>
+      </p:sp>
+      <p:sp>
+        <p:nvSpPr>
+          <p:cNvPr id="26" name="TextBox 25">
+            <a:extLst>
+              <a:ext uri="{FF2B5EF4-FFF2-40B4-BE49-F238E27FC236}">
+                <a16:creationId xmlns:a16="http://schemas.microsoft.com/office/drawing/2014/main" id="{DAA49C1A-882B-1F45-BE8D-C8C25CE32797}"/>
+              </a:ext>
+            </a:extLst>
+          </p:cNvPr>
+          <p:cNvSpPr txBox="1"/>
+          <p:nvPr/>
+        </p:nvSpPr>
+        <p:spPr>
+          <a:xfrm>
+            <a:off x="6589314" y="1973048"/>
+            <a:ext cx="639919" cy="584775"/>
+          </a:xfrm>
+          <a:prstGeom prst="rect">
+            <a:avLst/>
+          </a:prstGeom>
+          <a:noFill/>
+        </p:spPr>
+        <p:txBody>
+          <a:bodyPr wrap="none" rtlCol="0">
+            <a:spAutoFit/>
+          </a:bodyPr>
+          <a:lstStyle/>
+          <a:p>
+            <a:r>
+              <a:rPr lang="en-US" sz="1600" b="1" dirty="0">
+                <a:latin typeface="Yu Gothic" panose="020B0400000000000000" pitchFamily="34" charset="-128"/>
+                <a:ea typeface="Yu Gothic" panose="020B0400000000000000" pitchFamily="34" charset="-128"/>
+              </a:rPr>
+              <a:t>g0/2</a:t>
+            </a:r>
+          </a:p>
+          <a:p>
+            <a:r>
+              <a:rPr lang="en-US" sz="1600" b="1" dirty="0">
+                <a:latin typeface="Yu Gothic" panose="020B0400000000000000" pitchFamily="34" charset="-128"/>
+                <a:ea typeface="Yu Gothic" panose="020B0400000000000000" pitchFamily="34" charset="-128"/>
+              </a:rPr>
+              <a:t>.2</a:t>
+            </a:r>
+          </a:p>
+        </p:txBody>
+      </p:sp>
+      <p:sp>
+        <p:nvSpPr>
+          <p:cNvPr id="47" name="TextBox 46">
+            <a:extLst>
+              <a:ext uri="{FF2B5EF4-FFF2-40B4-BE49-F238E27FC236}">
+                <a16:creationId xmlns:a16="http://schemas.microsoft.com/office/drawing/2014/main" id="{0D5D0819-431D-FF4B-8C3C-05C85AB569C6}"/>
+              </a:ext>
+            </a:extLst>
+          </p:cNvPr>
+          <p:cNvSpPr txBox="1"/>
+          <p:nvPr/>
+        </p:nvSpPr>
+        <p:spPr>
+          <a:xfrm>
+            <a:off x="2011657" y="2708358"/>
+            <a:ext cx="639919" cy="584775"/>
+          </a:xfrm>
+          <a:prstGeom prst="rect">
+            <a:avLst/>
+          </a:prstGeom>
+          <a:noFill/>
+        </p:spPr>
+        <p:txBody>
+          <a:bodyPr wrap="none" rtlCol="0">
+            <a:spAutoFit/>
+          </a:bodyPr>
+          <a:lstStyle/>
+          <a:p>
+            <a:r>
+              <a:rPr lang="en-US" sz="1600" b="1" dirty="0">
+                <a:latin typeface="Yu Gothic" panose="020B0400000000000000" pitchFamily="34" charset="-128"/>
+                <a:ea typeface="Yu Gothic" panose="020B0400000000000000" pitchFamily="34" charset="-128"/>
+              </a:rPr>
+              <a:t>g0/1</a:t>
+            </a:r>
+          </a:p>
+          <a:p>
+            <a:r>
+              <a:rPr lang="en-US" sz="1600" b="1" dirty="0">
+                <a:latin typeface="Yu Gothic" panose="020B0400000000000000" pitchFamily="34" charset="-128"/>
+                <a:ea typeface="Yu Gothic" panose="020B0400000000000000" pitchFamily="34" charset="-128"/>
+              </a:rPr>
+              <a:t>.1</a:t>
+            </a:r>
+          </a:p>
+        </p:txBody>
+      </p:sp>
+      <p:sp>
+        <p:nvSpPr>
+          <p:cNvPr id="55" name="TextBox 54">
+            <a:extLst>
+              <a:ext uri="{FF2B5EF4-FFF2-40B4-BE49-F238E27FC236}">
+                <a16:creationId xmlns:a16="http://schemas.microsoft.com/office/drawing/2014/main" id="{E6D8F3FE-0B1B-9443-A9B3-C316B43D67A2}"/>
+              </a:ext>
+            </a:extLst>
+          </p:cNvPr>
+          <p:cNvSpPr txBox="1"/>
+          <p:nvPr/>
+        </p:nvSpPr>
+        <p:spPr>
+          <a:xfrm>
+            <a:off x="9391040" y="2695030"/>
+            <a:ext cx="639919" cy="584775"/>
+          </a:xfrm>
+          <a:prstGeom prst="rect">
+            <a:avLst/>
+          </a:prstGeom>
+          <a:noFill/>
+        </p:spPr>
+        <p:txBody>
+          <a:bodyPr wrap="none" rtlCol="0">
+            <a:spAutoFit/>
+          </a:bodyPr>
+          <a:lstStyle/>
+          <a:p>
+            <a:r>
+              <a:rPr lang="en-US" sz="1600" b="1" dirty="0">
+                <a:latin typeface="Yu Gothic" panose="020B0400000000000000" pitchFamily="34" charset="-128"/>
+                <a:ea typeface="Yu Gothic" panose="020B0400000000000000" pitchFamily="34" charset="-128"/>
+              </a:rPr>
+              <a:t>g0/1</a:t>
+            </a:r>
+          </a:p>
+          <a:p>
+            <a:r>
+              <a:rPr lang="en-US" sz="1600" b="1" dirty="0">
+                <a:latin typeface="Yu Gothic" panose="020B0400000000000000" pitchFamily="34" charset="-128"/>
+                <a:ea typeface="Yu Gothic" panose="020B0400000000000000" pitchFamily="34" charset="-128"/>
+              </a:rPr>
+              <a:t>.2</a:t>
+            </a:r>
+          </a:p>
+        </p:txBody>
+      </p:sp>
+      <p:sp>
+        <p:nvSpPr>
+          <p:cNvPr id="66" name="Rectangle 65">
+            <a:extLst>
+              <a:ext uri="{FF2B5EF4-FFF2-40B4-BE49-F238E27FC236}">
+                <a16:creationId xmlns:a16="http://schemas.microsoft.com/office/drawing/2014/main" id="{94BF24C4-8E0E-7E42-A716-DD4AE877F35E}"/>
+              </a:ext>
+            </a:extLst>
+          </p:cNvPr>
+          <p:cNvSpPr/>
+          <p:nvPr/>
+        </p:nvSpPr>
+        <p:spPr>
+          <a:xfrm>
+            <a:off x="3994650" y="2159534"/>
+            <a:ext cx="794122" cy="931743"/>
+          </a:xfrm>
+          <a:prstGeom prst="rect">
+            <a:avLst/>
+          </a:prstGeom>
+          <a:solidFill>
+            <a:schemeClr val="bg1"/>
+          </a:solidFill>
+          <a:ln>
+            <a:noFill/>
+          </a:ln>
+        </p:spPr>
+        <p:style>
+          <a:lnRef idx="2">
+            <a:schemeClr val="accent1">
+              <a:shade val="50000"/>
+            </a:schemeClr>
+          </a:lnRef>
+          <a:fillRef idx="1">
+            <a:schemeClr val="accent1"/>
+          </a:fillRef>
+          <a:effectRef idx="0">
+            <a:schemeClr val="accent1"/>
+          </a:effectRef>
+          <a:fontRef idx="minor">
+            <a:schemeClr val="lt1"/>
+          </a:fontRef>
+        </p:style>
+        <p:txBody>
+          <a:bodyPr rtlCol="0" anchor="ctr"/>
+          <a:lstStyle/>
+          <a:p>
+            <a:pPr algn="ctr"/>
+            <a:endParaRPr lang="en-US"/>
+          </a:p>
+        </p:txBody>
+      </p:sp>
+      <p:sp>
+        <p:nvSpPr>
+          <p:cNvPr id="69" name="Rectangle 68">
+            <a:extLst>
+              <a:ext uri="{FF2B5EF4-FFF2-40B4-BE49-F238E27FC236}">
+                <a16:creationId xmlns:a16="http://schemas.microsoft.com/office/drawing/2014/main" id="{49A7F0CD-7178-1045-A6C3-29621E080B98}"/>
+              </a:ext>
+            </a:extLst>
+          </p:cNvPr>
+          <p:cNvSpPr/>
+          <p:nvPr/>
+        </p:nvSpPr>
+        <p:spPr>
+          <a:xfrm>
+            <a:off x="7306104" y="2277644"/>
+            <a:ext cx="763886" cy="467102"/>
+          </a:xfrm>
+          <a:prstGeom prst="rect">
+            <a:avLst/>
+          </a:prstGeom>
+          <a:solidFill>
+            <a:schemeClr val="bg1"/>
+          </a:solidFill>
+          <a:ln>
+            <a:noFill/>
+          </a:ln>
+        </p:spPr>
+        <p:style>
+          <a:lnRef idx="2">
+            <a:schemeClr val="accent1">
+              <a:shade val="50000"/>
+            </a:schemeClr>
+          </a:lnRef>
+          <a:fillRef idx="1">
+            <a:schemeClr val="accent1"/>
+          </a:fillRef>
+          <a:effectRef idx="0">
+            <a:schemeClr val="accent1"/>
+          </a:effectRef>
+          <a:fontRef idx="minor">
+            <a:schemeClr val="lt1"/>
+          </a:fontRef>
+        </p:style>
+        <p:txBody>
+          <a:bodyPr rtlCol="0" anchor="ctr"/>
+          <a:lstStyle/>
+          <a:p>
+            <a:pPr algn="ctr"/>
+            <a:endParaRPr lang="en-US"/>
+          </a:p>
+        </p:txBody>
+      </p:sp>
+      <p:pic>
+        <p:nvPicPr>
+          <p:cNvPr id="70" name="Picture 69">
+            <a:extLst>
+              <a:ext uri="{FF2B5EF4-FFF2-40B4-BE49-F238E27FC236}">
+                <a16:creationId xmlns:a16="http://schemas.microsoft.com/office/drawing/2014/main" id="{AE61304A-F8CD-C54D-98B0-FC2B88F3D626}"/>
+              </a:ext>
+            </a:extLst>
+          </p:cNvPr>
+          <p:cNvPicPr>
+            <a:picLocks noChangeAspect="1"/>
+          </p:cNvPicPr>
+          <p:nvPr/>
+        </p:nvPicPr>
+        <p:blipFill>
+          <a:blip r:embed="rId2">
+            <a:extLst>
+              <a:ext uri="{28A0092B-C50C-407E-A947-70E740481C1C}">
+                <a14:useLocalDpi xmlns:a14="http://schemas.microsoft.com/office/drawing/2010/main" val="0"/>
+              </a:ext>
+            </a:extLst>
+          </a:blip>
+          <a:stretch>
+            <a:fillRect/>
+          </a:stretch>
+        </p:blipFill>
+        <p:spPr>
+          <a:xfrm>
+            <a:off x="7168734" y="2095758"/>
+            <a:ext cx="1059293" cy="1059293"/>
+          </a:xfrm>
+          <a:prstGeom prst="rect">
+            <a:avLst/>
+          </a:prstGeom>
+          <a:noFill/>
+        </p:spPr>
+      </p:pic>
+      <p:sp>
+        <p:nvSpPr>
+          <p:cNvPr id="71" name="TextBox 70">
+            <a:extLst>
+              <a:ext uri="{FF2B5EF4-FFF2-40B4-BE49-F238E27FC236}">
+                <a16:creationId xmlns:a16="http://schemas.microsoft.com/office/drawing/2014/main" id="{B24AD4CC-86B4-5642-BE39-D4453A2633C4}"/>
+              </a:ext>
+            </a:extLst>
+          </p:cNvPr>
+          <p:cNvSpPr txBox="1"/>
+          <p:nvPr/>
+        </p:nvSpPr>
+        <p:spPr>
+          <a:xfrm>
+            <a:off x="7349146" y="2622117"/>
+            <a:ext cx="737702" cy="369332"/>
+          </a:xfrm>
+          <a:prstGeom prst="rect">
+            <a:avLst/>
+          </a:prstGeom>
+          <a:noFill/>
+        </p:spPr>
+        <p:txBody>
+          <a:bodyPr wrap="none" rtlCol="0">
+            <a:spAutoFit/>
+          </a:bodyPr>
+          <a:lstStyle/>
+          <a:p>
+            <a:r>
+              <a:rPr lang="en-US" b="1" dirty="0">
+                <a:solidFill>
+                  <a:schemeClr val="bg1"/>
+                </a:solidFill>
+                <a:latin typeface="Yu Gothic" panose="020B0400000000000000" pitchFamily="34" charset="-128"/>
+                <a:ea typeface="Yu Gothic" panose="020B0400000000000000" pitchFamily="34" charset="-128"/>
+              </a:rPr>
+              <a:t>R2-A</a:t>
+            </a:r>
+          </a:p>
+        </p:txBody>
+      </p:sp>
+      <p:sp>
+        <p:nvSpPr>
+          <p:cNvPr id="83" name="Cloud 82">
+            <a:extLst>
+              <a:ext uri="{FF2B5EF4-FFF2-40B4-BE49-F238E27FC236}">
+                <a16:creationId xmlns:a16="http://schemas.microsoft.com/office/drawing/2014/main" id="{882A689C-A23A-A746-825E-575C99504612}"/>
+              </a:ext>
+            </a:extLst>
+          </p:cNvPr>
+          <p:cNvSpPr/>
+          <p:nvPr/>
+        </p:nvSpPr>
+        <p:spPr>
+          <a:xfrm>
+            <a:off x="4661043" y="5576176"/>
+            <a:ext cx="2784611" cy="1208933"/>
+          </a:xfrm>
+          <a:prstGeom prst="cloud">
+            <a:avLst/>
+          </a:prstGeom>
+          <a:solidFill>
+            <a:schemeClr val="bg2"/>
+          </a:solidFill>
+          <a:ln>
+            <a:noFill/>
+          </a:ln>
+        </p:spPr>
+        <p:style>
+          <a:lnRef idx="2">
+            <a:schemeClr val="accent1">
+              <a:shade val="50000"/>
+            </a:schemeClr>
+          </a:lnRef>
+          <a:fillRef idx="1">
+            <a:schemeClr val="accent1"/>
+          </a:fillRef>
+          <a:effectRef idx="0">
+            <a:schemeClr val="accent1"/>
+          </a:effectRef>
+          <a:fontRef idx="minor">
+            <a:schemeClr val="lt1"/>
+          </a:fontRef>
+        </p:style>
+        <p:txBody>
+          <a:bodyPr rtlCol="0" anchor="ctr"/>
+          <a:lstStyle/>
+          <a:p>
+            <a:pPr algn="ctr"/>
+            <a:endParaRPr lang="en-US"/>
+          </a:p>
+        </p:txBody>
+      </p:sp>
+      <p:sp>
+        <p:nvSpPr>
+          <p:cNvPr id="84" name="TextBox 83">
+            <a:extLst>
+              <a:ext uri="{FF2B5EF4-FFF2-40B4-BE49-F238E27FC236}">
+                <a16:creationId xmlns:a16="http://schemas.microsoft.com/office/drawing/2014/main" id="{8965CA00-810E-E34D-8A29-5F31BEA74268}"/>
+              </a:ext>
+            </a:extLst>
+          </p:cNvPr>
+          <p:cNvSpPr txBox="1"/>
+          <p:nvPr/>
+        </p:nvSpPr>
+        <p:spPr>
+          <a:xfrm>
+            <a:off x="4928391" y="5948048"/>
+            <a:ext cx="2566519" cy="369332"/>
+          </a:xfrm>
+          <a:prstGeom prst="rect">
+            <a:avLst/>
+          </a:prstGeom>
+          <a:noFill/>
+        </p:spPr>
+        <p:txBody>
+          <a:bodyPr wrap="square" rtlCol="0">
+            <a:spAutoFit/>
+          </a:bodyPr>
+          <a:lstStyle/>
+          <a:p>
+            <a:r>
+              <a:rPr lang="en-US" b="1" dirty="0">
+                <a:latin typeface="Yu Gothic" panose="020B0400000000000000" pitchFamily="34" charset="-128"/>
+                <a:ea typeface="Yu Gothic" panose="020B0400000000000000" pitchFamily="34" charset="-128"/>
+              </a:rPr>
+              <a:t>Internet (loopback1)</a:t>
+            </a:r>
+          </a:p>
+        </p:txBody>
+      </p:sp>
+      <p:cxnSp>
+        <p:nvCxnSpPr>
+          <p:cNvPr id="86" name="Straight Connector 85">
+            <a:extLst>
+              <a:ext uri="{FF2B5EF4-FFF2-40B4-BE49-F238E27FC236}">
+                <a16:creationId xmlns:a16="http://schemas.microsoft.com/office/drawing/2014/main" id="{236B7651-4FCB-B645-AAB2-149DE29828A9}"/>
+              </a:ext>
+            </a:extLst>
+          </p:cNvPr>
+          <p:cNvCxnSpPr>
+            <a:cxnSpLocks/>
+          </p:cNvCxnSpPr>
+          <p:nvPr/>
+        </p:nvCxnSpPr>
+        <p:spPr>
+          <a:xfrm flipH="1" flipV="1">
+            <a:off x="4427590" y="2903286"/>
+            <a:ext cx="651926" cy="2432775"/>
+          </a:xfrm>
+          <a:prstGeom prst="line">
+            <a:avLst/>
+          </a:prstGeom>
+          <a:ln w="38100">
+            <a:solidFill>
+              <a:schemeClr val="tx1"/>
+            </a:solidFill>
+          </a:ln>
+        </p:spPr>
+        <p:style>
+          <a:lnRef idx="1">
+            <a:schemeClr val="accent1"/>
+          </a:lnRef>
+          <a:fillRef idx="0">
+            <a:schemeClr val="accent1"/>
+          </a:fillRef>
+          <a:effectRef idx="0">
+            <a:schemeClr val="accent1"/>
+          </a:effectRef>
+          <a:fontRef idx="minor">
+            <a:schemeClr val="tx1"/>
+          </a:fontRef>
+        </p:style>
+      </p:cxnSp>
+      <p:pic>
+        <p:nvPicPr>
+          <p:cNvPr id="95" name="Picture 94">
+            <a:extLst>
+              <a:ext uri="{FF2B5EF4-FFF2-40B4-BE49-F238E27FC236}">
+                <a16:creationId xmlns:a16="http://schemas.microsoft.com/office/drawing/2014/main" id="{401A9CFC-3EBE-C84E-94D2-DE7AAE43BBAB}"/>
+              </a:ext>
+            </a:extLst>
+          </p:cNvPr>
+          <p:cNvPicPr>
+            <a:picLocks noChangeAspect="1"/>
+          </p:cNvPicPr>
+          <p:nvPr/>
+        </p:nvPicPr>
+        <p:blipFill>
+          <a:blip r:embed="rId2">
+            <a:extLst>
+              <a:ext uri="{28A0092B-C50C-407E-A947-70E740481C1C}">
+                <a14:useLocalDpi xmlns:a14="http://schemas.microsoft.com/office/drawing/2010/main" val="0"/>
+              </a:ext>
+            </a:extLst>
+          </a:blip>
+          <a:stretch>
+            <a:fillRect/>
+          </a:stretch>
+        </p:blipFill>
+        <p:spPr>
+          <a:xfrm>
+            <a:off x="6364029" y="4982708"/>
+            <a:ext cx="1059293" cy="1059293"/>
+          </a:xfrm>
+          <a:prstGeom prst="rect">
+            <a:avLst/>
+          </a:prstGeom>
+          <a:noFill/>
+        </p:spPr>
+      </p:pic>
+      <p:sp>
+        <p:nvSpPr>
+          <p:cNvPr id="96" name="TextBox 95">
+            <a:extLst>
+              <a:ext uri="{FF2B5EF4-FFF2-40B4-BE49-F238E27FC236}">
+                <a16:creationId xmlns:a16="http://schemas.microsoft.com/office/drawing/2014/main" id="{DF43365B-4016-BE45-8061-9C84D70E9EE6}"/>
+              </a:ext>
+            </a:extLst>
+          </p:cNvPr>
+          <p:cNvSpPr txBox="1"/>
+          <p:nvPr/>
+        </p:nvSpPr>
+        <p:spPr>
+          <a:xfrm>
+            <a:off x="6527970" y="5511207"/>
+            <a:ext cx="704039" cy="369332"/>
+          </a:xfrm>
+          <a:prstGeom prst="rect">
+            <a:avLst/>
+          </a:prstGeom>
+          <a:noFill/>
+        </p:spPr>
+        <p:txBody>
+          <a:bodyPr wrap="none" rtlCol="0">
+            <a:spAutoFit/>
+          </a:bodyPr>
+          <a:lstStyle/>
+          <a:p>
+            <a:r>
+              <a:rPr lang="en-US" b="1" dirty="0">
+                <a:solidFill>
+                  <a:schemeClr val="bg1"/>
+                </a:solidFill>
+                <a:latin typeface="Yu Gothic" panose="020B0400000000000000" pitchFamily="34" charset="-128"/>
+                <a:ea typeface="Yu Gothic" panose="020B0400000000000000" pitchFamily="34" charset="-128"/>
+              </a:rPr>
+              <a:t>ISP2</a:t>
+            </a:r>
+          </a:p>
+        </p:txBody>
+      </p:sp>
+      <p:sp>
+        <p:nvSpPr>
+          <p:cNvPr id="103" name="TextBox 102">
+            <a:extLst>
+              <a:ext uri="{FF2B5EF4-FFF2-40B4-BE49-F238E27FC236}">
+                <a16:creationId xmlns:a16="http://schemas.microsoft.com/office/drawing/2014/main" id="{A60D7F5F-E078-EC48-A0B5-9B187FD9B2F5}"/>
+              </a:ext>
+            </a:extLst>
+          </p:cNvPr>
+          <p:cNvSpPr txBox="1"/>
+          <p:nvPr/>
+        </p:nvSpPr>
+        <p:spPr>
+          <a:xfrm>
+            <a:off x="7852859" y="262593"/>
+            <a:ext cx="3166251" cy="400110"/>
+          </a:xfrm>
+          <a:prstGeom prst="rect">
+            <a:avLst/>
+          </a:prstGeom>
+          <a:noFill/>
+        </p:spPr>
+        <p:txBody>
+          <a:bodyPr wrap="none" rtlCol="0">
+            <a:spAutoFit/>
+          </a:bodyPr>
+          <a:lstStyle/>
+          <a:p>
+            <a:r>
+              <a:rPr lang="ja-JP" altLang="en-US" sz="2000" b="1">
+                <a:solidFill>
+                  <a:schemeClr val="accent5"/>
+                </a:solidFill>
+              </a:rPr>
+              <a:t>拠点内ネットワーク</a:t>
+            </a:r>
+            <a:r>
+              <a:rPr lang="en-US" altLang="ja-JP" sz="2000" b="1" dirty="0">
+                <a:solidFill>
+                  <a:schemeClr val="accent5"/>
+                </a:solidFill>
+              </a:rPr>
+              <a:t>(</a:t>
+            </a:r>
+            <a:r>
+              <a:rPr lang="ja-JP" altLang="en-US" sz="2000" b="1">
+                <a:solidFill>
+                  <a:schemeClr val="accent5"/>
+                </a:solidFill>
+              </a:rPr>
+              <a:t>大阪</a:t>
+            </a:r>
+            <a:r>
+              <a:rPr lang="en-US" altLang="ja-JP" sz="2000" b="1" dirty="0">
+                <a:solidFill>
+                  <a:schemeClr val="accent5"/>
+                </a:solidFill>
+              </a:rPr>
+              <a:t>)</a:t>
+            </a:r>
+            <a:endParaRPr lang="en-US" sz="2000" b="1" dirty="0">
+              <a:solidFill>
+                <a:schemeClr val="accent5"/>
+              </a:solidFill>
+            </a:endParaRPr>
+          </a:p>
+        </p:txBody>
+      </p:sp>
+      <p:sp>
+        <p:nvSpPr>
+          <p:cNvPr id="104" name="TextBox 103">
+            <a:extLst>
+              <a:ext uri="{FF2B5EF4-FFF2-40B4-BE49-F238E27FC236}">
+                <a16:creationId xmlns:a16="http://schemas.microsoft.com/office/drawing/2014/main" id="{391FC07A-9097-C347-80A7-9ECE48FFF001}"/>
+              </a:ext>
+            </a:extLst>
+          </p:cNvPr>
+          <p:cNvSpPr txBox="1"/>
+          <p:nvPr/>
+        </p:nvSpPr>
+        <p:spPr>
+          <a:xfrm>
+            <a:off x="1215516" y="255654"/>
+            <a:ext cx="3166251" cy="400110"/>
+          </a:xfrm>
+          <a:prstGeom prst="rect">
+            <a:avLst/>
+          </a:prstGeom>
+          <a:noFill/>
+        </p:spPr>
+        <p:txBody>
+          <a:bodyPr wrap="none" rtlCol="0">
+            <a:spAutoFit/>
+          </a:bodyPr>
+          <a:lstStyle/>
+          <a:p>
+            <a:r>
+              <a:rPr lang="ja-JP" altLang="en-US" sz="2000" b="1">
+                <a:solidFill>
+                  <a:schemeClr val="accent5"/>
+                </a:solidFill>
+              </a:rPr>
+              <a:t>拠点内ネットワーク</a:t>
+            </a:r>
+            <a:r>
+              <a:rPr lang="en-US" altLang="ja-JP" sz="2000" b="1" dirty="0">
+                <a:solidFill>
+                  <a:schemeClr val="accent5"/>
+                </a:solidFill>
+              </a:rPr>
+              <a:t>(</a:t>
+            </a:r>
+            <a:r>
+              <a:rPr lang="ja-JP" altLang="en-US" sz="2000" b="1">
+                <a:solidFill>
+                  <a:schemeClr val="accent5"/>
+                </a:solidFill>
+              </a:rPr>
+              <a:t>東京</a:t>
+            </a:r>
+            <a:r>
+              <a:rPr lang="en-US" altLang="ja-JP" sz="2000" b="1" dirty="0">
+                <a:solidFill>
+                  <a:schemeClr val="accent5"/>
+                </a:solidFill>
+              </a:rPr>
+              <a:t>)</a:t>
+            </a:r>
+            <a:endParaRPr lang="en-US" sz="2000" b="1" dirty="0">
+              <a:solidFill>
+                <a:schemeClr val="accent5"/>
+              </a:solidFill>
+            </a:endParaRPr>
+          </a:p>
+        </p:txBody>
+      </p:sp>
+      <p:sp>
+        <p:nvSpPr>
+          <p:cNvPr id="105" name="TextBox 104">
+            <a:extLst>
+              <a:ext uri="{FF2B5EF4-FFF2-40B4-BE49-F238E27FC236}">
+                <a16:creationId xmlns:a16="http://schemas.microsoft.com/office/drawing/2014/main" id="{ECA0F928-31C9-2F47-AF22-B322D3CFABA7}"/>
+              </a:ext>
+            </a:extLst>
+          </p:cNvPr>
+          <p:cNvSpPr txBox="1"/>
+          <p:nvPr/>
+        </p:nvSpPr>
+        <p:spPr>
+          <a:xfrm>
+            <a:off x="4870818" y="262593"/>
+            <a:ext cx="2492990" cy="400110"/>
+          </a:xfrm>
+          <a:prstGeom prst="rect">
+            <a:avLst/>
+          </a:prstGeom>
+          <a:noFill/>
+        </p:spPr>
+        <p:txBody>
+          <a:bodyPr wrap="none" rtlCol="0">
+            <a:spAutoFit/>
+          </a:bodyPr>
+          <a:lstStyle/>
+          <a:p>
+            <a:r>
+              <a:rPr lang="ja-JP" altLang="en-US" sz="2000" b="1">
+                <a:solidFill>
+                  <a:schemeClr val="accent5"/>
+                </a:solidFill>
+              </a:rPr>
+              <a:t>拠点間ネットワーク</a:t>
+            </a:r>
+            <a:endParaRPr lang="en-US" sz="2000" b="1" dirty="0">
+              <a:solidFill>
+                <a:schemeClr val="accent5"/>
+              </a:solidFill>
+            </a:endParaRPr>
+          </a:p>
+        </p:txBody>
+      </p:sp>
+      <p:pic>
+        <p:nvPicPr>
+          <p:cNvPr id="106" name="Picture 105">
+            <a:extLst>
+              <a:ext uri="{FF2B5EF4-FFF2-40B4-BE49-F238E27FC236}">
+                <a16:creationId xmlns:a16="http://schemas.microsoft.com/office/drawing/2014/main" id="{765EF92C-291A-5B4C-B16D-4387E31DE60F}"/>
+              </a:ext>
+            </a:extLst>
+          </p:cNvPr>
+          <p:cNvPicPr>
+            <a:picLocks noChangeAspect="1"/>
+          </p:cNvPicPr>
+          <p:nvPr/>
+        </p:nvPicPr>
+        <p:blipFill>
+          <a:blip r:embed="rId2">
+            <a:extLst>
+              <a:ext uri="{28A0092B-C50C-407E-A947-70E740481C1C}">
+                <a14:useLocalDpi xmlns:a14="http://schemas.microsoft.com/office/drawing/2010/main" val="0"/>
+              </a:ext>
+            </a:extLst>
+          </a:blip>
+          <a:stretch>
+            <a:fillRect/>
+          </a:stretch>
+        </p:blipFill>
+        <p:spPr>
+          <a:xfrm>
+            <a:off x="4689399" y="4985066"/>
+            <a:ext cx="1059293" cy="1059293"/>
+          </a:xfrm>
+          <a:prstGeom prst="rect">
+            <a:avLst/>
+          </a:prstGeom>
+          <a:noFill/>
+        </p:spPr>
+      </p:pic>
+      <p:sp>
+        <p:nvSpPr>
+          <p:cNvPr id="107" name="TextBox 106">
+            <a:extLst>
+              <a:ext uri="{FF2B5EF4-FFF2-40B4-BE49-F238E27FC236}">
+                <a16:creationId xmlns:a16="http://schemas.microsoft.com/office/drawing/2014/main" id="{D61D7EF3-2DF8-2547-8C71-34913E429D8F}"/>
+              </a:ext>
+            </a:extLst>
+          </p:cNvPr>
+          <p:cNvSpPr txBox="1"/>
+          <p:nvPr/>
+        </p:nvSpPr>
+        <p:spPr>
+          <a:xfrm>
+            <a:off x="4885424" y="5505544"/>
+            <a:ext cx="704039" cy="369332"/>
+          </a:xfrm>
+          <a:prstGeom prst="rect">
+            <a:avLst/>
+          </a:prstGeom>
+          <a:noFill/>
+        </p:spPr>
+        <p:txBody>
+          <a:bodyPr wrap="none" rtlCol="0">
+            <a:spAutoFit/>
+          </a:bodyPr>
+          <a:lstStyle/>
+          <a:p>
+            <a:r>
+              <a:rPr lang="en-US" b="1" dirty="0">
+                <a:solidFill>
+                  <a:schemeClr val="bg1"/>
+                </a:solidFill>
+                <a:latin typeface="Yu Gothic" panose="020B0400000000000000" pitchFamily="34" charset="-128"/>
+                <a:ea typeface="Yu Gothic" panose="020B0400000000000000" pitchFamily="34" charset="-128"/>
+              </a:rPr>
+              <a:t>ISP1</a:t>
+            </a:r>
+          </a:p>
+        </p:txBody>
+      </p:sp>
+      <p:pic>
+        <p:nvPicPr>
+          <p:cNvPr id="109" name="Picture 108">
+            <a:extLst>
+              <a:ext uri="{FF2B5EF4-FFF2-40B4-BE49-F238E27FC236}">
+                <a16:creationId xmlns:a16="http://schemas.microsoft.com/office/drawing/2014/main" id="{EB412E15-E69B-3A4B-A04A-A21C061FC295}"/>
+              </a:ext>
+            </a:extLst>
+          </p:cNvPr>
+          <p:cNvPicPr>
+            <a:picLocks noChangeAspect="1"/>
+          </p:cNvPicPr>
+          <p:nvPr/>
+        </p:nvPicPr>
+        <p:blipFill>
+          <a:blip r:embed="rId2">
+            <a:extLst>
+              <a:ext uri="{28A0092B-C50C-407E-A947-70E740481C1C}">
+                <a14:useLocalDpi xmlns:a14="http://schemas.microsoft.com/office/drawing/2010/main" val="0"/>
+              </a:ext>
+            </a:extLst>
+          </a:blip>
+          <a:stretch>
+            <a:fillRect/>
+          </a:stretch>
+        </p:blipFill>
+        <p:spPr>
+          <a:xfrm>
+            <a:off x="3852121" y="2109418"/>
+            <a:ext cx="1059293" cy="1059293"/>
+          </a:xfrm>
+          <a:prstGeom prst="rect">
+            <a:avLst/>
+          </a:prstGeom>
+          <a:noFill/>
+        </p:spPr>
+      </p:pic>
+      <p:sp>
+        <p:nvSpPr>
+          <p:cNvPr id="110" name="TextBox 109">
+            <a:extLst>
+              <a:ext uri="{FF2B5EF4-FFF2-40B4-BE49-F238E27FC236}">
+                <a16:creationId xmlns:a16="http://schemas.microsoft.com/office/drawing/2014/main" id="{50297C50-0B15-8F4C-90EB-902697BC471F}"/>
+              </a:ext>
+            </a:extLst>
+          </p:cNvPr>
+          <p:cNvSpPr txBox="1"/>
+          <p:nvPr/>
+        </p:nvSpPr>
+        <p:spPr>
+          <a:xfrm>
+            <a:off x="4017086" y="2628525"/>
+            <a:ext cx="737702" cy="369332"/>
+          </a:xfrm>
+          <a:prstGeom prst="rect">
+            <a:avLst/>
+          </a:prstGeom>
+          <a:noFill/>
+        </p:spPr>
+        <p:txBody>
+          <a:bodyPr wrap="none" rtlCol="0">
+            <a:spAutoFit/>
+          </a:bodyPr>
+          <a:lstStyle/>
+          <a:p>
+            <a:r>
+              <a:rPr lang="en-US" b="1" dirty="0">
+                <a:solidFill>
+                  <a:schemeClr val="bg1"/>
+                </a:solidFill>
+                <a:latin typeface="Yu Gothic" panose="020B0400000000000000" pitchFamily="34" charset="-128"/>
+                <a:ea typeface="Yu Gothic" panose="020B0400000000000000" pitchFamily="34" charset="-128"/>
+              </a:rPr>
+              <a:t>R1-A</a:t>
+            </a:r>
+          </a:p>
+        </p:txBody>
+      </p:sp>
+      <p:sp>
+        <p:nvSpPr>
+          <p:cNvPr id="111" name="Right Arrow 110">
+            <a:extLst>
+              <a:ext uri="{FF2B5EF4-FFF2-40B4-BE49-F238E27FC236}">
+                <a16:creationId xmlns:a16="http://schemas.microsoft.com/office/drawing/2014/main" id="{139DD1F8-88AE-8840-81E7-637A7CCE8B24}"/>
+              </a:ext>
+            </a:extLst>
+          </p:cNvPr>
+          <p:cNvSpPr/>
+          <p:nvPr/>
+        </p:nvSpPr>
+        <p:spPr>
+          <a:xfrm rot="4084484">
+            <a:off x="4769559" y="3874567"/>
+            <a:ext cx="619914" cy="364548"/>
+          </a:xfrm>
+          <a:prstGeom prst="rightArrow">
+            <a:avLst/>
+          </a:prstGeom>
+          <a:solidFill>
+            <a:schemeClr val="accent3"/>
+          </a:solidFill>
+          <a:ln>
+            <a:noFill/>
+          </a:ln>
+        </p:spPr>
+        <p:style>
+          <a:lnRef idx="2">
+            <a:schemeClr val="accent1">
+              <a:shade val="50000"/>
+            </a:schemeClr>
+          </a:lnRef>
+          <a:fillRef idx="1">
+            <a:schemeClr val="accent1"/>
+          </a:fillRef>
+          <a:effectRef idx="0">
+            <a:schemeClr val="accent1"/>
+          </a:effectRef>
+          <a:fontRef idx="minor">
+            <a:schemeClr val="lt1"/>
+          </a:fontRef>
+        </p:style>
+        <p:txBody>
+          <a:bodyPr rtlCol="0" anchor="ctr"/>
+          <a:lstStyle/>
+          <a:p>
+            <a:pPr algn="ctr"/>
+            <a:endParaRPr lang="en-US"/>
+          </a:p>
+        </p:txBody>
+      </p:sp>
+      <p:sp>
+        <p:nvSpPr>
+          <p:cNvPr id="112" name="Right Arrow 111">
+            <a:extLst>
+              <a:ext uri="{FF2B5EF4-FFF2-40B4-BE49-F238E27FC236}">
+                <a16:creationId xmlns:a16="http://schemas.microsoft.com/office/drawing/2014/main" id="{89070AF7-6F09-CE4F-AAC9-8D29C790B802}"/>
+              </a:ext>
+            </a:extLst>
+          </p:cNvPr>
+          <p:cNvSpPr/>
+          <p:nvPr/>
+        </p:nvSpPr>
+        <p:spPr>
+          <a:xfrm rot="6655345">
+            <a:off x="6748564" y="3862737"/>
+            <a:ext cx="619914" cy="364548"/>
+          </a:xfrm>
+          <a:prstGeom prst="rightArrow">
+            <a:avLst/>
+          </a:prstGeom>
+          <a:solidFill>
+            <a:schemeClr val="accent3"/>
+          </a:solidFill>
+          <a:ln>
+            <a:noFill/>
+          </a:ln>
+        </p:spPr>
+        <p:style>
+          <a:lnRef idx="2">
+            <a:schemeClr val="accent1">
+              <a:shade val="50000"/>
+            </a:schemeClr>
+          </a:lnRef>
+          <a:fillRef idx="1">
+            <a:schemeClr val="accent1"/>
+          </a:fillRef>
+          <a:effectRef idx="0">
+            <a:schemeClr val="accent1"/>
+          </a:effectRef>
+          <a:fontRef idx="minor">
+            <a:schemeClr val="lt1"/>
+          </a:fontRef>
+        </p:style>
+        <p:txBody>
+          <a:bodyPr rtlCol="0" anchor="ctr"/>
+          <a:lstStyle/>
+          <a:p>
+            <a:pPr algn="ctr"/>
+            <a:endParaRPr lang="en-US"/>
+          </a:p>
+        </p:txBody>
+      </p:sp>
+      <p:sp>
+        <p:nvSpPr>
+          <p:cNvPr id="113" name="TextBox 112">
+            <a:extLst>
+              <a:ext uri="{FF2B5EF4-FFF2-40B4-BE49-F238E27FC236}">
+                <a16:creationId xmlns:a16="http://schemas.microsoft.com/office/drawing/2014/main" id="{94AE4C46-8E79-8C41-8560-EB2F0823D193}"/>
+              </a:ext>
+            </a:extLst>
+          </p:cNvPr>
+          <p:cNvSpPr txBox="1"/>
+          <p:nvPr/>
+        </p:nvSpPr>
+        <p:spPr>
+          <a:xfrm>
+            <a:off x="5332398" y="3707568"/>
+            <a:ext cx="1467068" cy="707886"/>
+          </a:xfrm>
+          <a:prstGeom prst="rect">
+            <a:avLst/>
+          </a:prstGeom>
+          <a:noFill/>
+        </p:spPr>
+        <p:txBody>
+          <a:bodyPr wrap="none" rtlCol="0">
+            <a:spAutoFit/>
+          </a:bodyPr>
+          <a:lstStyle/>
+          <a:p>
+            <a:pPr algn="ctr"/>
+            <a:r>
+              <a:rPr lang="ja-JP" altLang="en-US" sz="2000" b="1">
+                <a:solidFill>
+                  <a:schemeClr val="accent3"/>
+                </a:solidFill>
+              </a:rPr>
+              <a:t>デフォルト</a:t>
+            </a:r>
+            <a:endParaRPr lang="en-US" altLang="ja-JP" sz="2000" b="1" dirty="0">
+              <a:solidFill>
+                <a:schemeClr val="accent3"/>
+              </a:solidFill>
+            </a:endParaRPr>
+          </a:p>
+          <a:p>
+            <a:pPr algn="ctr"/>
+            <a:r>
+              <a:rPr lang="ja-JP" altLang="en-US" sz="2000" b="1">
+                <a:solidFill>
+                  <a:schemeClr val="accent3"/>
+                </a:solidFill>
+              </a:rPr>
+              <a:t>ルート</a:t>
+            </a:r>
+            <a:endParaRPr lang="en-US" sz="2000" b="1" dirty="0">
+              <a:solidFill>
+                <a:schemeClr val="accent3"/>
+              </a:solidFill>
+            </a:endParaRPr>
+          </a:p>
+        </p:txBody>
+      </p:sp>
+      <p:sp>
+        <p:nvSpPr>
+          <p:cNvPr id="116" name="TextBox 115">
+            <a:extLst>
+              <a:ext uri="{FF2B5EF4-FFF2-40B4-BE49-F238E27FC236}">
+                <a16:creationId xmlns:a16="http://schemas.microsoft.com/office/drawing/2014/main" id="{20BB062E-5FB1-C04F-861E-EA67295A93E9}"/>
+              </a:ext>
+            </a:extLst>
+          </p:cNvPr>
+          <p:cNvSpPr txBox="1"/>
+          <p:nvPr/>
+        </p:nvSpPr>
+        <p:spPr>
+          <a:xfrm>
+            <a:off x="9435984" y="3701964"/>
+            <a:ext cx="2492990" cy="369332"/>
+          </a:xfrm>
+          <a:prstGeom prst="rect">
+            <a:avLst/>
+          </a:prstGeom>
+          <a:noFill/>
+        </p:spPr>
+        <p:txBody>
+          <a:bodyPr wrap="none" rtlCol="0">
+            <a:spAutoFit/>
+          </a:bodyPr>
+          <a:lstStyle/>
+          <a:p>
+            <a:r>
+              <a:rPr lang="ja-JP" altLang="en-US" b="1">
+                <a:solidFill>
+                  <a:schemeClr val="accent1"/>
+                </a:solidFill>
+              </a:rPr>
+              <a:t>ルーティングテーブル</a:t>
+            </a:r>
+            <a:endParaRPr lang="en-US" b="1" dirty="0">
+              <a:solidFill>
+                <a:schemeClr val="accent1"/>
+              </a:solidFill>
+            </a:endParaRPr>
+          </a:p>
+        </p:txBody>
+      </p:sp>
+      <p:sp>
+        <p:nvSpPr>
+          <p:cNvPr id="121" name="TextBox 120">
+            <a:extLst>
+              <a:ext uri="{FF2B5EF4-FFF2-40B4-BE49-F238E27FC236}">
+                <a16:creationId xmlns:a16="http://schemas.microsoft.com/office/drawing/2014/main" id="{6C3FDCDA-6488-B54E-BACC-0E4FBC7F6E2D}"/>
+              </a:ext>
+            </a:extLst>
+          </p:cNvPr>
+          <p:cNvSpPr txBox="1"/>
+          <p:nvPr/>
+        </p:nvSpPr>
+        <p:spPr>
+          <a:xfrm>
+            <a:off x="4645268" y="2991587"/>
+            <a:ext cx="639919" cy="584775"/>
+          </a:xfrm>
+          <a:prstGeom prst="rect">
+            <a:avLst/>
+          </a:prstGeom>
+          <a:noFill/>
+        </p:spPr>
+        <p:txBody>
+          <a:bodyPr wrap="none" rtlCol="0">
+            <a:spAutoFit/>
+          </a:bodyPr>
+          <a:lstStyle/>
+          <a:p>
+            <a:r>
+              <a:rPr lang="en-US" sz="1600" b="1" dirty="0">
+                <a:latin typeface="Yu Gothic" panose="020B0400000000000000" pitchFamily="34" charset="-128"/>
+                <a:ea typeface="Yu Gothic" panose="020B0400000000000000" pitchFamily="34" charset="-128"/>
+              </a:rPr>
+              <a:t>g0/1</a:t>
+            </a:r>
+          </a:p>
+          <a:p>
+            <a:r>
+              <a:rPr lang="en-US" sz="1600" b="1" dirty="0">
+                <a:latin typeface="Yu Gothic" panose="020B0400000000000000" pitchFamily="34" charset="-128"/>
+                <a:ea typeface="Yu Gothic" panose="020B0400000000000000" pitchFamily="34" charset="-128"/>
+              </a:rPr>
+              <a:t>.2</a:t>
+            </a:r>
+          </a:p>
+        </p:txBody>
+      </p:sp>
+      <p:sp>
+        <p:nvSpPr>
+          <p:cNvPr id="122" name="TextBox 121">
+            <a:extLst>
+              <a:ext uri="{FF2B5EF4-FFF2-40B4-BE49-F238E27FC236}">
+                <a16:creationId xmlns:a16="http://schemas.microsoft.com/office/drawing/2014/main" id="{AF7B56A5-47D0-754B-BA89-5F436B7B18C1}"/>
+              </a:ext>
+            </a:extLst>
+          </p:cNvPr>
+          <p:cNvSpPr txBox="1"/>
+          <p:nvPr/>
+        </p:nvSpPr>
+        <p:spPr>
+          <a:xfrm>
+            <a:off x="6818222" y="2978602"/>
+            <a:ext cx="639919" cy="584775"/>
+          </a:xfrm>
+          <a:prstGeom prst="rect">
+            <a:avLst/>
+          </a:prstGeom>
+          <a:noFill/>
+        </p:spPr>
+        <p:txBody>
+          <a:bodyPr wrap="none" rtlCol="0">
+            <a:spAutoFit/>
+          </a:bodyPr>
+          <a:lstStyle/>
+          <a:p>
+            <a:r>
+              <a:rPr lang="en-US" sz="1600" b="1" dirty="0">
+                <a:latin typeface="Yu Gothic" panose="020B0400000000000000" pitchFamily="34" charset="-128"/>
+                <a:ea typeface="Yu Gothic" panose="020B0400000000000000" pitchFamily="34" charset="-128"/>
+              </a:rPr>
+              <a:t>g0/1</a:t>
+            </a:r>
+          </a:p>
+          <a:p>
+            <a:r>
+              <a:rPr lang="en-US" sz="1600" b="1" dirty="0">
+                <a:latin typeface="Yu Gothic" panose="020B0400000000000000" pitchFamily="34" charset="-128"/>
+                <a:ea typeface="Yu Gothic" panose="020B0400000000000000" pitchFamily="34" charset="-128"/>
+              </a:rPr>
+              <a:t>.2</a:t>
+            </a:r>
+          </a:p>
+        </p:txBody>
+      </p:sp>
+      <p:sp>
+        <p:nvSpPr>
+          <p:cNvPr id="124" name="TextBox 123">
+            <a:extLst>
+              <a:ext uri="{FF2B5EF4-FFF2-40B4-BE49-F238E27FC236}">
+                <a16:creationId xmlns:a16="http://schemas.microsoft.com/office/drawing/2014/main" id="{457C1CB7-BDE8-B541-83B1-493E6713A224}"/>
+              </a:ext>
+            </a:extLst>
+          </p:cNvPr>
+          <p:cNvSpPr txBox="1"/>
+          <p:nvPr/>
+        </p:nvSpPr>
+        <p:spPr>
+          <a:xfrm>
+            <a:off x="5272370" y="6244561"/>
+            <a:ext cx="1689886" cy="369332"/>
+          </a:xfrm>
+          <a:prstGeom prst="rect">
+            <a:avLst/>
+          </a:prstGeom>
+          <a:noFill/>
+        </p:spPr>
+        <p:txBody>
+          <a:bodyPr wrap="none" rtlCol="0">
+            <a:spAutoFit/>
+          </a:bodyPr>
+          <a:lstStyle/>
+          <a:p>
+            <a:r>
+              <a:rPr lang="en-US" b="1" dirty="0">
+                <a:latin typeface="Yu Gothic" panose="020B0400000000000000" pitchFamily="34" charset="-128"/>
+                <a:ea typeface="Yu Gothic" panose="020B0400000000000000" pitchFamily="34" charset="-128"/>
+              </a:rPr>
+              <a:t>172.32.0.1/32</a:t>
+            </a:r>
+          </a:p>
+        </p:txBody>
+      </p:sp>
+      <p:sp>
+        <p:nvSpPr>
+          <p:cNvPr id="125" name="TextBox 124">
+            <a:extLst>
+              <a:ext uri="{FF2B5EF4-FFF2-40B4-BE49-F238E27FC236}">
+                <a16:creationId xmlns:a16="http://schemas.microsoft.com/office/drawing/2014/main" id="{D0836F86-09CE-8E46-8217-752ECC10EA68}"/>
+              </a:ext>
+            </a:extLst>
+          </p:cNvPr>
+          <p:cNvSpPr txBox="1"/>
+          <p:nvPr/>
+        </p:nvSpPr>
+        <p:spPr>
+          <a:xfrm>
+            <a:off x="6469466" y="4597715"/>
+            <a:ext cx="639919" cy="584775"/>
+          </a:xfrm>
+          <a:prstGeom prst="rect">
+            <a:avLst/>
+          </a:prstGeom>
+          <a:noFill/>
+        </p:spPr>
+        <p:txBody>
+          <a:bodyPr wrap="none" rtlCol="0">
+            <a:spAutoFit/>
+          </a:bodyPr>
+          <a:lstStyle/>
+          <a:p>
+            <a:r>
+              <a:rPr lang="en-US" sz="1600" b="1" dirty="0">
+                <a:latin typeface="Yu Gothic" panose="020B0400000000000000" pitchFamily="34" charset="-128"/>
+                <a:ea typeface="Yu Gothic" panose="020B0400000000000000" pitchFamily="34" charset="-128"/>
+              </a:rPr>
+              <a:t>g0/1</a:t>
+            </a:r>
+          </a:p>
+          <a:p>
+            <a:r>
+              <a:rPr lang="en-US" sz="1600" b="1" dirty="0">
+                <a:latin typeface="Yu Gothic" panose="020B0400000000000000" pitchFamily="34" charset="-128"/>
+                <a:ea typeface="Yu Gothic" panose="020B0400000000000000" pitchFamily="34" charset="-128"/>
+              </a:rPr>
+              <a:t>.1</a:t>
+            </a:r>
+          </a:p>
+        </p:txBody>
+      </p:sp>
+      <p:sp>
+        <p:nvSpPr>
+          <p:cNvPr id="126" name="Rectangular Callout 125">
+            <a:extLst>
+              <a:ext uri="{FF2B5EF4-FFF2-40B4-BE49-F238E27FC236}">
+                <a16:creationId xmlns:a16="http://schemas.microsoft.com/office/drawing/2014/main" id="{8690B94F-DC6F-8F41-A752-12B23870EB15}"/>
+              </a:ext>
+            </a:extLst>
+          </p:cNvPr>
+          <p:cNvSpPr/>
+          <p:nvPr/>
+        </p:nvSpPr>
+        <p:spPr>
+          <a:xfrm>
+            <a:off x="8002913" y="4104400"/>
+            <a:ext cx="3626462" cy="2398601"/>
+          </a:xfrm>
+          <a:prstGeom prst="wedgeRectCallout">
+            <a:avLst>
+              <a:gd name="adj1" fmla="val -48468"/>
+              <a:gd name="adj2" fmla="val -94195"/>
+            </a:avLst>
+          </a:prstGeom>
+          <a:ln>
+            <a:noFill/>
+          </a:ln>
+        </p:spPr>
+        <p:style>
+          <a:lnRef idx="2">
+            <a:schemeClr val="accent1">
+              <a:shade val="50000"/>
+            </a:schemeClr>
+          </a:lnRef>
+          <a:fillRef idx="1">
+            <a:schemeClr val="accent1"/>
+          </a:fillRef>
+          <a:effectRef idx="0">
+            <a:schemeClr val="accent1"/>
+          </a:effectRef>
+          <a:fontRef idx="minor">
+            <a:schemeClr val="lt1"/>
+          </a:fontRef>
+        </p:style>
+        <p:txBody>
+          <a:bodyPr rtlCol="0" anchor="ctr"/>
+          <a:lstStyle/>
+          <a:p>
+            <a:pPr algn="ctr"/>
+            <a:endParaRPr lang="en-US"/>
+          </a:p>
+        </p:txBody>
+      </p:sp>
+      <p:sp>
+        <p:nvSpPr>
+          <p:cNvPr id="128" name="TextBox 127">
+            <a:extLst>
+              <a:ext uri="{FF2B5EF4-FFF2-40B4-BE49-F238E27FC236}">
+                <a16:creationId xmlns:a16="http://schemas.microsoft.com/office/drawing/2014/main" id="{54D4DA39-1397-E449-AEE8-4EBF7DA60932}"/>
+              </a:ext>
+            </a:extLst>
+          </p:cNvPr>
+          <p:cNvSpPr txBox="1"/>
+          <p:nvPr/>
+        </p:nvSpPr>
+        <p:spPr>
+          <a:xfrm>
+            <a:off x="1056334" y="5948048"/>
+            <a:ext cx="2492990" cy="369332"/>
+          </a:xfrm>
+          <a:prstGeom prst="rect">
+            <a:avLst/>
+          </a:prstGeom>
+          <a:noFill/>
+        </p:spPr>
+        <p:txBody>
+          <a:bodyPr wrap="none" rtlCol="0">
+            <a:spAutoFit/>
+          </a:bodyPr>
+          <a:lstStyle/>
+          <a:p>
+            <a:r>
+              <a:rPr lang="ja-JP" altLang="en-US" b="1">
+                <a:solidFill>
+                  <a:schemeClr val="bg1"/>
+                </a:solidFill>
+              </a:rPr>
+              <a:t>ルーティングテーブル</a:t>
+            </a:r>
+            <a:endParaRPr lang="en-US" b="1" dirty="0">
+              <a:solidFill>
+                <a:schemeClr val="bg1"/>
+              </a:solidFill>
+            </a:endParaRPr>
+          </a:p>
+        </p:txBody>
+      </p:sp>
+      <p:sp>
+        <p:nvSpPr>
+          <p:cNvPr id="129" name="Rectangular Callout 128">
+            <a:extLst>
+              <a:ext uri="{FF2B5EF4-FFF2-40B4-BE49-F238E27FC236}">
+                <a16:creationId xmlns:a16="http://schemas.microsoft.com/office/drawing/2014/main" id="{5FE471CC-E1AD-104B-B0E9-FFEAAF37681A}"/>
+              </a:ext>
+            </a:extLst>
+          </p:cNvPr>
+          <p:cNvSpPr/>
+          <p:nvPr/>
+        </p:nvSpPr>
+        <p:spPr>
+          <a:xfrm>
+            <a:off x="410296" y="4104400"/>
+            <a:ext cx="3626462" cy="2398601"/>
+          </a:xfrm>
+          <a:prstGeom prst="wedgeRectCallout">
+            <a:avLst>
+              <a:gd name="adj1" fmla="val 48188"/>
+              <a:gd name="adj2" fmla="val -94530"/>
+            </a:avLst>
+          </a:prstGeom>
+          <a:ln>
+            <a:noFill/>
+          </a:ln>
+        </p:spPr>
+        <p:style>
+          <a:lnRef idx="2">
+            <a:schemeClr val="accent1">
+              <a:shade val="50000"/>
+            </a:schemeClr>
+          </a:lnRef>
+          <a:fillRef idx="1">
+            <a:schemeClr val="accent1"/>
+          </a:fillRef>
+          <a:effectRef idx="0">
+            <a:schemeClr val="accent1"/>
+          </a:effectRef>
+          <a:fontRef idx="minor">
+            <a:schemeClr val="lt1"/>
+          </a:fontRef>
+        </p:style>
+        <p:txBody>
+          <a:bodyPr rtlCol="0" anchor="ctr"/>
+          <a:lstStyle/>
+          <a:p>
+            <a:pPr algn="ctr"/>
+            <a:endParaRPr lang="en-US"/>
+          </a:p>
+        </p:txBody>
+      </p:sp>
+      <p:sp>
+        <p:nvSpPr>
+          <p:cNvPr id="131" name="TextBox 130">
+            <a:extLst>
+              <a:ext uri="{FF2B5EF4-FFF2-40B4-BE49-F238E27FC236}">
+                <a16:creationId xmlns:a16="http://schemas.microsoft.com/office/drawing/2014/main" id="{6707EBD7-92A6-8843-A944-83E0B49F1F8B}"/>
+              </a:ext>
+            </a:extLst>
+          </p:cNvPr>
+          <p:cNvSpPr txBox="1"/>
+          <p:nvPr/>
+        </p:nvSpPr>
+        <p:spPr>
+          <a:xfrm>
+            <a:off x="178225" y="3718898"/>
+            <a:ext cx="2492990" cy="369332"/>
+          </a:xfrm>
+          <a:prstGeom prst="rect">
+            <a:avLst/>
+          </a:prstGeom>
+          <a:noFill/>
+        </p:spPr>
+        <p:txBody>
+          <a:bodyPr wrap="none" rtlCol="0">
+            <a:spAutoFit/>
+          </a:bodyPr>
+          <a:lstStyle/>
+          <a:p>
+            <a:r>
+              <a:rPr lang="ja-JP" altLang="en-US" b="1">
+                <a:solidFill>
+                  <a:schemeClr val="accent1"/>
+                </a:solidFill>
+              </a:rPr>
+              <a:t>ルーティングテーブル</a:t>
+            </a:r>
+            <a:endParaRPr lang="en-US" b="1" dirty="0">
+              <a:solidFill>
+                <a:schemeClr val="accent1"/>
+              </a:solidFill>
+            </a:endParaRPr>
+          </a:p>
+        </p:txBody>
+      </p:sp>
+      <p:sp>
+        <p:nvSpPr>
+          <p:cNvPr id="132" name="TextBox 131">
+            <a:extLst>
+              <a:ext uri="{FF2B5EF4-FFF2-40B4-BE49-F238E27FC236}">
+                <a16:creationId xmlns:a16="http://schemas.microsoft.com/office/drawing/2014/main" id="{7D03800C-6510-3B45-8296-7F6415BEF6DA}"/>
+              </a:ext>
+            </a:extLst>
+          </p:cNvPr>
+          <p:cNvSpPr txBox="1"/>
+          <p:nvPr/>
+        </p:nvSpPr>
+        <p:spPr>
+          <a:xfrm rot="4491193">
+            <a:off x="3791803" y="4235909"/>
+            <a:ext cx="1670650" cy="400110"/>
+          </a:xfrm>
+          <a:prstGeom prst="rect">
+            <a:avLst/>
+          </a:prstGeom>
+          <a:noFill/>
+        </p:spPr>
+        <p:txBody>
+          <a:bodyPr wrap="none" rtlCol="0">
+            <a:spAutoFit/>
+          </a:bodyPr>
+          <a:lstStyle/>
+          <a:p>
+            <a:r>
+              <a:rPr lang="en-US" sz="2000" b="1" dirty="0">
+                <a:solidFill>
+                  <a:schemeClr val="accent5"/>
+                </a:solidFill>
+              </a:rPr>
+              <a:t>172.16.0.0/16</a:t>
+            </a:r>
+          </a:p>
+        </p:txBody>
+      </p:sp>
+      <p:sp>
+        <p:nvSpPr>
+          <p:cNvPr id="133" name="TextBox 132">
+            <a:extLst>
+              <a:ext uri="{FF2B5EF4-FFF2-40B4-BE49-F238E27FC236}">
+                <a16:creationId xmlns:a16="http://schemas.microsoft.com/office/drawing/2014/main" id="{47AF6EFA-675E-A948-8629-99FC744C7F2B}"/>
+              </a:ext>
+            </a:extLst>
+          </p:cNvPr>
+          <p:cNvSpPr txBox="1"/>
+          <p:nvPr/>
+        </p:nvSpPr>
+        <p:spPr>
+          <a:xfrm rot="6404754">
+            <a:off x="6625167" y="4236448"/>
+            <a:ext cx="1670650" cy="400110"/>
+          </a:xfrm>
+          <a:prstGeom prst="rect">
+            <a:avLst/>
+          </a:prstGeom>
+          <a:noFill/>
+        </p:spPr>
+        <p:txBody>
+          <a:bodyPr wrap="none" rtlCol="0">
+            <a:spAutoFit/>
+          </a:bodyPr>
+          <a:lstStyle/>
+          <a:p>
+            <a:r>
+              <a:rPr lang="en-US" sz="2000" b="1" dirty="0">
+                <a:solidFill>
+                  <a:schemeClr val="accent5"/>
+                </a:solidFill>
+              </a:rPr>
+              <a:t>172.17.0.0/16</a:t>
+            </a:r>
+          </a:p>
+        </p:txBody>
+      </p:sp>
+      <p:sp>
+        <p:nvSpPr>
+          <p:cNvPr id="134" name="TextBox 133">
+            <a:extLst>
+              <a:ext uri="{FF2B5EF4-FFF2-40B4-BE49-F238E27FC236}">
+                <a16:creationId xmlns:a16="http://schemas.microsoft.com/office/drawing/2014/main" id="{F8C5E327-4451-2645-891D-1E78E63B485D}"/>
+              </a:ext>
+            </a:extLst>
+          </p:cNvPr>
+          <p:cNvSpPr txBox="1"/>
+          <p:nvPr/>
+        </p:nvSpPr>
+        <p:spPr>
+          <a:xfrm>
+            <a:off x="5090180" y="4595398"/>
+            <a:ext cx="639919" cy="584775"/>
+          </a:xfrm>
+          <a:prstGeom prst="rect">
+            <a:avLst/>
+          </a:prstGeom>
+          <a:noFill/>
+        </p:spPr>
+        <p:txBody>
+          <a:bodyPr wrap="none" rtlCol="0">
+            <a:spAutoFit/>
+          </a:bodyPr>
+          <a:lstStyle/>
+          <a:p>
+            <a:r>
+              <a:rPr lang="en-US" sz="1600" b="1" dirty="0">
+                <a:latin typeface="Yu Gothic" panose="020B0400000000000000" pitchFamily="34" charset="-128"/>
+                <a:ea typeface="Yu Gothic" panose="020B0400000000000000" pitchFamily="34" charset="-128"/>
+              </a:rPr>
+              <a:t>g0/1</a:t>
+            </a:r>
+          </a:p>
+          <a:p>
+            <a:r>
+              <a:rPr lang="en-US" sz="1600" b="1" dirty="0">
+                <a:latin typeface="Yu Gothic" panose="020B0400000000000000" pitchFamily="34" charset="-128"/>
+                <a:ea typeface="Yu Gothic" panose="020B0400000000000000" pitchFamily="34" charset="-128"/>
+              </a:rPr>
+              <a:t>.1</a:t>
+            </a:r>
+          </a:p>
+        </p:txBody>
+      </p:sp>
+      <p:sp>
+        <p:nvSpPr>
+          <p:cNvPr id="135" name="Rectangle 134">
+            <a:extLst>
+              <a:ext uri="{FF2B5EF4-FFF2-40B4-BE49-F238E27FC236}">
+                <a16:creationId xmlns:a16="http://schemas.microsoft.com/office/drawing/2014/main" id="{C2D5C24A-E3E7-2843-9C34-3A98C990302E}"/>
+              </a:ext>
+            </a:extLst>
+          </p:cNvPr>
+          <p:cNvSpPr/>
+          <p:nvPr/>
+        </p:nvSpPr>
+        <p:spPr>
+          <a:xfrm>
+            <a:off x="521368" y="4562410"/>
+            <a:ext cx="3400928" cy="370537"/>
+          </a:xfrm>
+          <a:prstGeom prst="rect">
+            <a:avLst/>
+          </a:prstGeom>
+          <a:solidFill>
+            <a:schemeClr val="accent3"/>
+          </a:solidFill>
+          <a:ln>
+            <a:noFill/>
+          </a:ln>
+        </p:spPr>
+        <p:style>
+          <a:lnRef idx="2">
+            <a:schemeClr val="accent1">
+              <a:shade val="50000"/>
+            </a:schemeClr>
+          </a:lnRef>
+          <a:fillRef idx="1">
+            <a:schemeClr val="accent1"/>
+          </a:fillRef>
+          <a:effectRef idx="0">
+            <a:schemeClr val="accent1"/>
+          </a:effectRef>
+          <a:fontRef idx="minor">
+            <a:schemeClr val="lt1"/>
+          </a:fontRef>
+        </p:style>
+        <p:txBody>
+          <a:bodyPr rtlCol="0" anchor="ctr"/>
+          <a:lstStyle/>
+          <a:p>
+            <a:pPr algn="ctr"/>
+            <a:endParaRPr lang="en-US"/>
+          </a:p>
+        </p:txBody>
+      </p:sp>
+      <p:sp>
+        <p:nvSpPr>
+          <p:cNvPr id="137" name="Rectangle 136">
+            <a:extLst>
+              <a:ext uri="{FF2B5EF4-FFF2-40B4-BE49-F238E27FC236}">
+                <a16:creationId xmlns:a16="http://schemas.microsoft.com/office/drawing/2014/main" id="{C75E134D-E97A-3045-803A-2A179B966FC0}"/>
+              </a:ext>
+            </a:extLst>
+          </p:cNvPr>
+          <p:cNvSpPr/>
+          <p:nvPr/>
+        </p:nvSpPr>
+        <p:spPr>
+          <a:xfrm>
+            <a:off x="8114432" y="4562410"/>
+            <a:ext cx="3400928" cy="370537"/>
+          </a:xfrm>
+          <a:prstGeom prst="rect">
+            <a:avLst/>
+          </a:prstGeom>
+          <a:solidFill>
+            <a:schemeClr val="accent3"/>
+          </a:solidFill>
+          <a:ln>
+            <a:noFill/>
+          </a:ln>
+        </p:spPr>
+        <p:style>
+          <a:lnRef idx="2">
+            <a:schemeClr val="accent1">
+              <a:shade val="50000"/>
+            </a:schemeClr>
+          </a:lnRef>
+          <a:fillRef idx="1">
+            <a:schemeClr val="accent1"/>
+          </a:fillRef>
+          <a:effectRef idx="0">
+            <a:schemeClr val="accent1"/>
+          </a:effectRef>
+          <a:fontRef idx="minor">
+            <a:schemeClr val="lt1"/>
+          </a:fontRef>
+        </p:style>
+        <p:txBody>
+          <a:bodyPr rtlCol="0" anchor="ctr"/>
+          <a:lstStyle/>
+          <a:p>
+            <a:pPr algn="ctr"/>
+            <a:endParaRPr lang="en-US"/>
+          </a:p>
+        </p:txBody>
+      </p:sp>
+      <p:graphicFrame>
+        <p:nvGraphicFramePr>
+          <p:cNvPr id="138" name="Table 137">
+            <a:extLst>
+              <a:ext uri="{FF2B5EF4-FFF2-40B4-BE49-F238E27FC236}">
+                <a16:creationId xmlns:a16="http://schemas.microsoft.com/office/drawing/2014/main" id="{B9367673-9348-6340-AB90-9AA8CD4D693F}"/>
+              </a:ext>
+            </a:extLst>
+          </p:cNvPr>
+          <p:cNvGraphicFramePr>
+            <a:graphicFrameLocks noGrp="1"/>
+          </p:cNvGraphicFramePr>
+          <p:nvPr>
+            <p:extLst>
+              <p:ext uri="{D42A27DB-BD31-4B8C-83A1-F6EECF244321}">
+                <p14:modId xmlns:p14="http://schemas.microsoft.com/office/powerpoint/2010/main" val="2363035333"/>
+              </p:ext>
+            </p:extLst>
+          </p:nvPr>
+        </p:nvGraphicFramePr>
+        <p:xfrm>
+          <a:off x="8108606" y="4198056"/>
+          <a:ext cx="3422257" cy="2219960"/>
+        </p:xfrm>
+        <a:graphic>
+          <a:graphicData uri="http://schemas.openxmlformats.org/drawingml/2006/table">
+            <a:tbl>
+              <a:tblPr firstRow="1" bandRow="1"/>
+              <a:tblGrid>
+                <a:gridCol w="2029836">
+                  <a:extLst>
+                    <a:ext uri="{9D8B030D-6E8A-4147-A177-3AD203B41FA5}">
+                      <a16:colId xmlns:a16="http://schemas.microsoft.com/office/drawing/2014/main" val="3165905422"/>
+                    </a:ext>
+                  </a:extLst>
+                </a:gridCol>
+                <a:gridCol w="1392421">
+                  <a:extLst>
+                    <a:ext uri="{9D8B030D-6E8A-4147-A177-3AD203B41FA5}">
+                      <a16:colId xmlns:a16="http://schemas.microsoft.com/office/drawing/2014/main" val="2467080021"/>
+                    </a:ext>
+                  </a:extLst>
+                </a:gridCol>
+              </a:tblGrid>
+              <a:tr h="350777">
+                <a:tc>
+                  <a:txBody>
+                    <a:bodyPr/>
+                    <a:lstStyle/>
+                    <a:p>
+                      <a:pPr algn="ctr"/>
+                      <a:r>
+                        <a:rPr lang="ja-JP" altLang="en-US" b="1">
+                          <a:solidFill>
+                            <a:schemeClr val="bg1"/>
+                          </a:solidFill>
+                          <a:latin typeface="+mn-ea"/>
+                          <a:ea typeface="+mn-ea"/>
+                        </a:rPr>
+                        <a:t>ネットワーク</a:t>
+                      </a:r>
+                      <a:endParaRPr lang="en-US" b="1" dirty="0">
+                        <a:solidFill>
+                          <a:schemeClr val="bg1"/>
+                        </a:solidFill>
+                        <a:latin typeface="+mn-ea"/>
+                        <a:ea typeface="+mn-ea"/>
+                      </a:endParaRPr>
+                    </a:p>
+                  </a:txBody>
+                  <a:tcPr>
+                    <a:lnL w="28575" cap="flat" cmpd="sng" algn="ctr">
+                      <a:solidFill>
+                        <a:schemeClr val="bg1"/>
+                      </a:solidFill>
+                      <a:prstDash val="solid"/>
+                      <a:round/>
+                      <a:headEnd type="none" w="med" len="med"/>
+                      <a:tailEnd type="none" w="med" len="med"/>
+                    </a:lnL>
+                    <a:lnR w="28575" cap="flat" cmpd="sng" algn="ctr">
+                      <a:solidFill>
+                        <a:schemeClr val="bg1"/>
+                      </a:solidFill>
+                      <a:prstDash val="solid"/>
+                      <a:round/>
+                      <a:headEnd type="none" w="med" len="med"/>
+                      <a:tailEnd type="none" w="med" len="med"/>
+                    </a:lnR>
+                    <a:lnT w="28575" cap="flat" cmpd="sng" algn="ctr">
+                      <a:solidFill>
+                        <a:schemeClr val="bg1"/>
+                      </a:solidFill>
+                      <a:prstDash val="solid"/>
+                      <a:round/>
+                      <a:headEnd type="none" w="med" len="med"/>
+                      <a:tailEnd type="none" w="med" len="med"/>
+                    </a:lnT>
+                    <a:lnB w="28575" cap="flat" cmpd="sng" algn="ctr">
+                      <a:solidFill>
+                        <a:schemeClr val="bg1"/>
+                      </a:solidFill>
+                      <a:prstDash val="solid"/>
+                      <a:round/>
+                      <a:headEnd type="none" w="med" len="med"/>
+                      <a:tailEnd type="none" w="med" len="med"/>
+                    </a:lnB>
+                    <a:noFill/>
+                  </a:tcPr>
+                </a:tc>
+                <a:tc>
+                  <a:txBody>
+                    <a:bodyPr/>
+                    <a:lstStyle/>
+                    <a:p>
+                      <a:pPr algn="ctr"/>
+                      <a:r>
+                        <a:rPr lang="en-US" b="1" dirty="0">
+                          <a:solidFill>
+                            <a:schemeClr val="bg1"/>
+                          </a:solidFill>
+                          <a:latin typeface="+mn-ea"/>
+                          <a:ea typeface="+mn-ea"/>
+                        </a:rPr>
+                        <a:t>via</a:t>
+                      </a:r>
+                    </a:p>
+                  </a:txBody>
+                  <a:tcPr>
+                    <a:lnL w="28575" cap="flat" cmpd="sng" algn="ctr">
+                      <a:solidFill>
+                        <a:schemeClr val="bg1"/>
+                      </a:solidFill>
+                      <a:prstDash val="solid"/>
+                      <a:round/>
+                      <a:headEnd type="none" w="med" len="med"/>
+                      <a:tailEnd type="none" w="med" len="med"/>
+                    </a:lnL>
+                    <a:lnR w="28575" cap="flat" cmpd="sng" algn="ctr">
+                      <a:solidFill>
+                        <a:schemeClr val="bg1"/>
+                      </a:solidFill>
+                      <a:prstDash val="solid"/>
+                      <a:round/>
+                      <a:headEnd type="none" w="med" len="med"/>
+                      <a:tailEnd type="none" w="med" len="med"/>
+                    </a:lnR>
+                    <a:lnT w="28575" cap="flat" cmpd="sng" algn="ctr">
+                      <a:solidFill>
+                        <a:schemeClr val="bg1"/>
+                      </a:solidFill>
+                      <a:prstDash val="solid"/>
+                      <a:round/>
+                      <a:headEnd type="none" w="med" len="med"/>
+                      <a:tailEnd type="none" w="med" len="med"/>
+                    </a:lnT>
+                    <a:lnB w="28575" cap="flat" cmpd="sng" algn="ctr">
+                      <a:solidFill>
+                        <a:schemeClr val="bg1"/>
+                      </a:solidFill>
+                      <a:prstDash val="solid"/>
+                      <a:round/>
+                      <a:headEnd type="none" w="med" len="med"/>
+                      <a:tailEnd type="none" w="med" len="med"/>
+                    </a:lnB>
+                    <a:noFill/>
+                  </a:tcPr>
+                </a:tc>
+                <a:extLst>
+                  <a:ext uri="{0D108BD9-81ED-4DB2-BD59-A6C34878D82A}">
+                    <a16:rowId xmlns:a16="http://schemas.microsoft.com/office/drawing/2014/main" val="1356393982"/>
+                  </a:ext>
+                </a:extLst>
+              </a:tr>
+              <a:tr h="370840">
+                <a:tc>
+                  <a:txBody>
+                    <a:bodyPr/>
+                    <a:lstStyle/>
+                    <a:p>
+                      <a:pPr algn="ctr"/>
+                      <a:r>
+                        <a:rPr lang="en-US" b="1" dirty="0">
+                          <a:solidFill>
+                            <a:schemeClr val="bg1"/>
+                          </a:solidFill>
+                          <a:latin typeface="+mn-ea"/>
+                          <a:ea typeface="+mn-ea"/>
+                        </a:rPr>
+                        <a:t>0.0.0.0/0</a:t>
+                      </a:r>
+                    </a:p>
+                  </a:txBody>
+                  <a:tcPr>
+                    <a:lnL w="28575" cap="flat" cmpd="sng" algn="ctr">
+                      <a:solidFill>
+                        <a:schemeClr val="bg1"/>
+                      </a:solidFill>
+                      <a:prstDash val="solid"/>
+                      <a:round/>
+                      <a:headEnd type="none" w="med" len="med"/>
+                      <a:tailEnd type="none" w="med" len="med"/>
+                    </a:lnL>
+                    <a:lnR w="28575" cap="flat" cmpd="sng" algn="ctr">
+                      <a:solidFill>
+                        <a:schemeClr val="bg1"/>
+                      </a:solidFill>
+                      <a:prstDash val="solid"/>
+                      <a:round/>
+                      <a:headEnd type="none" w="med" len="med"/>
+                      <a:tailEnd type="none" w="med" len="med"/>
+                    </a:lnR>
+                    <a:lnT w="28575" cap="flat" cmpd="sng" algn="ctr">
+                      <a:solidFill>
+                        <a:schemeClr val="bg1"/>
+                      </a:solidFill>
+                      <a:prstDash val="solid"/>
+                      <a:round/>
+                      <a:headEnd type="none" w="med" len="med"/>
+                      <a:tailEnd type="none" w="med" len="med"/>
+                    </a:lnT>
+                    <a:lnB w="28575" cap="flat" cmpd="sng" algn="ctr">
+                      <a:solidFill>
+                        <a:schemeClr val="bg1"/>
+                      </a:solidFill>
+                      <a:prstDash val="solid"/>
+                      <a:round/>
+                      <a:headEnd type="none" w="med" len="med"/>
+                      <a:tailEnd type="none" w="med" len="med"/>
+                    </a:lnB>
+                    <a:noFill/>
+                  </a:tcPr>
+                </a:tc>
+                <a:tc>
+                  <a:txBody>
+                    <a:bodyPr/>
+                    <a:lstStyle/>
+                    <a:p>
+                      <a:pPr algn="ctr"/>
+                      <a:r>
+                        <a:rPr lang="en-US" b="1" dirty="0">
+                          <a:solidFill>
+                            <a:schemeClr val="bg1"/>
+                          </a:solidFill>
+                          <a:latin typeface="+mn-ea"/>
+                          <a:ea typeface="+mn-ea"/>
+                        </a:rPr>
+                        <a:t>172.17.0.1</a:t>
+                      </a:r>
+                    </a:p>
+                  </a:txBody>
+                  <a:tcPr>
+                    <a:lnL w="28575" cap="flat" cmpd="sng" algn="ctr">
+                      <a:solidFill>
+                        <a:schemeClr val="bg1"/>
+                      </a:solidFill>
+                      <a:prstDash val="solid"/>
+                      <a:round/>
+                      <a:headEnd type="none" w="med" len="med"/>
+                      <a:tailEnd type="none" w="med" len="med"/>
+                    </a:lnL>
+                    <a:lnR w="28575" cap="flat" cmpd="sng" algn="ctr">
+                      <a:solidFill>
+                        <a:schemeClr val="bg1"/>
+                      </a:solidFill>
+                      <a:prstDash val="solid"/>
+                      <a:round/>
+                      <a:headEnd type="none" w="med" len="med"/>
+                      <a:tailEnd type="none" w="med" len="med"/>
+                    </a:lnR>
+                    <a:lnT w="28575" cap="flat" cmpd="sng" algn="ctr">
+                      <a:solidFill>
+                        <a:schemeClr val="bg1"/>
+                      </a:solidFill>
+                      <a:prstDash val="solid"/>
+                      <a:round/>
+                      <a:headEnd type="none" w="med" len="med"/>
+                      <a:tailEnd type="none" w="med" len="med"/>
+                    </a:lnT>
+                    <a:lnB w="28575" cap="flat" cmpd="sng" algn="ctr">
+                      <a:solidFill>
+                        <a:schemeClr val="bg1"/>
+                      </a:solidFill>
+                      <a:prstDash val="solid"/>
+                      <a:round/>
+                      <a:headEnd type="none" w="med" len="med"/>
+                      <a:tailEnd type="none" w="med" len="med"/>
+                    </a:lnB>
+                    <a:noFill/>
+                  </a:tcPr>
+                </a:tc>
+                <a:extLst>
+                  <a:ext uri="{0D108BD9-81ED-4DB2-BD59-A6C34878D82A}">
+                    <a16:rowId xmlns:a16="http://schemas.microsoft.com/office/drawing/2014/main" val="3819732004"/>
+                  </a:ext>
+                </a:extLst>
+              </a:tr>
+              <a:tr h="370840">
+                <a:tc>
+                  <a:txBody>
+                    <a:bodyPr/>
+                    <a:lstStyle/>
+                    <a:p>
+                      <a:pPr algn="ctr"/>
+                      <a:r>
+                        <a:rPr lang="en-US" b="1" dirty="0">
+                          <a:solidFill>
+                            <a:schemeClr val="bg1"/>
+                          </a:solidFill>
+                          <a:latin typeface="+mn-ea"/>
+                          <a:ea typeface="+mn-ea"/>
+                        </a:rPr>
+                        <a:t>10.1.0.0/16</a:t>
+                      </a:r>
+                    </a:p>
+                  </a:txBody>
+                  <a:tcPr>
+                    <a:lnL w="28575" cap="flat" cmpd="sng" algn="ctr">
+                      <a:solidFill>
+                        <a:schemeClr val="bg1"/>
+                      </a:solidFill>
+                      <a:prstDash val="solid"/>
+                      <a:round/>
+                      <a:headEnd type="none" w="med" len="med"/>
+                      <a:tailEnd type="none" w="med" len="med"/>
+                    </a:lnL>
+                    <a:lnR w="28575" cap="flat" cmpd="sng" algn="ctr">
+                      <a:solidFill>
+                        <a:schemeClr val="bg1"/>
+                      </a:solidFill>
+                      <a:prstDash val="solid"/>
+                      <a:round/>
+                      <a:headEnd type="none" w="med" len="med"/>
+                      <a:tailEnd type="none" w="med" len="med"/>
+                    </a:lnR>
+                    <a:lnT w="28575" cap="flat" cmpd="sng" algn="ctr">
+                      <a:solidFill>
+                        <a:schemeClr val="bg1"/>
+                      </a:solidFill>
+                      <a:prstDash val="solid"/>
+                      <a:round/>
+                      <a:headEnd type="none" w="med" len="med"/>
+                      <a:tailEnd type="none" w="med" len="med"/>
+                    </a:lnT>
+                    <a:lnB w="28575" cap="flat" cmpd="sng" algn="ctr">
+                      <a:solidFill>
+                        <a:schemeClr val="bg1"/>
+                      </a:solidFill>
+                      <a:prstDash val="solid"/>
+                      <a:round/>
+                      <a:headEnd type="none" w="med" len="med"/>
+                      <a:tailEnd type="none" w="med" len="med"/>
+                    </a:lnB>
+                    <a:noFill/>
+                  </a:tcPr>
+                </a:tc>
+                <a:tc>
+                  <a:txBody>
+                    <a:bodyPr/>
+                    <a:lstStyle/>
+                    <a:p>
+                      <a:pPr algn="ctr"/>
+                      <a:r>
+                        <a:rPr lang="en-US" b="1" dirty="0">
+                          <a:solidFill>
+                            <a:schemeClr val="bg1"/>
+                          </a:solidFill>
+                          <a:latin typeface="+mn-ea"/>
+                          <a:ea typeface="+mn-ea"/>
+                        </a:rPr>
+                        <a:t>192.168.0.1</a:t>
+                      </a:r>
+                    </a:p>
+                  </a:txBody>
+                  <a:tcPr>
+                    <a:lnL w="28575" cap="flat" cmpd="sng" algn="ctr">
+                      <a:solidFill>
+                        <a:schemeClr val="bg1"/>
+                      </a:solidFill>
+                      <a:prstDash val="solid"/>
+                      <a:round/>
+                      <a:headEnd type="none" w="med" len="med"/>
+                      <a:tailEnd type="none" w="med" len="med"/>
+                    </a:lnL>
+                    <a:lnR w="28575" cap="flat" cmpd="sng" algn="ctr">
+                      <a:solidFill>
+                        <a:schemeClr val="bg1"/>
+                      </a:solidFill>
+                      <a:prstDash val="solid"/>
+                      <a:round/>
+                      <a:headEnd type="none" w="med" len="med"/>
+                      <a:tailEnd type="none" w="med" len="med"/>
+                    </a:lnR>
+                    <a:lnT w="28575" cap="flat" cmpd="sng" algn="ctr">
+                      <a:solidFill>
+                        <a:schemeClr val="bg1"/>
+                      </a:solidFill>
+                      <a:prstDash val="solid"/>
+                      <a:round/>
+                      <a:headEnd type="none" w="med" len="med"/>
+                      <a:tailEnd type="none" w="med" len="med"/>
+                    </a:lnT>
+                    <a:lnB w="28575" cap="flat" cmpd="sng" algn="ctr">
+                      <a:solidFill>
+                        <a:schemeClr val="bg1"/>
+                      </a:solidFill>
+                      <a:prstDash val="solid"/>
+                      <a:round/>
+                      <a:headEnd type="none" w="med" len="med"/>
+                      <a:tailEnd type="none" w="med" len="med"/>
+                    </a:lnB>
+                    <a:noFill/>
+                  </a:tcPr>
+                </a:tc>
+                <a:extLst>
+                  <a:ext uri="{0D108BD9-81ED-4DB2-BD59-A6C34878D82A}">
+                    <a16:rowId xmlns:a16="http://schemas.microsoft.com/office/drawing/2014/main" val="3517983726"/>
+                  </a:ext>
+                </a:extLst>
+              </a:tr>
+              <a:tr h="370840">
+                <a:tc>
+                  <a:txBody>
+                    <a:bodyPr/>
+                    <a:lstStyle/>
+                    <a:p>
+                      <a:pPr algn="ctr"/>
+                      <a:r>
+                        <a:rPr lang="en-US" b="1" dirty="0">
+                          <a:solidFill>
+                            <a:schemeClr val="bg1"/>
+                          </a:solidFill>
+                          <a:latin typeface="+mn-ea"/>
+                          <a:ea typeface="+mn-ea"/>
+                        </a:rPr>
+                        <a:t>10.2.0.0/16</a:t>
+                      </a:r>
+                    </a:p>
+                  </a:txBody>
+                  <a:tcPr>
+                    <a:lnL w="28575" cap="flat" cmpd="sng" algn="ctr">
+                      <a:solidFill>
+                        <a:schemeClr val="bg1"/>
+                      </a:solidFill>
+                      <a:prstDash val="solid"/>
+                      <a:round/>
+                      <a:headEnd type="none" w="med" len="med"/>
+                      <a:tailEnd type="none" w="med" len="med"/>
+                    </a:lnL>
+                    <a:lnR w="28575" cap="flat" cmpd="sng" algn="ctr">
+                      <a:solidFill>
+                        <a:schemeClr val="bg1"/>
+                      </a:solidFill>
+                      <a:prstDash val="solid"/>
+                      <a:round/>
+                      <a:headEnd type="none" w="med" len="med"/>
+                      <a:tailEnd type="none" w="med" len="med"/>
+                    </a:lnR>
+                    <a:lnT w="28575" cap="flat" cmpd="sng" algn="ctr">
+                      <a:solidFill>
+                        <a:schemeClr val="bg1"/>
+                      </a:solidFill>
+                      <a:prstDash val="solid"/>
+                      <a:round/>
+                      <a:headEnd type="none" w="med" len="med"/>
+                      <a:tailEnd type="none" w="med" len="med"/>
+                    </a:lnT>
+                    <a:lnB w="28575" cap="flat" cmpd="sng" algn="ctr">
+                      <a:solidFill>
+                        <a:schemeClr val="bg1"/>
+                      </a:solidFill>
+                      <a:prstDash val="solid"/>
+                      <a:round/>
+                      <a:headEnd type="none" w="med" len="med"/>
+                      <a:tailEnd type="none" w="med" len="med"/>
+                    </a:lnB>
+                    <a:noFill/>
+                  </a:tcPr>
+                </a:tc>
+                <a:tc>
+                  <a:txBody>
+                    <a:bodyPr/>
+                    <a:lstStyle/>
+                    <a:p>
+                      <a:pPr algn="ctr"/>
+                      <a:r>
+                        <a:rPr lang="en-US" b="1" dirty="0">
+                          <a:solidFill>
+                            <a:schemeClr val="bg1"/>
+                          </a:solidFill>
+                          <a:latin typeface="+mn-ea"/>
+                          <a:ea typeface="+mn-ea"/>
+                        </a:rPr>
+                        <a:t>g0/3</a:t>
+                      </a:r>
+                    </a:p>
+                  </a:txBody>
+                  <a:tcPr>
+                    <a:lnL w="28575" cap="flat" cmpd="sng" algn="ctr">
+                      <a:solidFill>
+                        <a:schemeClr val="bg1"/>
+                      </a:solidFill>
+                      <a:prstDash val="solid"/>
+                      <a:round/>
+                      <a:headEnd type="none" w="med" len="med"/>
+                      <a:tailEnd type="none" w="med" len="med"/>
+                    </a:lnL>
+                    <a:lnR w="28575" cap="flat" cmpd="sng" algn="ctr">
+                      <a:solidFill>
+                        <a:schemeClr val="bg1"/>
+                      </a:solidFill>
+                      <a:prstDash val="solid"/>
+                      <a:round/>
+                      <a:headEnd type="none" w="med" len="med"/>
+                      <a:tailEnd type="none" w="med" len="med"/>
+                    </a:lnR>
+                    <a:lnT w="28575" cap="flat" cmpd="sng" algn="ctr">
+                      <a:solidFill>
+                        <a:schemeClr val="bg1"/>
+                      </a:solidFill>
+                      <a:prstDash val="solid"/>
+                      <a:round/>
+                      <a:headEnd type="none" w="med" len="med"/>
+                      <a:tailEnd type="none" w="med" len="med"/>
+                    </a:lnT>
+                    <a:lnB w="28575" cap="flat" cmpd="sng" algn="ctr">
+                      <a:solidFill>
+                        <a:schemeClr val="bg1"/>
+                      </a:solidFill>
+                      <a:prstDash val="solid"/>
+                      <a:round/>
+                      <a:headEnd type="none" w="med" len="med"/>
+                      <a:tailEnd type="none" w="med" len="med"/>
+                    </a:lnB>
+                    <a:noFill/>
+                  </a:tcPr>
+                </a:tc>
+                <a:extLst>
+                  <a:ext uri="{0D108BD9-81ED-4DB2-BD59-A6C34878D82A}">
+                    <a16:rowId xmlns:a16="http://schemas.microsoft.com/office/drawing/2014/main" val="2295973759"/>
+                  </a:ext>
+                </a:extLst>
+              </a:tr>
+              <a:tr h="370840">
+                <a:tc>
+                  <a:txBody>
+                    <a:bodyPr/>
+                    <a:lstStyle/>
+                    <a:p>
+                      <a:pPr algn="ctr"/>
+                      <a:r>
+                        <a:rPr lang="en-US" b="1" dirty="0">
+                          <a:solidFill>
+                            <a:schemeClr val="bg1"/>
+                          </a:solidFill>
+                          <a:latin typeface="+mn-ea"/>
+                          <a:ea typeface="+mn-ea"/>
+                        </a:rPr>
+                        <a:t>172.16.0.0/16</a:t>
+                      </a:r>
+                    </a:p>
+                  </a:txBody>
+                  <a:tcPr>
+                    <a:lnL w="28575" cap="flat" cmpd="sng" algn="ctr">
+                      <a:solidFill>
+                        <a:schemeClr val="bg1"/>
+                      </a:solidFill>
+                      <a:prstDash val="solid"/>
+                      <a:round/>
+                      <a:headEnd type="none" w="med" len="med"/>
+                      <a:tailEnd type="none" w="med" len="med"/>
+                    </a:lnL>
+                    <a:lnR w="28575" cap="flat" cmpd="sng" algn="ctr">
+                      <a:solidFill>
+                        <a:schemeClr val="bg1"/>
+                      </a:solidFill>
+                      <a:prstDash val="solid"/>
+                      <a:round/>
+                      <a:headEnd type="none" w="med" len="med"/>
+                      <a:tailEnd type="none" w="med" len="med"/>
+                    </a:lnR>
+                    <a:lnT w="28575" cap="flat" cmpd="sng" algn="ctr">
+                      <a:solidFill>
+                        <a:schemeClr val="bg1"/>
+                      </a:solidFill>
+                      <a:prstDash val="solid"/>
+                      <a:round/>
+                      <a:headEnd type="none" w="med" len="med"/>
+                      <a:tailEnd type="none" w="med" len="med"/>
+                    </a:lnT>
+                    <a:lnB w="28575" cap="flat" cmpd="sng" algn="ctr">
+                      <a:solidFill>
+                        <a:schemeClr val="bg1"/>
+                      </a:solidFill>
+                      <a:prstDash val="solid"/>
+                      <a:round/>
+                      <a:headEnd type="none" w="med" len="med"/>
+                      <a:tailEnd type="none" w="med" len="med"/>
+                    </a:lnB>
+                    <a:noFill/>
+                  </a:tcPr>
+                </a:tc>
+                <a:tc>
+                  <a:txBody>
+                    <a:bodyPr/>
+                    <a:lstStyle/>
+                    <a:p>
+                      <a:pPr algn="ctr"/>
+                      <a:r>
+                        <a:rPr lang="en-US" b="1" dirty="0">
+                          <a:solidFill>
+                            <a:schemeClr val="bg1"/>
+                          </a:solidFill>
+                          <a:latin typeface="+mn-ea"/>
+                          <a:ea typeface="+mn-ea"/>
+                        </a:rPr>
+                        <a:t>g0/1</a:t>
+                      </a:r>
+                    </a:p>
+                  </a:txBody>
+                  <a:tcPr>
+                    <a:lnL w="28575" cap="flat" cmpd="sng" algn="ctr">
+                      <a:solidFill>
+                        <a:schemeClr val="bg1"/>
+                      </a:solidFill>
+                      <a:prstDash val="solid"/>
+                      <a:round/>
+                      <a:headEnd type="none" w="med" len="med"/>
+                      <a:tailEnd type="none" w="med" len="med"/>
+                    </a:lnL>
+                    <a:lnR w="28575" cap="flat" cmpd="sng" algn="ctr">
+                      <a:solidFill>
+                        <a:schemeClr val="bg1"/>
+                      </a:solidFill>
+                      <a:prstDash val="solid"/>
+                      <a:round/>
+                      <a:headEnd type="none" w="med" len="med"/>
+                      <a:tailEnd type="none" w="med" len="med"/>
+                    </a:lnR>
+                    <a:lnT w="28575" cap="flat" cmpd="sng" algn="ctr">
+                      <a:solidFill>
+                        <a:schemeClr val="bg1"/>
+                      </a:solidFill>
+                      <a:prstDash val="solid"/>
+                      <a:round/>
+                      <a:headEnd type="none" w="med" len="med"/>
+                      <a:tailEnd type="none" w="med" len="med"/>
+                    </a:lnT>
+                    <a:lnB w="28575" cap="flat" cmpd="sng" algn="ctr">
+                      <a:solidFill>
+                        <a:schemeClr val="bg1"/>
+                      </a:solidFill>
+                      <a:prstDash val="solid"/>
+                      <a:round/>
+                      <a:headEnd type="none" w="med" len="med"/>
+                      <a:tailEnd type="none" w="med" len="med"/>
+                    </a:lnB>
+                    <a:noFill/>
+                  </a:tcPr>
+                </a:tc>
+                <a:extLst>
+                  <a:ext uri="{0D108BD9-81ED-4DB2-BD59-A6C34878D82A}">
+                    <a16:rowId xmlns:a16="http://schemas.microsoft.com/office/drawing/2014/main" val="2440951121"/>
+                  </a:ext>
+                </a:extLst>
+              </a:tr>
+              <a:tr h="370840">
+                <a:tc>
+                  <a:txBody>
+                    <a:bodyPr/>
+                    <a:lstStyle/>
+                    <a:p>
+                      <a:pPr algn="ctr"/>
+                      <a:r>
+                        <a:rPr lang="en-US" b="1" dirty="0">
+                          <a:solidFill>
+                            <a:schemeClr val="bg1"/>
+                          </a:solidFill>
+                          <a:latin typeface="+mn-ea"/>
+                          <a:ea typeface="+mn-ea"/>
+                        </a:rPr>
+                        <a:t>192.168.0.0/24</a:t>
+                      </a:r>
+                    </a:p>
+                  </a:txBody>
+                  <a:tcPr>
+                    <a:lnL w="28575" cap="flat" cmpd="sng" algn="ctr">
+                      <a:solidFill>
+                        <a:schemeClr val="bg1"/>
+                      </a:solidFill>
+                      <a:prstDash val="solid"/>
+                      <a:round/>
+                      <a:headEnd type="none" w="med" len="med"/>
+                      <a:tailEnd type="none" w="med" len="med"/>
+                    </a:lnL>
+                    <a:lnR w="28575" cap="flat" cmpd="sng" algn="ctr">
+                      <a:solidFill>
+                        <a:schemeClr val="bg1"/>
+                      </a:solidFill>
+                      <a:prstDash val="solid"/>
+                      <a:round/>
+                      <a:headEnd type="none" w="med" len="med"/>
+                      <a:tailEnd type="none" w="med" len="med"/>
+                    </a:lnR>
+                    <a:lnT w="28575" cap="flat" cmpd="sng" algn="ctr">
+                      <a:solidFill>
+                        <a:schemeClr val="bg1"/>
+                      </a:solidFill>
+                      <a:prstDash val="solid"/>
+                      <a:round/>
+                      <a:headEnd type="none" w="med" len="med"/>
+                      <a:tailEnd type="none" w="med" len="med"/>
+                    </a:lnT>
+                    <a:lnB w="28575" cap="flat" cmpd="sng" algn="ctr">
+                      <a:solidFill>
+                        <a:schemeClr val="bg1"/>
+                      </a:solidFill>
+                      <a:prstDash val="solid"/>
+                      <a:round/>
+                      <a:headEnd type="none" w="med" len="med"/>
+                      <a:tailEnd type="none" w="med" len="med"/>
+                    </a:lnB>
+                    <a:noFill/>
+                  </a:tcPr>
+                </a:tc>
+                <a:tc>
+                  <a:txBody>
+                    <a:bodyPr/>
+                    <a:lstStyle/>
+                    <a:p>
+                      <a:pPr algn="ctr"/>
+                      <a:r>
+                        <a:rPr lang="en-US" b="1" dirty="0">
+                          <a:solidFill>
+                            <a:schemeClr val="bg1"/>
+                          </a:solidFill>
+                          <a:latin typeface="+mn-ea"/>
+                          <a:ea typeface="+mn-ea"/>
+                        </a:rPr>
+                        <a:t>g0/2</a:t>
+                      </a:r>
+                    </a:p>
+                  </a:txBody>
+                  <a:tcPr>
+                    <a:lnL w="28575" cap="flat" cmpd="sng" algn="ctr">
+                      <a:solidFill>
+                        <a:schemeClr val="bg1"/>
+                      </a:solidFill>
+                      <a:prstDash val="solid"/>
+                      <a:round/>
+                      <a:headEnd type="none" w="med" len="med"/>
+                      <a:tailEnd type="none" w="med" len="med"/>
+                    </a:lnL>
+                    <a:lnR w="28575" cap="flat" cmpd="sng" algn="ctr">
+                      <a:solidFill>
+                        <a:schemeClr val="bg1"/>
+                      </a:solidFill>
+                      <a:prstDash val="solid"/>
+                      <a:round/>
+                      <a:headEnd type="none" w="med" len="med"/>
+                      <a:tailEnd type="none" w="med" len="med"/>
+                    </a:lnR>
+                    <a:lnT w="28575" cap="flat" cmpd="sng" algn="ctr">
+                      <a:solidFill>
+                        <a:schemeClr val="bg1"/>
+                      </a:solidFill>
+                      <a:prstDash val="solid"/>
+                      <a:round/>
+                      <a:headEnd type="none" w="med" len="med"/>
+                      <a:tailEnd type="none" w="med" len="med"/>
+                    </a:lnT>
+                    <a:lnB w="28575" cap="flat" cmpd="sng" algn="ctr">
+                      <a:solidFill>
+                        <a:schemeClr val="bg1"/>
+                      </a:solidFill>
+                      <a:prstDash val="solid"/>
+                      <a:round/>
+                      <a:headEnd type="none" w="med" len="med"/>
+                      <a:tailEnd type="none" w="med" len="med"/>
+                    </a:lnB>
+                    <a:noFill/>
+                  </a:tcPr>
+                </a:tc>
+                <a:extLst>
+                  <a:ext uri="{0D108BD9-81ED-4DB2-BD59-A6C34878D82A}">
+                    <a16:rowId xmlns:a16="http://schemas.microsoft.com/office/drawing/2014/main" val="423528439"/>
+                  </a:ext>
+                </a:extLst>
+              </a:tr>
+            </a:tbl>
+          </a:graphicData>
+        </a:graphic>
+      </p:graphicFrame>
+      <p:graphicFrame>
+        <p:nvGraphicFramePr>
+          <p:cNvPr id="139" name="Table 138">
+            <a:extLst>
+              <a:ext uri="{FF2B5EF4-FFF2-40B4-BE49-F238E27FC236}">
+                <a16:creationId xmlns:a16="http://schemas.microsoft.com/office/drawing/2014/main" id="{81EF370E-20BD-E54D-848A-9D69BE5D98C9}"/>
+              </a:ext>
+            </a:extLst>
+          </p:cNvPr>
+          <p:cNvGraphicFramePr>
+            <a:graphicFrameLocks noGrp="1"/>
+          </p:cNvGraphicFramePr>
+          <p:nvPr>
+            <p:extLst>
+              <p:ext uri="{D42A27DB-BD31-4B8C-83A1-F6EECF244321}">
+                <p14:modId xmlns:p14="http://schemas.microsoft.com/office/powerpoint/2010/main" val="3650119639"/>
+              </p:ext>
+            </p:extLst>
+          </p:nvPr>
+        </p:nvGraphicFramePr>
+        <p:xfrm>
+          <a:off x="515989" y="4198056"/>
+          <a:ext cx="3422257" cy="2219960"/>
+        </p:xfrm>
+        <a:graphic>
+          <a:graphicData uri="http://schemas.openxmlformats.org/drawingml/2006/table">
+            <a:tbl>
+              <a:tblPr firstRow="1" bandRow="1"/>
+              <a:tblGrid>
+                <a:gridCol w="2029836">
+                  <a:extLst>
+                    <a:ext uri="{9D8B030D-6E8A-4147-A177-3AD203B41FA5}">
+                      <a16:colId xmlns:a16="http://schemas.microsoft.com/office/drawing/2014/main" val="3165905422"/>
+                    </a:ext>
+                  </a:extLst>
+                </a:gridCol>
+                <a:gridCol w="1392421">
+                  <a:extLst>
+                    <a:ext uri="{9D8B030D-6E8A-4147-A177-3AD203B41FA5}">
+                      <a16:colId xmlns:a16="http://schemas.microsoft.com/office/drawing/2014/main" val="2467080021"/>
+                    </a:ext>
+                  </a:extLst>
+                </a:gridCol>
+              </a:tblGrid>
+              <a:tr h="350777">
+                <a:tc>
+                  <a:txBody>
+                    <a:bodyPr/>
+                    <a:lstStyle/>
+                    <a:p>
+                      <a:pPr algn="ctr"/>
+                      <a:r>
+                        <a:rPr lang="ja-JP" altLang="en-US" b="1">
+                          <a:solidFill>
+                            <a:schemeClr val="bg1"/>
+                          </a:solidFill>
+                          <a:latin typeface="+mn-ea"/>
+                          <a:ea typeface="+mn-ea"/>
+                        </a:rPr>
+                        <a:t>ネットワーク</a:t>
+                      </a:r>
+                      <a:endParaRPr lang="en-US" b="1" dirty="0">
+                        <a:solidFill>
+                          <a:schemeClr val="bg1"/>
+                        </a:solidFill>
+                        <a:latin typeface="+mn-ea"/>
+                        <a:ea typeface="+mn-ea"/>
+                      </a:endParaRPr>
+                    </a:p>
+                  </a:txBody>
+                  <a:tcPr>
+                    <a:lnL w="28575" cap="flat" cmpd="sng" algn="ctr">
+                      <a:solidFill>
+                        <a:schemeClr val="bg1"/>
+                      </a:solidFill>
+                      <a:prstDash val="solid"/>
+                      <a:round/>
+                      <a:headEnd type="none" w="med" len="med"/>
+                      <a:tailEnd type="none" w="med" len="med"/>
+                    </a:lnL>
+                    <a:lnR w="28575" cap="flat" cmpd="sng" algn="ctr">
+                      <a:solidFill>
+                        <a:schemeClr val="bg1"/>
+                      </a:solidFill>
+                      <a:prstDash val="solid"/>
+                      <a:round/>
+                      <a:headEnd type="none" w="med" len="med"/>
+                      <a:tailEnd type="none" w="med" len="med"/>
+                    </a:lnR>
+                    <a:lnT w="28575" cap="flat" cmpd="sng" algn="ctr">
+                      <a:solidFill>
+                        <a:schemeClr val="bg1"/>
+                      </a:solidFill>
+                      <a:prstDash val="solid"/>
+                      <a:round/>
+                      <a:headEnd type="none" w="med" len="med"/>
+                      <a:tailEnd type="none" w="med" len="med"/>
+                    </a:lnT>
+                    <a:lnB w="28575" cap="flat" cmpd="sng" algn="ctr">
+                      <a:solidFill>
+                        <a:schemeClr val="bg1"/>
+                      </a:solidFill>
+                      <a:prstDash val="solid"/>
+                      <a:round/>
+                      <a:headEnd type="none" w="med" len="med"/>
+                      <a:tailEnd type="none" w="med" len="med"/>
+                    </a:lnB>
+                    <a:noFill/>
+                  </a:tcPr>
+                </a:tc>
+                <a:tc>
+                  <a:txBody>
+                    <a:bodyPr/>
+                    <a:lstStyle/>
+                    <a:p>
+                      <a:pPr algn="ctr"/>
+                      <a:r>
+                        <a:rPr lang="en-US" b="1" dirty="0">
+                          <a:solidFill>
+                            <a:schemeClr val="bg1"/>
+                          </a:solidFill>
+                          <a:latin typeface="+mn-ea"/>
+                          <a:ea typeface="+mn-ea"/>
+                        </a:rPr>
+                        <a:t>via</a:t>
+                      </a:r>
+                    </a:p>
+                  </a:txBody>
+                  <a:tcPr>
+                    <a:lnL w="28575" cap="flat" cmpd="sng" algn="ctr">
+                      <a:solidFill>
+                        <a:schemeClr val="bg1"/>
+                      </a:solidFill>
+                      <a:prstDash val="solid"/>
+                      <a:round/>
+                      <a:headEnd type="none" w="med" len="med"/>
+                      <a:tailEnd type="none" w="med" len="med"/>
+                    </a:lnL>
+                    <a:lnR w="28575" cap="flat" cmpd="sng" algn="ctr">
+                      <a:solidFill>
+                        <a:schemeClr val="bg1"/>
+                      </a:solidFill>
+                      <a:prstDash val="solid"/>
+                      <a:round/>
+                      <a:headEnd type="none" w="med" len="med"/>
+                      <a:tailEnd type="none" w="med" len="med"/>
+                    </a:lnR>
+                    <a:lnT w="28575" cap="flat" cmpd="sng" algn="ctr">
+                      <a:solidFill>
+                        <a:schemeClr val="bg1"/>
+                      </a:solidFill>
+                      <a:prstDash val="solid"/>
+                      <a:round/>
+                      <a:headEnd type="none" w="med" len="med"/>
+                      <a:tailEnd type="none" w="med" len="med"/>
+                    </a:lnT>
+                    <a:lnB w="28575" cap="flat" cmpd="sng" algn="ctr">
+                      <a:solidFill>
+                        <a:schemeClr val="bg1"/>
+                      </a:solidFill>
+                      <a:prstDash val="solid"/>
+                      <a:round/>
+                      <a:headEnd type="none" w="med" len="med"/>
+                      <a:tailEnd type="none" w="med" len="med"/>
+                    </a:lnB>
+                    <a:noFill/>
+                  </a:tcPr>
+                </a:tc>
+                <a:extLst>
+                  <a:ext uri="{0D108BD9-81ED-4DB2-BD59-A6C34878D82A}">
+                    <a16:rowId xmlns:a16="http://schemas.microsoft.com/office/drawing/2014/main" val="1356393982"/>
+                  </a:ext>
+                </a:extLst>
+              </a:tr>
+              <a:tr h="370840">
+                <a:tc>
+                  <a:txBody>
+                    <a:bodyPr/>
+                    <a:lstStyle/>
+                    <a:p>
+                      <a:pPr algn="ctr"/>
+                      <a:r>
+                        <a:rPr lang="en-US" b="1" dirty="0">
+                          <a:solidFill>
+                            <a:schemeClr val="bg1"/>
+                          </a:solidFill>
+                          <a:latin typeface="+mn-ea"/>
+                          <a:ea typeface="+mn-ea"/>
+                        </a:rPr>
+                        <a:t>0.0.0.0/0</a:t>
+                      </a:r>
+                    </a:p>
+                  </a:txBody>
+                  <a:tcPr>
+                    <a:lnL w="28575" cap="flat" cmpd="sng" algn="ctr">
+                      <a:solidFill>
+                        <a:schemeClr val="bg1"/>
+                      </a:solidFill>
+                      <a:prstDash val="solid"/>
+                      <a:round/>
+                      <a:headEnd type="none" w="med" len="med"/>
+                      <a:tailEnd type="none" w="med" len="med"/>
+                    </a:lnL>
+                    <a:lnR w="28575" cap="flat" cmpd="sng" algn="ctr">
+                      <a:solidFill>
+                        <a:schemeClr val="bg1"/>
+                      </a:solidFill>
+                      <a:prstDash val="solid"/>
+                      <a:round/>
+                      <a:headEnd type="none" w="med" len="med"/>
+                      <a:tailEnd type="none" w="med" len="med"/>
+                    </a:lnR>
+                    <a:lnT w="28575" cap="flat" cmpd="sng" algn="ctr">
+                      <a:solidFill>
+                        <a:schemeClr val="bg1"/>
+                      </a:solidFill>
+                      <a:prstDash val="solid"/>
+                      <a:round/>
+                      <a:headEnd type="none" w="med" len="med"/>
+                      <a:tailEnd type="none" w="med" len="med"/>
+                    </a:lnT>
+                    <a:lnB w="28575" cap="flat" cmpd="sng" algn="ctr">
+                      <a:solidFill>
+                        <a:schemeClr val="bg1"/>
+                      </a:solidFill>
+                      <a:prstDash val="solid"/>
+                      <a:round/>
+                      <a:headEnd type="none" w="med" len="med"/>
+                      <a:tailEnd type="none" w="med" len="med"/>
+                    </a:lnB>
+                    <a:noFill/>
+                  </a:tcPr>
+                </a:tc>
+                <a:tc>
+                  <a:txBody>
+                    <a:bodyPr/>
+                    <a:lstStyle/>
+                    <a:p>
+                      <a:pPr algn="ctr"/>
+                      <a:r>
+                        <a:rPr lang="en-US" b="1" dirty="0">
+                          <a:solidFill>
+                            <a:schemeClr val="bg1"/>
+                          </a:solidFill>
+                          <a:latin typeface="+mn-ea"/>
+                          <a:ea typeface="+mn-ea"/>
+                        </a:rPr>
+                        <a:t>172.16.0.1</a:t>
+                      </a:r>
+                    </a:p>
+                  </a:txBody>
+                  <a:tcPr>
+                    <a:lnL w="28575" cap="flat" cmpd="sng" algn="ctr">
+                      <a:solidFill>
+                        <a:schemeClr val="bg1"/>
+                      </a:solidFill>
+                      <a:prstDash val="solid"/>
+                      <a:round/>
+                      <a:headEnd type="none" w="med" len="med"/>
+                      <a:tailEnd type="none" w="med" len="med"/>
+                    </a:lnL>
+                    <a:lnR w="28575" cap="flat" cmpd="sng" algn="ctr">
+                      <a:solidFill>
+                        <a:schemeClr val="bg1"/>
+                      </a:solidFill>
+                      <a:prstDash val="solid"/>
+                      <a:round/>
+                      <a:headEnd type="none" w="med" len="med"/>
+                      <a:tailEnd type="none" w="med" len="med"/>
+                    </a:lnR>
+                    <a:lnT w="28575" cap="flat" cmpd="sng" algn="ctr">
+                      <a:solidFill>
+                        <a:schemeClr val="bg1"/>
+                      </a:solidFill>
+                      <a:prstDash val="solid"/>
+                      <a:round/>
+                      <a:headEnd type="none" w="med" len="med"/>
+                      <a:tailEnd type="none" w="med" len="med"/>
+                    </a:lnT>
+                    <a:lnB w="28575" cap="flat" cmpd="sng" algn="ctr">
+                      <a:solidFill>
+                        <a:schemeClr val="bg1"/>
+                      </a:solidFill>
+                      <a:prstDash val="solid"/>
+                      <a:round/>
+                      <a:headEnd type="none" w="med" len="med"/>
+                      <a:tailEnd type="none" w="med" len="med"/>
+                    </a:lnB>
+                    <a:noFill/>
+                  </a:tcPr>
+                </a:tc>
+                <a:extLst>
+                  <a:ext uri="{0D108BD9-81ED-4DB2-BD59-A6C34878D82A}">
+                    <a16:rowId xmlns:a16="http://schemas.microsoft.com/office/drawing/2014/main" val="3819732004"/>
+                  </a:ext>
+                </a:extLst>
+              </a:tr>
+              <a:tr h="370840">
+                <a:tc>
+                  <a:txBody>
+                    <a:bodyPr/>
+                    <a:lstStyle/>
+                    <a:p>
+                      <a:pPr algn="ctr"/>
+                      <a:r>
+                        <a:rPr lang="en-US" b="1" dirty="0">
+                          <a:solidFill>
+                            <a:schemeClr val="bg1"/>
+                          </a:solidFill>
+                          <a:latin typeface="+mn-ea"/>
+                          <a:ea typeface="+mn-ea"/>
+                        </a:rPr>
+                        <a:t>10.1.0.0/16</a:t>
+                      </a:r>
+                    </a:p>
+                  </a:txBody>
+                  <a:tcPr>
+                    <a:lnL w="28575" cap="flat" cmpd="sng" algn="ctr">
+                      <a:solidFill>
+                        <a:schemeClr val="bg1"/>
+                      </a:solidFill>
+                      <a:prstDash val="solid"/>
+                      <a:round/>
+                      <a:headEnd type="none" w="med" len="med"/>
+                      <a:tailEnd type="none" w="med" len="med"/>
+                    </a:lnL>
+                    <a:lnR w="28575" cap="flat" cmpd="sng" algn="ctr">
+                      <a:solidFill>
+                        <a:schemeClr val="bg1"/>
+                      </a:solidFill>
+                      <a:prstDash val="solid"/>
+                      <a:round/>
+                      <a:headEnd type="none" w="med" len="med"/>
+                      <a:tailEnd type="none" w="med" len="med"/>
+                    </a:lnR>
+                    <a:lnT w="28575" cap="flat" cmpd="sng" algn="ctr">
+                      <a:solidFill>
+                        <a:schemeClr val="bg1"/>
+                      </a:solidFill>
+                      <a:prstDash val="solid"/>
+                      <a:round/>
+                      <a:headEnd type="none" w="med" len="med"/>
+                      <a:tailEnd type="none" w="med" len="med"/>
+                    </a:lnT>
+                    <a:lnB w="28575" cap="flat" cmpd="sng" algn="ctr">
+                      <a:solidFill>
+                        <a:schemeClr val="bg1"/>
+                      </a:solidFill>
+                      <a:prstDash val="solid"/>
+                      <a:round/>
+                      <a:headEnd type="none" w="med" len="med"/>
+                      <a:tailEnd type="none" w="med" len="med"/>
+                    </a:lnB>
+                    <a:noFill/>
+                  </a:tcPr>
+                </a:tc>
+                <a:tc>
+                  <a:txBody>
+                    <a:bodyPr/>
+                    <a:lstStyle/>
+                    <a:p>
+                      <a:pPr algn="ctr"/>
+                      <a:r>
+                        <a:rPr lang="en-US" b="1" dirty="0">
+                          <a:solidFill>
+                            <a:schemeClr val="bg1"/>
+                          </a:solidFill>
+                          <a:latin typeface="+mn-ea"/>
+                          <a:ea typeface="+mn-ea"/>
+                        </a:rPr>
+                        <a:t>g0/3</a:t>
+                      </a:r>
+                    </a:p>
+                  </a:txBody>
+                  <a:tcPr>
+                    <a:lnL w="28575" cap="flat" cmpd="sng" algn="ctr">
+                      <a:solidFill>
+                        <a:schemeClr val="bg1"/>
+                      </a:solidFill>
+                      <a:prstDash val="solid"/>
+                      <a:round/>
+                      <a:headEnd type="none" w="med" len="med"/>
+                      <a:tailEnd type="none" w="med" len="med"/>
+                    </a:lnL>
+                    <a:lnR w="28575" cap="flat" cmpd="sng" algn="ctr">
+                      <a:solidFill>
+                        <a:schemeClr val="bg1"/>
+                      </a:solidFill>
+                      <a:prstDash val="solid"/>
+                      <a:round/>
+                      <a:headEnd type="none" w="med" len="med"/>
+                      <a:tailEnd type="none" w="med" len="med"/>
+                    </a:lnR>
+                    <a:lnT w="28575" cap="flat" cmpd="sng" algn="ctr">
+                      <a:solidFill>
+                        <a:schemeClr val="bg1"/>
+                      </a:solidFill>
+                      <a:prstDash val="solid"/>
+                      <a:round/>
+                      <a:headEnd type="none" w="med" len="med"/>
+                      <a:tailEnd type="none" w="med" len="med"/>
+                    </a:lnT>
+                    <a:lnB w="28575" cap="flat" cmpd="sng" algn="ctr">
+                      <a:solidFill>
+                        <a:schemeClr val="bg1"/>
+                      </a:solidFill>
+                      <a:prstDash val="solid"/>
+                      <a:round/>
+                      <a:headEnd type="none" w="med" len="med"/>
+                      <a:tailEnd type="none" w="med" len="med"/>
+                    </a:lnB>
+                    <a:noFill/>
+                  </a:tcPr>
+                </a:tc>
+                <a:extLst>
+                  <a:ext uri="{0D108BD9-81ED-4DB2-BD59-A6C34878D82A}">
+                    <a16:rowId xmlns:a16="http://schemas.microsoft.com/office/drawing/2014/main" val="3517983726"/>
+                  </a:ext>
+                </a:extLst>
+              </a:tr>
+              <a:tr h="370840">
+                <a:tc>
+                  <a:txBody>
+                    <a:bodyPr/>
+                    <a:lstStyle/>
+                    <a:p>
+                      <a:pPr algn="ctr"/>
+                      <a:r>
+                        <a:rPr lang="en-US" b="1" dirty="0">
+                          <a:solidFill>
+                            <a:schemeClr val="bg1"/>
+                          </a:solidFill>
+                          <a:latin typeface="+mn-ea"/>
+                          <a:ea typeface="+mn-ea"/>
+                        </a:rPr>
+                        <a:t>10.2.0.0/16</a:t>
+                      </a:r>
+                    </a:p>
+                  </a:txBody>
+                  <a:tcPr>
+                    <a:lnL w="28575" cap="flat" cmpd="sng" algn="ctr">
+                      <a:solidFill>
+                        <a:schemeClr val="bg1"/>
+                      </a:solidFill>
+                      <a:prstDash val="solid"/>
+                      <a:round/>
+                      <a:headEnd type="none" w="med" len="med"/>
+                      <a:tailEnd type="none" w="med" len="med"/>
+                    </a:lnL>
+                    <a:lnR w="28575" cap="flat" cmpd="sng" algn="ctr">
+                      <a:solidFill>
+                        <a:schemeClr val="bg1"/>
+                      </a:solidFill>
+                      <a:prstDash val="solid"/>
+                      <a:round/>
+                      <a:headEnd type="none" w="med" len="med"/>
+                      <a:tailEnd type="none" w="med" len="med"/>
+                    </a:lnR>
+                    <a:lnT w="28575" cap="flat" cmpd="sng" algn="ctr">
+                      <a:solidFill>
+                        <a:schemeClr val="bg1"/>
+                      </a:solidFill>
+                      <a:prstDash val="solid"/>
+                      <a:round/>
+                      <a:headEnd type="none" w="med" len="med"/>
+                      <a:tailEnd type="none" w="med" len="med"/>
+                    </a:lnT>
+                    <a:lnB w="28575" cap="flat" cmpd="sng" algn="ctr">
+                      <a:solidFill>
+                        <a:schemeClr val="bg1"/>
+                      </a:solidFill>
+                      <a:prstDash val="solid"/>
+                      <a:round/>
+                      <a:headEnd type="none" w="med" len="med"/>
+                      <a:tailEnd type="none" w="med" len="med"/>
+                    </a:lnB>
+                    <a:noFill/>
+                  </a:tcPr>
+                </a:tc>
+                <a:tc>
+                  <a:txBody>
+                    <a:bodyPr/>
+                    <a:lstStyle/>
+                    <a:p>
+                      <a:pPr algn="ctr"/>
+                      <a:r>
+                        <a:rPr lang="en-US" b="1" dirty="0">
+                          <a:solidFill>
+                            <a:schemeClr val="bg1"/>
+                          </a:solidFill>
+                          <a:latin typeface="+mn-ea"/>
+                          <a:ea typeface="+mn-ea"/>
+                        </a:rPr>
+                        <a:t>192.168.0.2</a:t>
+                      </a:r>
+                    </a:p>
+                  </a:txBody>
+                  <a:tcPr>
+                    <a:lnL w="28575" cap="flat" cmpd="sng" algn="ctr">
+                      <a:solidFill>
+                        <a:schemeClr val="bg1"/>
+                      </a:solidFill>
+                      <a:prstDash val="solid"/>
+                      <a:round/>
+                      <a:headEnd type="none" w="med" len="med"/>
+                      <a:tailEnd type="none" w="med" len="med"/>
+                    </a:lnL>
+                    <a:lnR w="28575" cap="flat" cmpd="sng" algn="ctr">
+                      <a:solidFill>
+                        <a:schemeClr val="bg1"/>
+                      </a:solidFill>
+                      <a:prstDash val="solid"/>
+                      <a:round/>
+                      <a:headEnd type="none" w="med" len="med"/>
+                      <a:tailEnd type="none" w="med" len="med"/>
+                    </a:lnR>
+                    <a:lnT w="28575" cap="flat" cmpd="sng" algn="ctr">
+                      <a:solidFill>
+                        <a:schemeClr val="bg1"/>
+                      </a:solidFill>
+                      <a:prstDash val="solid"/>
+                      <a:round/>
+                      <a:headEnd type="none" w="med" len="med"/>
+                      <a:tailEnd type="none" w="med" len="med"/>
+                    </a:lnT>
+                    <a:lnB w="28575" cap="flat" cmpd="sng" algn="ctr">
+                      <a:solidFill>
+                        <a:schemeClr val="bg1"/>
+                      </a:solidFill>
+                      <a:prstDash val="solid"/>
+                      <a:round/>
+                      <a:headEnd type="none" w="med" len="med"/>
+                      <a:tailEnd type="none" w="med" len="med"/>
+                    </a:lnB>
+                    <a:noFill/>
+                  </a:tcPr>
+                </a:tc>
+                <a:extLst>
+                  <a:ext uri="{0D108BD9-81ED-4DB2-BD59-A6C34878D82A}">
+                    <a16:rowId xmlns:a16="http://schemas.microsoft.com/office/drawing/2014/main" val="2295973759"/>
+                  </a:ext>
+                </a:extLst>
+              </a:tr>
+              <a:tr h="370840">
+                <a:tc>
+                  <a:txBody>
+                    <a:bodyPr/>
+                    <a:lstStyle/>
+                    <a:p>
+                      <a:pPr algn="ctr"/>
+                      <a:r>
+                        <a:rPr lang="en-US" b="1" dirty="0">
+                          <a:solidFill>
+                            <a:schemeClr val="bg1"/>
+                          </a:solidFill>
+                          <a:latin typeface="+mn-ea"/>
+                          <a:ea typeface="+mn-ea"/>
+                        </a:rPr>
+                        <a:t>172.16.0.0/16</a:t>
+                      </a:r>
+                    </a:p>
+                  </a:txBody>
+                  <a:tcPr>
+                    <a:lnL w="28575" cap="flat" cmpd="sng" algn="ctr">
+                      <a:solidFill>
+                        <a:schemeClr val="bg1"/>
+                      </a:solidFill>
+                      <a:prstDash val="solid"/>
+                      <a:round/>
+                      <a:headEnd type="none" w="med" len="med"/>
+                      <a:tailEnd type="none" w="med" len="med"/>
+                    </a:lnL>
+                    <a:lnR w="28575" cap="flat" cmpd="sng" algn="ctr">
+                      <a:solidFill>
+                        <a:schemeClr val="bg1"/>
+                      </a:solidFill>
+                      <a:prstDash val="solid"/>
+                      <a:round/>
+                      <a:headEnd type="none" w="med" len="med"/>
+                      <a:tailEnd type="none" w="med" len="med"/>
+                    </a:lnR>
+                    <a:lnT w="28575" cap="flat" cmpd="sng" algn="ctr">
+                      <a:solidFill>
+                        <a:schemeClr val="bg1"/>
+                      </a:solidFill>
+                      <a:prstDash val="solid"/>
+                      <a:round/>
+                      <a:headEnd type="none" w="med" len="med"/>
+                      <a:tailEnd type="none" w="med" len="med"/>
+                    </a:lnT>
+                    <a:lnB w="28575" cap="flat" cmpd="sng" algn="ctr">
+                      <a:solidFill>
+                        <a:schemeClr val="bg1"/>
+                      </a:solidFill>
+                      <a:prstDash val="solid"/>
+                      <a:round/>
+                      <a:headEnd type="none" w="med" len="med"/>
+                      <a:tailEnd type="none" w="med" len="med"/>
+                    </a:lnB>
+                    <a:noFill/>
+                  </a:tcPr>
+                </a:tc>
+                <a:tc>
+                  <a:txBody>
+                    <a:bodyPr/>
+                    <a:lstStyle/>
+                    <a:p>
+                      <a:pPr algn="ctr"/>
+                      <a:r>
+                        <a:rPr lang="en-US" b="1" dirty="0">
+                          <a:solidFill>
+                            <a:schemeClr val="bg1"/>
+                          </a:solidFill>
+                          <a:latin typeface="+mn-ea"/>
+                          <a:ea typeface="+mn-ea"/>
+                        </a:rPr>
+                        <a:t>g0/1</a:t>
+                      </a:r>
+                    </a:p>
+                  </a:txBody>
+                  <a:tcPr>
+                    <a:lnL w="28575" cap="flat" cmpd="sng" algn="ctr">
+                      <a:solidFill>
+                        <a:schemeClr val="bg1"/>
+                      </a:solidFill>
+                      <a:prstDash val="solid"/>
+                      <a:round/>
+                      <a:headEnd type="none" w="med" len="med"/>
+                      <a:tailEnd type="none" w="med" len="med"/>
+                    </a:lnL>
+                    <a:lnR w="28575" cap="flat" cmpd="sng" algn="ctr">
+                      <a:solidFill>
+                        <a:schemeClr val="bg1"/>
+                      </a:solidFill>
+                      <a:prstDash val="solid"/>
+                      <a:round/>
+                      <a:headEnd type="none" w="med" len="med"/>
+                      <a:tailEnd type="none" w="med" len="med"/>
+                    </a:lnR>
+                    <a:lnT w="28575" cap="flat" cmpd="sng" algn="ctr">
+                      <a:solidFill>
+                        <a:schemeClr val="bg1"/>
+                      </a:solidFill>
+                      <a:prstDash val="solid"/>
+                      <a:round/>
+                      <a:headEnd type="none" w="med" len="med"/>
+                      <a:tailEnd type="none" w="med" len="med"/>
+                    </a:lnT>
+                    <a:lnB w="28575" cap="flat" cmpd="sng" algn="ctr">
+                      <a:solidFill>
+                        <a:schemeClr val="bg1"/>
+                      </a:solidFill>
+                      <a:prstDash val="solid"/>
+                      <a:round/>
+                      <a:headEnd type="none" w="med" len="med"/>
+                      <a:tailEnd type="none" w="med" len="med"/>
+                    </a:lnB>
+                    <a:noFill/>
+                  </a:tcPr>
+                </a:tc>
+                <a:extLst>
+                  <a:ext uri="{0D108BD9-81ED-4DB2-BD59-A6C34878D82A}">
+                    <a16:rowId xmlns:a16="http://schemas.microsoft.com/office/drawing/2014/main" val="2440951121"/>
+                  </a:ext>
+                </a:extLst>
+              </a:tr>
+              <a:tr h="370840">
+                <a:tc>
+                  <a:txBody>
+                    <a:bodyPr/>
+                    <a:lstStyle/>
+                    <a:p>
+                      <a:pPr algn="ctr"/>
+                      <a:r>
+                        <a:rPr lang="en-US" b="1" dirty="0">
+                          <a:solidFill>
+                            <a:schemeClr val="bg1"/>
+                          </a:solidFill>
+                          <a:latin typeface="+mn-ea"/>
+                          <a:ea typeface="+mn-ea"/>
+                        </a:rPr>
+                        <a:t>192.168.0.0/24</a:t>
+                      </a:r>
+                    </a:p>
+                  </a:txBody>
+                  <a:tcPr>
+                    <a:lnL w="28575" cap="flat" cmpd="sng" algn="ctr">
+                      <a:solidFill>
+                        <a:schemeClr val="bg1"/>
+                      </a:solidFill>
+                      <a:prstDash val="solid"/>
+                      <a:round/>
+                      <a:headEnd type="none" w="med" len="med"/>
+                      <a:tailEnd type="none" w="med" len="med"/>
+                    </a:lnL>
+                    <a:lnR w="28575" cap="flat" cmpd="sng" algn="ctr">
+                      <a:solidFill>
+                        <a:schemeClr val="bg1"/>
+                      </a:solidFill>
+                      <a:prstDash val="solid"/>
+                      <a:round/>
+                      <a:headEnd type="none" w="med" len="med"/>
+                      <a:tailEnd type="none" w="med" len="med"/>
+                    </a:lnR>
+                    <a:lnT w="28575" cap="flat" cmpd="sng" algn="ctr">
+                      <a:solidFill>
+                        <a:schemeClr val="bg1"/>
+                      </a:solidFill>
+                      <a:prstDash val="solid"/>
+                      <a:round/>
+                      <a:headEnd type="none" w="med" len="med"/>
+                      <a:tailEnd type="none" w="med" len="med"/>
+                    </a:lnT>
+                    <a:lnB w="28575" cap="flat" cmpd="sng" algn="ctr">
+                      <a:solidFill>
+                        <a:schemeClr val="bg1"/>
+                      </a:solidFill>
+                      <a:prstDash val="solid"/>
+                      <a:round/>
+                      <a:headEnd type="none" w="med" len="med"/>
+                      <a:tailEnd type="none" w="med" len="med"/>
+                    </a:lnB>
+                    <a:noFill/>
+                  </a:tcPr>
+                </a:tc>
+                <a:tc>
+                  <a:txBody>
+                    <a:bodyPr/>
+                    <a:lstStyle/>
+                    <a:p>
+                      <a:pPr algn="ctr"/>
+                      <a:r>
+                        <a:rPr lang="en-US" b="1" dirty="0">
+                          <a:solidFill>
+                            <a:schemeClr val="bg1"/>
+                          </a:solidFill>
+                          <a:latin typeface="+mn-ea"/>
+                          <a:ea typeface="+mn-ea"/>
+                        </a:rPr>
+                        <a:t>g0/2</a:t>
+                      </a:r>
+                    </a:p>
+                  </a:txBody>
+                  <a:tcPr>
+                    <a:lnL w="28575" cap="flat" cmpd="sng" algn="ctr">
+                      <a:solidFill>
+                        <a:schemeClr val="bg1"/>
+                      </a:solidFill>
+                      <a:prstDash val="solid"/>
+                      <a:round/>
+                      <a:headEnd type="none" w="med" len="med"/>
+                      <a:tailEnd type="none" w="med" len="med"/>
+                    </a:lnL>
+                    <a:lnR w="28575" cap="flat" cmpd="sng" algn="ctr">
+                      <a:solidFill>
+                        <a:schemeClr val="bg1"/>
+                      </a:solidFill>
+                      <a:prstDash val="solid"/>
+                      <a:round/>
+                      <a:headEnd type="none" w="med" len="med"/>
+                      <a:tailEnd type="none" w="med" len="med"/>
+                    </a:lnR>
+                    <a:lnT w="28575" cap="flat" cmpd="sng" algn="ctr">
+                      <a:solidFill>
+                        <a:schemeClr val="bg1"/>
+                      </a:solidFill>
+                      <a:prstDash val="solid"/>
+                      <a:round/>
+                      <a:headEnd type="none" w="med" len="med"/>
+                      <a:tailEnd type="none" w="med" len="med"/>
+                    </a:lnT>
+                    <a:lnB w="28575" cap="flat" cmpd="sng" algn="ctr">
+                      <a:solidFill>
+                        <a:schemeClr val="bg1"/>
+                      </a:solidFill>
+                      <a:prstDash val="solid"/>
+                      <a:round/>
+                      <a:headEnd type="none" w="med" len="med"/>
+                      <a:tailEnd type="none" w="med" len="med"/>
+                    </a:lnB>
+                    <a:noFill/>
+                  </a:tcPr>
+                </a:tc>
+                <a:extLst>
+                  <a:ext uri="{0D108BD9-81ED-4DB2-BD59-A6C34878D82A}">
+                    <a16:rowId xmlns:a16="http://schemas.microsoft.com/office/drawing/2014/main" val="423528439"/>
+                  </a:ext>
+                </a:extLst>
+              </a:tr>
+            </a:tbl>
+          </a:graphicData>
+        </a:graphic>
+      </p:graphicFrame>
+      <p:sp>
+        <p:nvSpPr>
+          <p:cNvPr id="140" name="Rectangle 139">
+            <a:extLst>
+              <a:ext uri="{FF2B5EF4-FFF2-40B4-BE49-F238E27FC236}">
+                <a16:creationId xmlns:a16="http://schemas.microsoft.com/office/drawing/2014/main" id="{3389E9B2-0DEF-DE41-AD34-383CE72D8AE1}"/>
+              </a:ext>
+            </a:extLst>
+          </p:cNvPr>
+          <p:cNvSpPr/>
+          <p:nvPr/>
+        </p:nvSpPr>
+        <p:spPr>
+          <a:xfrm>
+            <a:off x="1165657" y="2151172"/>
+            <a:ext cx="794122" cy="931743"/>
+          </a:xfrm>
+          <a:prstGeom prst="rect">
+            <a:avLst/>
+          </a:prstGeom>
+          <a:solidFill>
+            <a:schemeClr val="bg1"/>
+          </a:solidFill>
+          <a:ln>
+            <a:noFill/>
+          </a:ln>
+        </p:spPr>
+        <p:style>
+          <a:lnRef idx="2">
+            <a:schemeClr val="accent1">
+              <a:shade val="50000"/>
+            </a:schemeClr>
+          </a:lnRef>
+          <a:fillRef idx="1">
+            <a:schemeClr val="accent1"/>
+          </a:fillRef>
+          <a:effectRef idx="0">
+            <a:schemeClr val="accent1"/>
+          </a:effectRef>
+          <a:fontRef idx="minor">
+            <a:schemeClr val="lt1"/>
+          </a:fontRef>
+        </p:style>
+        <p:txBody>
+          <a:bodyPr rtlCol="0" anchor="ctr"/>
+          <a:lstStyle/>
+          <a:p>
+            <a:pPr algn="ctr"/>
+            <a:endParaRPr lang="en-US"/>
+          </a:p>
+        </p:txBody>
+      </p:sp>
+      <p:pic>
+        <p:nvPicPr>
+          <p:cNvPr id="141" name="Picture 140">
+            <a:extLst>
+              <a:ext uri="{FF2B5EF4-FFF2-40B4-BE49-F238E27FC236}">
+                <a16:creationId xmlns:a16="http://schemas.microsoft.com/office/drawing/2014/main" id="{54229CD7-0C82-CC4C-B8E9-EDF660E45954}"/>
+              </a:ext>
+            </a:extLst>
+          </p:cNvPr>
+          <p:cNvPicPr>
+            <a:picLocks noChangeAspect="1"/>
+          </p:cNvPicPr>
+          <p:nvPr/>
+        </p:nvPicPr>
+        <p:blipFill>
+          <a:blip r:embed="rId2">
+            <a:extLst>
+              <a:ext uri="{28A0092B-C50C-407E-A947-70E740481C1C}">
+                <a14:useLocalDpi xmlns:a14="http://schemas.microsoft.com/office/drawing/2010/main" val="0"/>
+              </a:ext>
+            </a:extLst>
+          </a:blip>
+          <a:stretch>
+            <a:fillRect/>
+          </a:stretch>
+        </p:blipFill>
+        <p:spPr>
+          <a:xfrm>
+            <a:off x="1023128" y="2101056"/>
+            <a:ext cx="1059293" cy="1059293"/>
+          </a:xfrm>
+          <a:prstGeom prst="rect">
+            <a:avLst/>
+          </a:prstGeom>
+          <a:noFill/>
+        </p:spPr>
+      </p:pic>
+      <p:sp>
+        <p:nvSpPr>
+          <p:cNvPr id="142" name="TextBox 141">
+            <a:extLst>
+              <a:ext uri="{FF2B5EF4-FFF2-40B4-BE49-F238E27FC236}">
+                <a16:creationId xmlns:a16="http://schemas.microsoft.com/office/drawing/2014/main" id="{356864EA-8913-4A45-A8A8-B10B5216D36B}"/>
+              </a:ext>
+            </a:extLst>
+          </p:cNvPr>
+          <p:cNvSpPr txBox="1"/>
+          <p:nvPr/>
+        </p:nvSpPr>
+        <p:spPr>
+          <a:xfrm>
+            <a:off x="1180601" y="2629751"/>
+            <a:ext cx="742511" cy="369332"/>
+          </a:xfrm>
+          <a:prstGeom prst="rect">
+            <a:avLst/>
+          </a:prstGeom>
+          <a:noFill/>
+        </p:spPr>
+        <p:txBody>
+          <a:bodyPr wrap="none" rtlCol="0">
+            <a:spAutoFit/>
+          </a:bodyPr>
+          <a:lstStyle/>
+          <a:p>
+            <a:r>
+              <a:rPr lang="en-US" b="1" dirty="0">
+                <a:solidFill>
+                  <a:schemeClr val="bg1"/>
+                </a:solidFill>
+                <a:latin typeface="Yu Gothic" panose="020B0400000000000000" pitchFamily="34" charset="-128"/>
+                <a:ea typeface="Yu Gothic" panose="020B0400000000000000" pitchFamily="34" charset="-128"/>
+              </a:rPr>
+              <a:t>R1-B</a:t>
+            </a:r>
+          </a:p>
+        </p:txBody>
+      </p:sp>
+      <p:sp>
+        <p:nvSpPr>
+          <p:cNvPr id="143" name="Rectangle 142">
+            <a:extLst>
+              <a:ext uri="{FF2B5EF4-FFF2-40B4-BE49-F238E27FC236}">
+                <a16:creationId xmlns:a16="http://schemas.microsoft.com/office/drawing/2014/main" id="{CE1BEDD6-790A-AB4C-B60F-68197B08C6D8}"/>
+              </a:ext>
+            </a:extLst>
+          </p:cNvPr>
+          <p:cNvSpPr/>
+          <p:nvPr/>
+        </p:nvSpPr>
+        <p:spPr>
+          <a:xfrm>
+            <a:off x="10047351" y="2139800"/>
+            <a:ext cx="794122" cy="931743"/>
+          </a:xfrm>
+          <a:prstGeom prst="rect">
+            <a:avLst/>
+          </a:prstGeom>
+          <a:solidFill>
+            <a:schemeClr val="bg1"/>
+          </a:solidFill>
+          <a:ln>
+            <a:noFill/>
+          </a:ln>
+        </p:spPr>
+        <p:style>
+          <a:lnRef idx="2">
+            <a:schemeClr val="accent1">
+              <a:shade val="50000"/>
+            </a:schemeClr>
+          </a:lnRef>
+          <a:fillRef idx="1">
+            <a:schemeClr val="accent1"/>
+          </a:fillRef>
+          <a:effectRef idx="0">
+            <a:schemeClr val="accent1"/>
+          </a:effectRef>
+          <a:fontRef idx="minor">
+            <a:schemeClr val="lt1"/>
+          </a:fontRef>
+        </p:style>
+        <p:txBody>
+          <a:bodyPr rtlCol="0" anchor="ctr"/>
+          <a:lstStyle/>
+          <a:p>
+            <a:pPr algn="ctr"/>
+            <a:endParaRPr lang="en-US"/>
+          </a:p>
+        </p:txBody>
+      </p:sp>
+      <p:pic>
+        <p:nvPicPr>
+          <p:cNvPr id="144" name="Picture 143">
+            <a:extLst>
+              <a:ext uri="{FF2B5EF4-FFF2-40B4-BE49-F238E27FC236}">
+                <a16:creationId xmlns:a16="http://schemas.microsoft.com/office/drawing/2014/main" id="{6E9AD50B-BEFA-2445-8D85-50A66305E0DF}"/>
+              </a:ext>
+            </a:extLst>
+          </p:cNvPr>
+          <p:cNvPicPr>
+            <a:picLocks noChangeAspect="1"/>
+          </p:cNvPicPr>
+          <p:nvPr/>
+        </p:nvPicPr>
+        <p:blipFill>
+          <a:blip r:embed="rId2">
+            <a:extLst>
+              <a:ext uri="{28A0092B-C50C-407E-A947-70E740481C1C}">
+                <a14:useLocalDpi xmlns:a14="http://schemas.microsoft.com/office/drawing/2010/main" val="0"/>
+              </a:ext>
+            </a:extLst>
+          </a:blip>
+          <a:stretch>
+            <a:fillRect/>
+          </a:stretch>
+        </p:blipFill>
+        <p:spPr>
+          <a:xfrm>
+            <a:off x="9904822" y="2089684"/>
+            <a:ext cx="1059293" cy="1059293"/>
+          </a:xfrm>
+          <a:prstGeom prst="rect">
+            <a:avLst/>
+          </a:prstGeom>
+          <a:noFill/>
+        </p:spPr>
+      </p:pic>
+      <p:sp>
+        <p:nvSpPr>
+          <p:cNvPr id="145" name="TextBox 144">
+            <a:extLst>
+              <a:ext uri="{FF2B5EF4-FFF2-40B4-BE49-F238E27FC236}">
+                <a16:creationId xmlns:a16="http://schemas.microsoft.com/office/drawing/2014/main" id="{B6876317-C1BC-524E-B5B2-F6332BDF1034}"/>
+              </a:ext>
+            </a:extLst>
+          </p:cNvPr>
+          <p:cNvSpPr txBox="1"/>
+          <p:nvPr/>
+        </p:nvSpPr>
+        <p:spPr>
+          <a:xfrm>
+            <a:off x="10076089" y="2617043"/>
+            <a:ext cx="742511" cy="369332"/>
+          </a:xfrm>
+          <a:prstGeom prst="rect">
+            <a:avLst/>
+          </a:prstGeom>
+          <a:noFill/>
+        </p:spPr>
+        <p:txBody>
+          <a:bodyPr wrap="none" rtlCol="0">
+            <a:spAutoFit/>
+          </a:bodyPr>
+          <a:lstStyle/>
+          <a:p>
+            <a:r>
+              <a:rPr lang="en-US" b="1" dirty="0">
+                <a:solidFill>
+                  <a:schemeClr val="bg1"/>
+                </a:solidFill>
+                <a:latin typeface="Yu Gothic" panose="020B0400000000000000" pitchFamily="34" charset="-128"/>
+                <a:ea typeface="Yu Gothic" panose="020B0400000000000000" pitchFamily="34" charset="-128"/>
+              </a:rPr>
+              <a:t>R2-B</a:t>
+            </a:r>
+          </a:p>
+        </p:txBody>
+      </p:sp>
+      <p:sp>
+        <p:nvSpPr>
+          <p:cNvPr id="148" name="TextBox 147">
+            <a:extLst>
+              <a:ext uri="{FF2B5EF4-FFF2-40B4-BE49-F238E27FC236}">
+                <a16:creationId xmlns:a16="http://schemas.microsoft.com/office/drawing/2014/main" id="{5BDE7E0C-99F8-AE4A-89CB-E800C2153CC3}"/>
+              </a:ext>
+            </a:extLst>
+          </p:cNvPr>
+          <p:cNvSpPr txBox="1"/>
+          <p:nvPr/>
+        </p:nvSpPr>
+        <p:spPr>
+          <a:xfrm>
+            <a:off x="1563473" y="1431741"/>
+            <a:ext cx="1662635" cy="707886"/>
+          </a:xfrm>
+          <a:prstGeom prst="rect">
+            <a:avLst/>
+          </a:prstGeom>
+          <a:noFill/>
+        </p:spPr>
+        <p:txBody>
+          <a:bodyPr wrap="none" rtlCol="0">
+            <a:spAutoFit/>
+          </a:bodyPr>
+          <a:lstStyle/>
+          <a:p>
+            <a:pPr algn="ctr"/>
+            <a:r>
+              <a:rPr lang="ja-JP" altLang="en-US" sz="2000" b="1">
+                <a:solidFill>
+                  <a:schemeClr val="accent3"/>
+                </a:solidFill>
+              </a:rPr>
+              <a:t>デフォルト</a:t>
+            </a:r>
+            <a:endParaRPr lang="en-US" altLang="ja-JP" sz="2000" b="1" dirty="0">
+              <a:solidFill>
+                <a:schemeClr val="accent3"/>
+              </a:solidFill>
+            </a:endParaRPr>
+          </a:p>
+          <a:p>
+            <a:pPr algn="ctr"/>
+            <a:r>
+              <a:rPr lang="ja-JP" altLang="en-US" sz="2000" b="1">
+                <a:solidFill>
+                  <a:schemeClr val="accent3"/>
+                </a:solidFill>
+              </a:rPr>
+              <a:t>ルート</a:t>
+            </a:r>
+            <a:r>
+              <a:rPr lang="en-US" altLang="ja-JP" sz="2000" b="1" dirty="0">
+                <a:solidFill>
+                  <a:schemeClr val="accent3"/>
+                </a:solidFill>
+              </a:rPr>
+              <a:t>(OSPF)</a:t>
+            </a:r>
+            <a:endParaRPr lang="en-US" sz="2000" b="1" dirty="0">
+              <a:solidFill>
+                <a:schemeClr val="accent3"/>
+              </a:solidFill>
+            </a:endParaRPr>
+          </a:p>
+        </p:txBody>
+      </p:sp>
+      <p:sp>
+        <p:nvSpPr>
+          <p:cNvPr id="149" name="Right Arrow 148">
+            <a:extLst>
+              <a:ext uri="{FF2B5EF4-FFF2-40B4-BE49-F238E27FC236}">
+                <a16:creationId xmlns:a16="http://schemas.microsoft.com/office/drawing/2014/main" id="{1350C780-F046-2346-8B7A-F49B3FEA521F}"/>
+              </a:ext>
+            </a:extLst>
+          </p:cNvPr>
+          <p:cNvSpPr/>
+          <p:nvPr/>
+        </p:nvSpPr>
+        <p:spPr>
+          <a:xfrm>
+            <a:off x="2162618" y="2178906"/>
+            <a:ext cx="619914" cy="364548"/>
+          </a:xfrm>
+          <a:prstGeom prst="rightArrow">
+            <a:avLst/>
+          </a:prstGeom>
+          <a:solidFill>
+            <a:schemeClr val="accent3"/>
+          </a:solidFill>
+          <a:ln>
+            <a:noFill/>
+          </a:ln>
+        </p:spPr>
+        <p:style>
+          <a:lnRef idx="2">
+            <a:schemeClr val="accent1">
+              <a:shade val="50000"/>
+            </a:schemeClr>
+          </a:lnRef>
+          <a:fillRef idx="1">
+            <a:schemeClr val="accent1"/>
+          </a:fillRef>
+          <a:effectRef idx="0">
+            <a:schemeClr val="accent1"/>
+          </a:effectRef>
+          <a:fontRef idx="minor">
+            <a:schemeClr val="lt1"/>
+          </a:fontRef>
+        </p:style>
+        <p:txBody>
+          <a:bodyPr rtlCol="0" anchor="ctr"/>
+          <a:lstStyle/>
+          <a:p>
+            <a:pPr algn="ctr"/>
+            <a:endParaRPr lang="en-US"/>
+          </a:p>
+        </p:txBody>
+      </p:sp>
+      <p:sp>
+        <p:nvSpPr>
+          <p:cNvPr id="150" name="Right Arrow 149">
+            <a:extLst>
+              <a:ext uri="{FF2B5EF4-FFF2-40B4-BE49-F238E27FC236}">
+                <a16:creationId xmlns:a16="http://schemas.microsoft.com/office/drawing/2014/main" id="{50DE71CB-5CC2-C949-870F-5F5526CDE6F0}"/>
+              </a:ext>
+            </a:extLst>
+          </p:cNvPr>
+          <p:cNvSpPr/>
+          <p:nvPr/>
+        </p:nvSpPr>
+        <p:spPr>
+          <a:xfrm rot="10800000">
+            <a:off x="9165589" y="2178906"/>
+            <a:ext cx="619914" cy="364548"/>
+          </a:xfrm>
+          <a:prstGeom prst="rightArrow">
+            <a:avLst/>
+          </a:prstGeom>
+          <a:solidFill>
+            <a:schemeClr val="accent3"/>
+          </a:solidFill>
+          <a:ln>
+            <a:noFill/>
+          </a:ln>
+        </p:spPr>
+        <p:style>
+          <a:lnRef idx="2">
+            <a:schemeClr val="accent1">
+              <a:shade val="50000"/>
+            </a:schemeClr>
+          </a:lnRef>
+          <a:fillRef idx="1">
+            <a:schemeClr val="accent1"/>
+          </a:fillRef>
+          <a:effectRef idx="0">
+            <a:schemeClr val="accent1"/>
+          </a:effectRef>
+          <a:fontRef idx="minor">
+            <a:schemeClr val="lt1"/>
+          </a:fontRef>
+        </p:style>
+        <p:txBody>
+          <a:bodyPr rtlCol="0" anchor="ctr"/>
+          <a:lstStyle/>
+          <a:p>
+            <a:pPr algn="ctr"/>
+            <a:endParaRPr lang="en-US"/>
+          </a:p>
+        </p:txBody>
+      </p:sp>
+      <p:sp>
+        <p:nvSpPr>
+          <p:cNvPr id="151" name="TextBox 150">
+            <a:extLst>
+              <a:ext uri="{FF2B5EF4-FFF2-40B4-BE49-F238E27FC236}">
+                <a16:creationId xmlns:a16="http://schemas.microsoft.com/office/drawing/2014/main" id="{DA723184-9737-A749-A8CB-881EF23A4B5F}"/>
+              </a:ext>
+            </a:extLst>
+          </p:cNvPr>
+          <p:cNvSpPr txBox="1"/>
+          <p:nvPr/>
+        </p:nvSpPr>
+        <p:spPr>
+          <a:xfrm>
+            <a:off x="8899971" y="1431741"/>
+            <a:ext cx="1662635" cy="707886"/>
+          </a:xfrm>
+          <a:prstGeom prst="rect">
+            <a:avLst/>
+          </a:prstGeom>
+          <a:noFill/>
+        </p:spPr>
+        <p:txBody>
+          <a:bodyPr wrap="none" rtlCol="0">
+            <a:spAutoFit/>
+          </a:bodyPr>
+          <a:lstStyle/>
+          <a:p>
+            <a:pPr algn="ctr"/>
+            <a:r>
+              <a:rPr lang="ja-JP" altLang="en-US" sz="2000" b="1">
+                <a:solidFill>
+                  <a:schemeClr val="accent3"/>
+                </a:solidFill>
+              </a:rPr>
+              <a:t>デフォルト</a:t>
+            </a:r>
+            <a:endParaRPr lang="en-US" altLang="ja-JP" sz="2000" b="1" dirty="0">
+              <a:solidFill>
+                <a:schemeClr val="accent3"/>
+              </a:solidFill>
+            </a:endParaRPr>
+          </a:p>
+          <a:p>
+            <a:pPr algn="ctr"/>
+            <a:r>
+              <a:rPr lang="ja-JP" altLang="en-US" sz="2000" b="1">
+                <a:solidFill>
+                  <a:schemeClr val="accent3"/>
+                </a:solidFill>
+              </a:rPr>
+              <a:t>ルート</a:t>
+            </a:r>
+            <a:r>
+              <a:rPr lang="en-US" altLang="ja-JP" sz="2000" b="1" dirty="0">
+                <a:solidFill>
+                  <a:schemeClr val="accent3"/>
+                </a:solidFill>
+              </a:rPr>
+              <a:t>(OSPF)</a:t>
+            </a:r>
+            <a:endParaRPr lang="en-US" sz="2000" b="1" dirty="0">
+              <a:solidFill>
+                <a:schemeClr val="accent3"/>
+              </a:solidFill>
+            </a:endParaRPr>
+          </a:p>
+        </p:txBody>
+      </p:sp>
+    </p:spTree>
+    <p:extLst>
+      <p:ext uri="{BB962C8B-B14F-4D97-AF65-F5344CB8AC3E}">
+        <p14:creationId xmlns:p14="http://schemas.microsoft.com/office/powerpoint/2010/main" val="2685894443"/>
+      </p:ext>
+    </p:extLst>
+  </p:cSld>
+  <p:clrMapOvr>
+    <a:masterClrMapping/>
+  </p:clrMapOvr>
+</p:sld>
+</file>
+
+<file path=ppt/slides/slide6.xml><?xml version="1.0" encoding="utf-8"?>
+<p:sld xmlns:a="http://schemas.openxmlformats.org/drawingml/2006/main" xmlns:r="http://schemas.openxmlformats.org/officeDocument/2006/relationships" xmlns:p="http://schemas.openxmlformats.org/presentationml/2006/main">
+  <p:cSld>
+    <p:spTree>
+      <p:nvGrpSpPr>
+        <p:cNvPr id="1" name=""/>
+        <p:cNvGrpSpPr/>
+        <p:nvPr/>
+      </p:nvGrpSpPr>
+      <p:grpSpPr>
+        <a:xfrm>
+          <a:off x="0" y="0"/>
+          <a:ext cx="0" cy="0"/>
+          <a:chOff x="0" y="0"/>
+          <a:chExt cx="0" cy="0"/>
+        </a:xfrm>
+      </p:grpSpPr>
+    </p:spTree>
+    <p:extLst>
+      <p:ext uri="{BB962C8B-B14F-4D97-AF65-F5344CB8AC3E}">
+        <p14:creationId xmlns:p14="http://schemas.microsoft.com/office/powerpoint/2010/main" val="469544627"/>
       </p:ext>
     </p:extLst>
   </p:cSld>

--- a/slides/0040.pptx
+++ b/slides/0040.pptx
@@ -9,8 +9,9 @@
     <p:sldId id="260" r:id="rId3"/>
     <p:sldId id="261" r:id="rId4"/>
     <p:sldId id="262" r:id="rId5"/>
-    <p:sldId id="263" r:id="rId6"/>
-    <p:sldId id="264" r:id="rId7"/>
+    <p:sldId id="265" r:id="rId6"/>
+    <p:sldId id="263" r:id="rId7"/>
+    <p:sldId id="264" r:id="rId8"/>
   </p:sldIdLst>
   <p:sldSz cx="12192000" cy="6858000"/>
   <p:notesSz cx="6858000" cy="9144000"/>
@@ -264,7 +265,7 @@
           <a:p>
             <a:fld id="{5AEC58D5-D0FD-5D43-AC21-2C9A8E377766}" type="datetimeFigureOut">
               <a:rPr lang="en-US" smtClean="0"/>
-              <a:t>6/25/18</a:t>
+              <a:t>6/26/18</a:t>
             </a:fld>
             <a:endParaRPr lang="en-US"/>
           </a:p>
@@ -462,7 +463,7 @@
           <a:p>
             <a:fld id="{5AEC58D5-D0FD-5D43-AC21-2C9A8E377766}" type="datetimeFigureOut">
               <a:rPr lang="en-US" smtClean="0"/>
-              <a:t>6/25/18</a:t>
+              <a:t>6/26/18</a:t>
             </a:fld>
             <a:endParaRPr lang="en-US"/>
           </a:p>
@@ -670,7 +671,7 @@
           <a:p>
             <a:fld id="{5AEC58D5-D0FD-5D43-AC21-2C9A8E377766}" type="datetimeFigureOut">
               <a:rPr lang="en-US" smtClean="0"/>
-              <a:t>6/25/18</a:t>
+              <a:t>6/26/18</a:t>
             </a:fld>
             <a:endParaRPr lang="en-US"/>
           </a:p>
@@ -868,7 +869,7 @@
           <a:p>
             <a:fld id="{5AEC58D5-D0FD-5D43-AC21-2C9A8E377766}" type="datetimeFigureOut">
               <a:rPr lang="en-US" smtClean="0"/>
-              <a:t>6/25/18</a:t>
+              <a:t>6/26/18</a:t>
             </a:fld>
             <a:endParaRPr lang="en-US"/>
           </a:p>
@@ -1143,7 +1144,7 @@
           <a:p>
             <a:fld id="{5AEC58D5-D0FD-5D43-AC21-2C9A8E377766}" type="datetimeFigureOut">
               <a:rPr lang="en-US" smtClean="0"/>
-              <a:t>6/25/18</a:t>
+              <a:t>6/26/18</a:t>
             </a:fld>
             <a:endParaRPr lang="en-US"/>
           </a:p>
@@ -1408,7 +1409,7 @@
           <a:p>
             <a:fld id="{5AEC58D5-D0FD-5D43-AC21-2C9A8E377766}" type="datetimeFigureOut">
               <a:rPr lang="en-US" smtClean="0"/>
-              <a:t>6/25/18</a:t>
+              <a:t>6/26/18</a:t>
             </a:fld>
             <a:endParaRPr lang="en-US"/>
           </a:p>
@@ -1820,7 +1821,7 @@
           <a:p>
             <a:fld id="{5AEC58D5-D0FD-5D43-AC21-2C9A8E377766}" type="datetimeFigureOut">
               <a:rPr lang="en-US" smtClean="0"/>
-              <a:t>6/25/18</a:t>
+              <a:t>6/26/18</a:t>
             </a:fld>
             <a:endParaRPr lang="en-US"/>
           </a:p>
@@ -1961,7 +1962,7 @@
           <a:p>
             <a:fld id="{5AEC58D5-D0FD-5D43-AC21-2C9A8E377766}" type="datetimeFigureOut">
               <a:rPr lang="en-US" smtClean="0"/>
-              <a:t>6/25/18</a:t>
+              <a:t>6/26/18</a:t>
             </a:fld>
             <a:endParaRPr lang="en-US"/>
           </a:p>
@@ -2074,7 +2075,7 @@
           <a:p>
             <a:fld id="{5AEC58D5-D0FD-5D43-AC21-2C9A8E377766}" type="datetimeFigureOut">
               <a:rPr lang="en-US" smtClean="0"/>
-              <a:t>6/25/18</a:t>
+              <a:t>6/26/18</a:t>
             </a:fld>
             <a:endParaRPr lang="en-US"/>
           </a:p>
@@ -2385,7 +2386,7 @@
           <a:p>
             <a:fld id="{5AEC58D5-D0FD-5D43-AC21-2C9A8E377766}" type="datetimeFigureOut">
               <a:rPr lang="en-US" smtClean="0"/>
-              <a:t>6/25/18</a:t>
+              <a:t>6/26/18</a:t>
             </a:fld>
             <a:endParaRPr lang="en-US"/>
           </a:p>
@@ -2673,7 +2674,7 @@
           <a:p>
             <a:fld id="{5AEC58D5-D0FD-5D43-AC21-2C9A8E377766}" type="datetimeFigureOut">
               <a:rPr lang="en-US" smtClean="0"/>
-              <a:t>6/25/18</a:t>
+              <a:t>6/26/18</a:t>
             </a:fld>
             <a:endParaRPr lang="en-US"/>
           </a:p>
@@ -2914,7 +2915,7 @@
           <a:p>
             <a:fld id="{5AEC58D5-D0FD-5D43-AC21-2C9A8E377766}" type="datetimeFigureOut">
               <a:rPr lang="en-US" smtClean="0"/>
-              <a:t>6/25/18</a:t>
+              <a:t>6/26/18</a:t>
             </a:fld>
             <a:endParaRPr lang="en-US"/>
           </a:p>
@@ -11966,6 +11967,3278 @@
 </file>
 
 <file path=ppt/slides/slide5.xml><?xml version="1.0" encoding="utf-8"?>
+<p:sld xmlns:a="http://schemas.openxmlformats.org/drawingml/2006/main" xmlns:r="http://schemas.openxmlformats.org/officeDocument/2006/relationships" xmlns:p="http://schemas.openxmlformats.org/presentationml/2006/main">
+  <p:cSld>
+    <p:spTree>
+      <p:nvGrpSpPr>
+        <p:cNvPr id="1" name=""/>
+        <p:cNvGrpSpPr/>
+        <p:nvPr/>
+      </p:nvGrpSpPr>
+      <p:grpSpPr>
+        <a:xfrm>
+          <a:off x="0" y="0"/>
+          <a:ext cx="0" cy="0"/>
+          <a:chOff x="0" y="0"/>
+          <a:chExt cx="0" cy="0"/>
+        </a:xfrm>
+      </p:grpSpPr>
+      <p:sp>
+        <p:nvSpPr>
+          <p:cNvPr id="47" name="Rounded Rectangle 46">
+            <a:extLst>
+              <a:ext uri="{FF2B5EF4-FFF2-40B4-BE49-F238E27FC236}">
+                <a16:creationId xmlns:a16="http://schemas.microsoft.com/office/drawing/2014/main" id="{FBF59CD1-482C-4C4C-8CA6-F1E546BFC8E6}"/>
+              </a:ext>
+            </a:extLst>
+          </p:cNvPr>
+          <p:cNvSpPr/>
+          <p:nvPr/>
+        </p:nvSpPr>
+        <p:spPr>
+          <a:xfrm>
+            <a:off x="569647" y="710274"/>
+            <a:ext cx="2964202" cy="1451703"/>
+          </a:xfrm>
+          <a:prstGeom prst="roundRect">
+            <a:avLst/>
+          </a:prstGeom>
+          <a:noFill/>
+          <a:ln w="57150">
+            <a:solidFill>
+              <a:schemeClr val="accent5"/>
+            </a:solidFill>
+            <a:prstDash val="dash"/>
+          </a:ln>
+        </p:spPr>
+        <p:style>
+          <a:lnRef idx="2">
+            <a:schemeClr val="accent1">
+              <a:shade val="50000"/>
+            </a:schemeClr>
+          </a:lnRef>
+          <a:fillRef idx="1">
+            <a:schemeClr val="accent1"/>
+          </a:fillRef>
+          <a:effectRef idx="0">
+            <a:schemeClr val="accent1"/>
+          </a:effectRef>
+          <a:fontRef idx="minor">
+            <a:schemeClr val="lt1"/>
+          </a:fontRef>
+        </p:style>
+        <p:txBody>
+          <a:bodyPr rtlCol="0" anchor="ctr"/>
+          <a:lstStyle/>
+          <a:p>
+            <a:pPr algn="ctr"/>
+            <a:endParaRPr lang="en-US"/>
+          </a:p>
+        </p:txBody>
+      </p:sp>
+      <p:sp>
+        <p:nvSpPr>
+          <p:cNvPr id="48" name="Rounded Rectangle 47">
+            <a:extLst>
+              <a:ext uri="{FF2B5EF4-FFF2-40B4-BE49-F238E27FC236}">
+                <a16:creationId xmlns:a16="http://schemas.microsoft.com/office/drawing/2014/main" id="{9165CD07-BBAD-194C-8EE7-852BC9D68B4B}"/>
+              </a:ext>
+            </a:extLst>
+          </p:cNvPr>
+          <p:cNvSpPr/>
+          <p:nvPr/>
+        </p:nvSpPr>
+        <p:spPr>
+          <a:xfrm>
+            <a:off x="4007239" y="700657"/>
+            <a:ext cx="1909609" cy="4697508"/>
+          </a:xfrm>
+          <a:prstGeom prst="roundRect">
+            <a:avLst/>
+          </a:prstGeom>
+          <a:noFill/>
+          <a:ln w="57150">
+            <a:solidFill>
+              <a:schemeClr val="accent5"/>
+            </a:solidFill>
+            <a:prstDash val="dash"/>
+          </a:ln>
+        </p:spPr>
+        <p:style>
+          <a:lnRef idx="2">
+            <a:schemeClr val="accent1">
+              <a:shade val="50000"/>
+            </a:schemeClr>
+          </a:lnRef>
+          <a:fillRef idx="1">
+            <a:schemeClr val="accent1"/>
+          </a:fillRef>
+          <a:effectRef idx="0">
+            <a:schemeClr val="accent1"/>
+          </a:effectRef>
+          <a:fontRef idx="minor">
+            <a:schemeClr val="lt1"/>
+          </a:fontRef>
+        </p:style>
+        <p:txBody>
+          <a:bodyPr rtlCol="0" anchor="ctr"/>
+          <a:lstStyle/>
+          <a:p>
+            <a:pPr algn="ctr"/>
+            <a:endParaRPr lang="en-US"/>
+          </a:p>
+        </p:txBody>
+      </p:sp>
+      <p:sp>
+        <p:nvSpPr>
+          <p:cNvPr id="49" name="Rounded Rectangle 48">
+            <a:extLst>
+              <a:ext uri="{FF2B5EF4-FFF2-40B4-BE49-F238E27FC236}">
+                <a16:creationId xmlns:a16="http://schemas.microsoft.com/office/drawing/2014/main" id="{2B202CA7-1A77-E744-AE0D-4E3F118933F8}"/>
+              </a:ext>
+            </a:extLst>
+          </p:cNvPr>
+          <p:cNvSpPr/>
+          <p:nvPr/>
+        </p:nvSpPr>
+        <p:spPr>
+          <a:xfrm>
+            <a:off x="569647" y="2328368"/>
+            <a:ext cx="2962055" cy="1451703"/>
+          </a:xfrm>
+          <a:prstGeom prst="roundRect">
+            <a:avLst/>
+          </a:prstGeom>
+          <a:noFill/>
+          <a:ln w="57150">
+            <a:solidFill>
+              <a:schemeClr val="accent5"/>
+            </a:solidFill>
+            <a:prstDash val="dash"/>
+          </a:ln>
+        </p:spPr>
+        <p:style>
+          <a:lnRef idx="2">
+            <a:schemeClr val="accent1">
+              <a:shade val="50000"/>
+            </a:schemeClr>
+          </a:lnRef>
+          <a:fillRef idx="1">
+            <a:schemeClr val="accent1"/>
+          </a:fillRef>
+          <a:effectRef idx="0">
+            <a:schemeClr val="accent1"/>
+          </a:effectRef>
+          <a:fontRef idx="minor">
+            <a:schemeClr val="lt1"/>
+          </a:fontRef>
+        </p:style>
+        <p:txBody>
+          <a:bodyPr rtlCol="0" anchor="ctr"/>
+          <a:lstStyle/>
+          <a:p>
+            <a:pPr algn="ctr"/>
+            <a:endParaRPr lang="en-US"/>
+          </a:p>
+        </p:txBody>
+      </p:sp>
+      <p:sp>
+        <p:nvSpPr>
+          <p:cNvPr id="50" name="Rounded Rectangle 49">
+            <a:extLst>
+              <a:ext uri="{FF2B5EF4-FFF2-40B4-BE49-F238E27FC236}">
+                <a16:creationId xmlns:a16="http://schemas.microsoft.com/office/drawing/2014/main" id="{9A25CC12-1498-2B44-928A-0611808223C6}"/>
+              </a:ext>
+            </a:extLst>
+          </p:cNvPr>
+          <p:cNvSpPr/>
+          <p:nvPr/>
+        </p:nvSpPr>
+        <p:spPr>
+          <a:xfrm>
+            <a:off x="569647" y="3946462"/>
+            <a:ext cx="2962055" cy="1451703"/>
+          </a:xfrm>
+          <a:prstGeom prst="roundRect">
+            <a:avLst/>
+          </a:prstGeom>
+          <a:noFill/>
+          <a:ln w="57150">
+            <a:solidFill>
+              <a:schemeClr val="accent5"/>
+            </a:solidFill>
+            <a:prstDash val="dash"/>
+          </a:ln>
+        </p:spPr>
+        <p:style>
+          <a:lnRef idx="2">
+            <a:schemeClr val="accent1">
+              <a:shade val="50000"/>
+            </a:schemeClr>
+          </a:lnRef>
+          <a:fillRef idx="1">
+            <a:schemeClr val="accent1"/>
+          </a:fillRef>
+          <a:effectRef idx="0">
+            <a:schemeClr val="accent1"/>
+          </a:effectRef>
+          <a:fontRef idx="minor">
+            <a:schemeClr val="lt1"/>
+          </a:fontRef>
+        </p:style>
+        <p:txBody>
+          <a:bodyPr rtlCol="0" anchor="ctr"/>
+          <a:lstStyle/>
+          <a:p>
+            <a:pPr algn="ctr"/>
+            <a:endParaRPr lang="en-US"/>
+          </a:p>
+        </p:txBody>
+      </p:sp>
+      <p:sp>
+        <p:nvSpPr>
+          <p:cNvPr id="7" name="Cloud 6">
+            <a:extLst>
+              <a:ext uri="{FF2B5EF4-FFF2-40B4-BE49-F238E27FC236}">
+                <a16:creationId xmlns:a16="http://schemas.microsoft.com/office/drawing/2014/main" id="{7B2DC6F3-23A8-CF46-8F84-44FC147571D9}"/>
+              </a:ext>
+            </a:extLst>
+          </p:cNvPr>
+          <p:cNvSpPr/>
+          <p:nvPr/>
+        </p:nvSpPr>
+        <p:spPr>
+          <a:xfrm>
+            <a:off x="9007873" y="917722"/>
+            <a:ext cx="2784611" cy="1208933"/>
+          </a:xfrm>
+          <a:prstGeom prst="cloud">
+            <a:avLst/>
+          </a:prstGeom>
+          <a:solidFill>
+            <a:schemeClr val="bg2"/>
+          </a:solidFill>
+          <a:ln>
+            <a:noFill/>
+          </a:ln>
+        </p:spPr>
+        <p:style>
+          <a:lnRef idx="2">
+            <a:schemeClr val="accent1">
+              <a:shade val="50000"/>
+            </a:schemeClr>
+          </a:lnRef>
+          <a:fillRef idx="1">
+            <a:schemeClr val="accent1"/>
+          </a:fillRef>
+          <a:effectRef idx="0">
+            <a:schemeClr val="accent1"/>
+          </a:effectRef>
+          <a:fontRef idx="minor">
+            <a:schemeClr val="lt1"/>
+          </a:fontRef>
+        </p:style>
+        <p:txBody>
+          <a:bodyPr rtlCol="0" anchor="ctr"/>
+          <a:lstStyle/>
+          <a:p>
+            <a:pPr algn="ctr"/>
+            <a:endParaRPr lang="en-US"/>
+          </a:p>
+        </p:txBody>
+      </p:sp>
+      <p:sp>
+        <p:nvSpPr>
+          <p:cNvPr id="8" name="TextBox 7">
+            <a:extLst>
+              <a:ext uri="{FF2B5EF4-FFF2-40B4-BE49-F238E27FC236}">
+                <a16:creationId xmlns:a16="http://schemas.microsoft.com/office/drawing/2014/main" id="{CC95C6CD-DB70-4444-91FE-AE8ECCD3E858}"/>
+              </a:ext>
+            </a:extLst>
+          </p:cNvPr>
+          <p:cNvSpPr txBox="1"/>
+          <p:nvPr/>
+        </p:nvSpPr>
+        <p:spPr>
+          <a:xfrm>
+            <a:off x="10283064" y="1019181"/>
+            <a:ext cx="1090063" cy="369332"/>
+          </a:xfrm>
+          <a:prstGeom prst="rect">
+            <a:avLst/>
+          </a:prstGeom>
+          <a:noFill/>
+        </p:spPr>
+        <p:txBody>
+          <a:bodyPr wrap="square" rtlCol="0">
+            <a:spAutoFit/>
+          </a:bodyPr>
+          <a:lstStyle/>
+          <a:p>
+            <a:r>
+              <a:rPr lang="en-US" b="1" dirty="0">
+                <a:latin typeface="Yu Gothic" panose="020B0400000000000000" pitchFamily="34" charset="-128"/>
+                <a:ea typeface="Yu Gothic" panose="020B0400000000000000" pitchFamily="34" charset="-128"/>
+              </a:rPr>
+              <a:t>Internet</a:t>
+            </a:r>
+          </a:p>
+        </p:txBody>
+      </p:sp>
+      <p:cxnSp>
+        <p:nvCxnSpPr>
+          <p:cNvPr id="23" name="Straight Connector 22">
+            <a:extLst>
+              <a:ext uri="{FF2B5EF4-FFF2-40B4-BE49-F238E27FC236}">
+                <a16:creationId xmlns:a16="http://schemas.microsoft.com/office/drawing/2014/main" id="{64717A25-7814-2D48-A0A9-A24324DB4B07}"/>
+              </a:ext>
+            </a:extLst>
+          </p:cNvPr>
+          <p:cNvCxnSpPr>
+            <a:cxnSpLocks/>
+          </p:cNvCxnSpPr>
+          <p:nvPr/>
+        </p:nvCxnSpPr>
+        <p:spPr>
+          <a:xfrm flipH="1">
+            <a:off x="2855647" y="3157079"/>
+            <a:ext cx="2253914" cy="0"/>
+          </a:xfrm>
+          <a:prstGeom prst="line">
+            <a:avLst/>
+          </a:prstGeom>
+          <a:ln w="38100">
+            <a:solidFill>
+              <a:schemeClr val="tx1"/>
+            </a:solidFill>
+          </a:ln>
+        </p:spPr>
+        <p:style>
+          <a:lnRef idx="1">
+            <a:schemeClr val="accent1"/>
+          </a:lnRef>
+          <a:fillRef idx="0">
+            <a:schemeClr val="accent1"/>
+          </a:fillRef>
+          <a:effectRef idx="0">
+            <a:schemeClr val="accent1"/>
+          </a:effectRef>
+          <a:fontRef idx="minor">
+            <a:schemeClr val="tx1"/>
+          </a:fontRef>
+        </p:style>
+      </p:cxnSp>
+      <p:cxnSp>
+        <p:nvCxnSpPr>
+          <p:cNvPr id="26" name="Straight Connector 25">
+            <a:extLst>
+              <a:ext uri="{FF2B5EF4-FFF2-40B4-BE49-F238E27FC236}">
+                <a16:creationId xmlns:a16="http://schemas.microsoft.com/office/drawing/2014/main" id="{74217BFF-03FB-AE48-BB42-288EFD129451}"/>
+              </a:ext>
+            </a:extLst>
+          </p:cNvPr>
+          <p:cNvCxnSpPr>
+            <a:cxnSpLocks/>
+          </p:cNvCxnSpPr>
+          <p:nvPr/>
+        </p:nvCxnSpPr>
+        <p:spPr>
+          <a:xfrm flipV="1">
+            <a:off x="5109561" y="1518023"/>
+            <a:ext cx="0" cy="3280873"/>
+          </a:xfrm>
+          <a:prstGeom prst="line">
+            <a:avLst/>
+          </a:prstGeom>
+          <a:ln w="38100">
+            <a:solidFill>
+              <a:schemeClr val="tx1"/>
+            </a:solidFill>
+          </a:ln>
+        </p:spPr>
+        <p:style>
+          <a:lnRef idx="1">
+            <a:schemeClr val="accent1"/>
+          </a:lnRef>
+          <a:fillRef idx="0">
+            <a:schemeClr val="accent1"/>
+          </a:fillRef>
+          <a:effectRef idx="0">
+            <a:schemeClr val="accent1"/>
+          </a:effectRef>
+          <a:fontRef idx="minor">
+            <a:schemeClr val="tx1"/>
+          </a:fontRef>
+        </p:style>
+      </p:cxnSp>
+      <p:cxnSp>
+        <p:nvCxnSpPr>
+          <p:cNvPr id="29" name="Straight Connector 28">
+            <a:extLst>
+              <a:ext uri="{FF2B5EF4-FFF2-40B4-BE49-F238E27FC236}">
+                <a16:creationId xmlns:a16="http://schemas.microsoft.com/office/drawing/2014/main" id="{37C78208-EF62-774A-AC60-1F4836A6CD15}"/>
+              </a:ext>
+            </a:extLst>
+          </p:cNvPr>
+          <p:cNvCxnSpPr>
+            <a:cxnSpLocks/>
+          </p:cNvCxnSpPr>
+          <p:nvPr/>
+        </p:nvCxnSpPr>
+        <p:spPr>
+          <a:xfrm>
+            <a:off x="2855647" y="1497172"/>
+            <a:ext cx="8125174" cy="0"/>
+          </a:xfrm>
+          <a:prstGeom prst="line">
+            <a:avLst/>
+          </a:prstGeom>
+          <a:ln w="38100">
+            <a:solidFill>
+              <a:schemeClr val="tx1"/>
+            </a:solidFill>
+          </a:ln>
+        </p:spPr>
+        <p:style>
+          <a:lnRef idx="1">
+            <a:schemeClr val="accent1"/>
+          </a:lnRef>
+          <a:fillRef idx="0">
+            <a:schemeClr val="accent1"/>
+          </a:fillRef>
+          <a:effectRef idx="0">
+            <a:schemeClr val="accent1"/>
+          </a:effectRef>
+          <a:fontRef idx="minor">
+            <a:schemeClr val="tx1"/>
+          </a:fontRef>
+        </p:style>
+      </p:cxnSp>
+      <p:cxnSp>
+        <p:nvCxnSpPr>
+          <p:cNvPr id="32" name="Straight Connector 31">
+            <a:extLst>
+              <a:ext uri="{FF2B5EF4-FFF2-40B4-BE49-F238E27FC236}">
+                <a16:creationId xmlns:a16="http://schemas.microsoft.com/office/drawing/2014/main" id="{9E4B62FA-C7B5-5C49-94E9-9A7020544DAE}"/>
+              </a:ext>
+            </a:extLst>
+          </p:cNvPr>
+          <p:cNvCxnSpPr>
+            <a:cxnSpLocks/>
+          </p:cNvCxnSpPr>
+          <p:nvPr/>
+        </p:nvCxnSpPr>
+        <p:spPr>
+          <a:xfrm flipH="1">
+            <a:off x="2935857" y="4798896"/>
+            <a:ext cx="2173704" cy="0"/>
+          </a:xfrm>
+          <a:prstGeom prst="line">
+            <a:avLst/>
+          </a:prstGeom>
+          <a:ln w="38100">
+            <a:solidFill>
+              <a:schemeClr val="tx1"/>
+            </a:solidFill>
+          </a:ln>
+        </p:spPr>
+        <p:style>
+          <a:lnRef idx="1">
+            <a:schemeClr val="accent1"/>
+          </a:lnRef>
+          <a:fillRef idx="0">
+            <a:schemeClr val="accent1"/>
+          </a:fillRef>
+          <a:effectRef idx="0">
+            <a:schemeClr val="accent1"/>
+          </a:effectRef>
+          <a:fontRef idx="minor">
+            <a:schemeClr val="tx1"/>
+          </a:fontRef>
+        </p:style>
+      </p:cxnSp>
+      <p:sp>
+        <p:nvSpPr>
+          <p:cNvPr id="33" name="Rectangle 32">
+            <a:extLst>
+              <a:ext uri="{FF2B5EF4-FFF2-40B4-BE49-F238E27FC236}">
+                <a16:creationId xmlns:a16="http://schemas.microsoft.com/office/drawing/2014/main" id="{37EAE730-554D-E04D-9F84-DE84CE61DF97}"/>
+              </a:ext>
+            </a:extLst>
+          </p:cNvPr>
+          <p:cNvSpPr/>
+          <p:nvPr/>
+        </p:nvSpPr>
+        <p:spPr>
+          <a:xfrm>
+            <a:off x="3402453" y="2599694"/>
+            <a:ext cx="794122" cy="931743"/>
+          </a:xfrm>
+          <a:prstGeom prst="rect">
+            <a:avLst/>
+          </a:prstGeom>
+          <a:solidFill>
+            <a:schemeClr val="bg1"/>
+          </a:solidFill>
+          <a:ln>
+            <a:noFill/>
+          </a:ln>
+        </p:spPr>
+        <p:style>
+          <a:lnRef idx="2">
+            <a:schemeClr val="accent1">
+              <a:shade val="50000"/>
+            </a:schemeClr>
+          </a:lnRef>
+          <a:fillRef idx="1">
+            <a:schemeClr val="accent1"/>
+          </a:fillRef>
+          <a:effectRef idx="0">
+            <a:schemeClr val="accent1"/>
+          </a:effectRef>
+          <a:fontRef idx="minor">
+            <a:schemeClr val="lt1"/>
+          </a:fontRef>
+        </p:style>
+        <p:txBody>
+          <a:bodyPr rtlCol="0" anchor="ctr"/>
+          <a:lstStyle/>
+          <a:p>
+            <a:pPr algn="ctr"/>
+            <a:endParaRPr lang="en-US"/>
+          </a:p>
+        </p:txBody>
+      </p:sp>
+      <p:pic>
+        <p:nvPicPr>
+          <p:cNvPr id="34" name="Picture 33">
+            <a:extLst>
+              <a:ext uri="{FF2B5EF4-FFF2-40B4-BE49-F238E27FC236}">
+                <a16:creationId xmlns:a16="http://schemas.microsoft.com/office/drawing/2014/main" id="{8230B43B-0976-6D4A-8D1B-4915F7BA8AE4}"/>
+              </a:ext>
+            </a:extLst>
+          </p:cNvPr>
+          <p:cNvPicPr>
+            <a:picLocks noChangeAspect="1"/>
+          </p:cNvPicPr>
+          <p:nvPr/>
+        </p:nvPicPr>
+        <p:blipFill>
+          <a:blip r:embed="rId2">
+            <a:extLst>
+              <a:ext uri="{28A0092B-C50C-407E-A947-70E740481C1C}">
+                <a14:useLocalDpi xmlns:a14="http://schemas.microsoft.com/office/drawing/2010/main" val="0"/>
+              </a:ext>
+            </a:extLst>
+          </a:blip>
+          <a:stretch>
+            <a:fillRect/>
+          </a:stretch>
+        </p:blipFill>
+        <p:spPr>
+          <a:xfrm>
+            <a:off x="3259924" y="2549578"/>
+            <a:ext cx="1059293" cy="1059293"/>
+          </a:xfrm>
+          <a:prstGeom prst="rect">
+            <a:avLst/>
+          </a:prstGeom>
+          <a:noFill/>
+        </p:spPr>
+      </p:pic>
+      <p:sp>
+        <p:nvSpPr>
+          <p:cNvPr id="35" name="TextBox 34">
+            <a:extLst>
+              <a:ext uri="{FF2B5EF4-FFF2-40B4-BE49-F238E27FC236}">
+                <a16:creationId xmlns:a16="http://schemas.microsoft.com/office/drawing/2014/main" id="{C5CD76FE-3CDA-AE41-A779-6210003D63BE}"/>
+              </a:ext>
+            </a:extLst>
+          </p:cNvPr>
+          <p:cNvSpPr txBox="1"/>
+          <p:nvPr/>
+        </p:nvSpPr>
+        <p:spPr>
+          <a:xfrm>
+            <a:off x="3543663" y="3079224"/>
+            <a:ext cx="479618" cy="369332"/>
+          </a:xfrm>
+          <a:prstGeom prst="rect">
+            <a:avLst/>
+          </a:prstGeom>
+          <a:noFill/>
+        </p:spPr>
+        <p:txBody>
+          <a:bodyPr wrap="none" rtlCol="0">
+            <a:spAutoFit/>
+          </a:bodyPr>
+          <a:lstStyle/>
+          <a:p>
+            <a:r>
+              <a:rPr lang="en-US" b="1" dirty="0">
+                <a:solidFill>
+                  <a:schemeClr val="bg1"/>
+                </a:solidFill>
+                <a:latin typeface="Yu Gothic" panose="020B0400000000000000" pitchFamily="34" charset="-128"/>
+                <a:ea typeface="Yu Gothic" panose="020B0400000000000000" pitchFamily="34" charset="-128"/>
+              </a:rPr>
+              <a:t>R3</a:t>
+            </a:r>
+          </a:p>
+        </p:txBody>
+      </p:sp>
+      <p:sp>
+        <p:nvSpPr>
+          <p:cNvPr id="36" name="Rectangle 35">
+            <a:extLst>
+              <a:ext uri="{FF2B5EF4-FFF2-40B4-BE49-F238E27FC236}">
+                <a16:creationId xmlns:a16="http://schemas.microsoft.com/office/drawing/2014/main" id="{B653D22D-41CE-D549-8BEC-DA08F2C6A7BC}"/>
+              </a:ext>
+            </a:extLst>
+          </p:cNvPr>
+          <p:cNvSpPr/>
+          <p:nvPr/>
+        </p:nvSpPr>
+        <p:spPr>
+          <a:xfrm>
+            <a:off x="3402453" y="960638"/>
+            <a:ext cx="794122" cy="931743"/>
+          </a:xfrm>
+          <a:prstGeom prst="rect">
+            <a:avLst/>
+          </a:prstGeom>
+          <a:solidFill>
+            <a:schemeClr val="bg1"/>
+          </a:solidFill>
+          <a:ln>
+            <a:noFill/>
+          </a:ln>
+        </p:spPr>
+        <p:style>
+          <a:lnRef idx="2">
+            <a:schemeClr val="accent1">
+              <a:shade val="50000"/>
+            </a:schemeClr>
+          </a:lnRef>
+          <a:fillRef idx="1">
+            <a:schemeClr val="accent1"/>
+          </a:fillRef>
+          <a:effectRef idx="0">
+            <a:schemeClr val="accent1"/>
+          </a:effectRef>
+          <a:fontRef idx="minor">
+            <a:schemeClr val="lt1"/>
+          </a:fontRef>
+        </p:style>
+        <p:txBody>
+          <a:bodyPr rtlCol="0" anchor="ctr"/>
+          <a:lstStyle/>
+          <a:p>
+            <a:pPr algn="ctr"/>
+            <a:endParaRPr lang="en-US"/>
+          </a:p>
+        </p:txBody>
+      </p:sp>
+      <p:pic>
+        <p:nvPicPr>
+          <p:cNvPr id="37" name="Picture 36">
+            <a:extLst>
+              <a:ext uri="{FF2B5EF4-FFF2-40B4-BE49-F238E27FC236}">
+                <a16:creationId xmlns:a16="http://schemas.microsoft.com/office/drawing/2014/main" id="{35ABAC99-E932-D342-A471-10FF3F7A595B}"/>
+              </a:ext>
+            </a:extLst>
+          </p:cNvPr>
+          <p:cNvPicPr>
+            <a:picLocks noChangeAspect="1"/>
+          </p:cNvPicPr>
+          <p:nvPr/>
+        </p:nvPicPr>
+        <p:blipFill>
+          <a:blip r:embed="rId2">
+            <a:extLst>
+              <a:ext uri="{28A0092B-C50C-407E-A947-70E740481C1C}">
+                <a14:useLocalDpi xmlns:a14="http://schemas.microsoft.com/office/drawing/2010/main" val="0"/>
+              </a:ext>
+            </a:extLst>
+          </a:blip>
+          <a:stretch>
+            <a:fillRect/>
+          </a:stretch>
+        </p:blipFill>
+        <p:spPr>
+          <a:xfrm>
+            <a:off x="3259924" y="910522"/>
+            <a:ext cx="1059293" cy="1059293"/>
+          </a:xfrm>
+          <a:prstGeom prst="rect">
+            <a:avLst/>
+          </a:prstGeom>
+          <a:noFill/>
+        </p:spPr>
+      </p:pic>
+      <p:sp>
+        <p:nvSpPr>
+          <p:cNvPr id="38" name="TextBox 37">
+            <a:extLst>
+              <a:ext uri="{FF2B5EF4-FFF2-40B4-BE49-F238E27FC236}">
+                <a16:creationId xmlns:a16="http://schemas.microsoft.com/office/drawing/2014/main" id="{476E4E7D-4FB5-8A46-8564-B3BC7BDA729D}"/>
+              </a:ext>
+            </a:extLst>
+          </p:cNvPr>
+          <p:cNvSpPr txBox="1"/>
+          <p:nvPr/>
+        </p:nvSpPr>
+        <p:spPr>
+          <a:xfrm>
+            <a:off x="3543663" y="1440168"/>
+            <a:ext cx="479618" cy="369332"/>
+          </a:xfrm>
+          <a:prstGeom prst="rect">
+            <a:avLst/>
+          </a:prstGeom>
+          <a:noFill/>
+        </p:spPr>
+        <p:txBody>
+          <a:bodyPr wrap="none" rtlCol="0">
+            <a:spAutoFit/>
+          </a:bodyPr>
+          <a:lstStyle/>
+          <a:p>
+            <a:r>
+              <a:rPr lang="en-US" b="1" dirty="0">
+                <a:solidFill>
+                  <a:schemeClr val="bg1"/>
+                </a:solidFill>
+                <a:latin typeface="Yu Gothic" panose="020B0400000000000000" pitchFamily="34" charset="-128"/>
+                <a:ea typeface="Yu Gothic" panose="020B0400000000000000" pitchFamily="34" charset="-128"/>
+              </a:rPr>
+              <a:t>R2</a:t>
+            </a:r>
+          </a:p>
+        </p:txBody>
+      </p:sp>
+      <p:sp>
+        <p:nvSpPr>
+          <p:cNvPr id="39" name="Rectangle 38">
+            <a:extLst>
+              <a:ext uri="{FF2B5EF4-FFF2-40B4-BE49-F238E27FC236}">
+                <a16:creationId xmlns:a16="http://schemas.microsoft.com/office/drawing/2014/main" id="{6B64D7EA-09FD-F74F-8644-D4ADC4D773A2}"/>
+              </a:ext>
+            </a:extLst>
+          </p:cNvPr>
+          <p:cNvSpPr/>
+          <p:nvPr/>
+        </p:nvSpPr>
+        <p:spPr>
+          <a:xfrm>
+            <a:off x="3402453" y="4238750"/>
+            <a:ext cx="794122" cy="931743"/>
+          </a:xfrm>
+          <a:prstGeom prst="rect">
+            <a:avLst/>
+          </a:prstGeom>
+          <a:solidFill>
+            <a:schemeClr val="bg1"/>
+          </a:solidFill>
+          <a:ln>
+            <a:noFill/>
+          </a:ln>
+        </p:spPr>
+        <p:style>
+          <a:lnRef idx="2">
+            <a:schemeClr val="accent1">
+              <a:shade val="50000"/>
+            </a:schemeClr>
+          </a:lnRef>
+          <a:fillRef idx="1">
+            <a:schemeClr val="accent1"/>
+          </a:fillRef>
+          <a:effectRef idx="0">
+            <a:schemeClr val="accent1"/>
+          </a:effectRef>
+          <a:fontRef idx="minor">
+            <a:schemeClr val="lt1"/>
+          </a:fontRef>
+        </p:style>
+        <p:txBody>
+          <a:bodyPr rtlCol="0" anchor="ctr"/>
+          <a:lstStyle/>
+          <a:p>
+            <a:pPr algn="ctr"/>
+            <a:endParaRPr lang="en-US"/>
+          </a:p>
+        </p:txBody>
+      </p:sp>
+      <p:pic>
+        <p:nvPicPr>
+          <p:cNvPr id="40" name="Picture 39">
+            <a:extLst>
+              <a:ext uri="{FF2B5EF4-FFF2-40B4-BE49-F238E27FC236}">
+                <a16:creationId xmlns:a16="http://schemas.microsoft.com/office/drawing/2014/main" id="{926BC914-D9EE-164C-B209-405D96493456}"/>
+              </a:ext>
+            </a:extLst>
+          </p:cNvPr>
+          <p:cNvPicPr>
+            <a:picLocks noChangeAspect="1"/>
+          </p:cNvPicPr>
+          <p:nvPr/>
+        </p:nvPicPr>
+        <p:blipFill>
+          <a:blip r:embed="rId2">
+            <a:extLst>
+              <a:ext uri="{28A0092B-C50C-407E-A947-70E740481C1C}">
+                <a14:useLocalDpi xmlns:a14="http://schemas.microsoft.com/office/drawing/2010/main" val="0"/>
+              </a:ext>
+            </a:extLst>
+          </a:blip>
+          <a:stretch>
+            <a:fillRect/>
+          </a:stretch>
+        </p:blipFill>
+        <p:spPr>
+          <a:xfrm>
+            <a:off x="3259924" y="4188634"/>
+            <a:ext cx="1059293" cy="1059293"/>
+          </a:xfrm>
+          <a:prstGeom prst="rect">
+            <a:avLst/>
+          </a:prstGeom>
+          <a:noFill/>
+        </p:spPr>
+      </p:pic>
+      <p:sp>
+        <p:nvSpPr>
+          <p:cNvPr id="41" name="TextBox 40">
+            <a:extLst>
+              <a:ext uri="{FF2B5EF4-FFF2-40B4-BE49-F238E27FC236}">
+                <a16:creationId xmlns:a16="http://schemas.microsoft.com/office/drawing/2014/main" id="{8BDD39C9-D277-E342-A00E-ABEE9FB6A8C5}"/>
+              </a:ext>
+            </a:extLst>
+          </p:cNvPr>
+          <p:cNvSpPr txBox="1"/>
+          <p:nvPr/>
+        </p:nvSpPr>
+        <p:spPr>
+          <a:xfrm>
+            <a:off x="3527621" y="4718280"/>
+            <a:ext cx="479618" cy="369332"/>
+          </a:xfrm>
+          <a:prstGeom prst="rect">
+            <a:avLst/>
+          </a:prstGeom>
+          <a:noFill/>
+        </p:spPr>
+        <p:txBody>
+          <a:bodyPr wrap="none" rtlCol="0">
+            <a:spAutoFit/>
+          </a:bodyPr>
+          <a:lstStyle/>
+          <a:p>
+            <a:r>
+              <a:rPr lang="en-US" b="1" dirty="0">
+                <a:solidFill>
+                  <a:schemeClr val="bg1"/>
+                </a:solidFill>
+                <a:latin typeface="Yu Gothic" panose="020B0400000000000000" pitchFamily="34" charset="-128"/>
+                <a:ea typeface="Yu Gothic" panose="020B0400000000000000" pitchFamily="34" charset="-128"/>
+              </a:rPr>
+              <a:t>R4</a:t>
+            </a:r>
+          </a:p>
+        </p:txBody>
+      </p:sp>
+      <p:sp>
+        <p:nvSpPr>
+          <p:cNvPr id="42" name="Rectangle 41">
+            <a:extLst>
+              <a:ext uri="{FF2B5EF4-FFF2-40B4-BE49-F238E27FC236}">
+                <a16:creationId xmlns:a16="http://schemas.microsoft.com/office/drawing/2014/main" id="{E064630E-58D6-BF43-BF19-9D47F194BF30}"/>
+              </a:ext>
+            </a:extLst>
+          </p:cNvPr>
+          <p:cNvSpPr/>
+          <p:nvPr/>
+        </p:nvSpPr>
+        <p:spPr>
+          <a:xfrm>
+            <a:off x="5725480" y="939787"/>
+            <a:ext cx="794122" cy="931743"/>
+          </a:xfrm>
+          <a:prstGeom prst="rect">
+            <a:avLst/>
+          </a:prstGeom>
+          <a:solidFill>
+            <a:schemeClr val="bg1"/>
+          </a:solidFill>
+          <a:ln>
+            <a:noFill/>
+          </a:ln>
+        </p:spPr>
+        <p:style>
+          <a:lnRef idx="2">
+            <a:schemeClr val="accent1">
+              <a:shade val="50000"/>
+            </a:schemeClr>
+          </a:lnRef>
+          <a:fillRef idx="1">
+            <a:schemeClr val="accent1"/>
+          </a:fillRef>
+          <a:effectRef idx="0">
+            <a:schemeClr val="accent1"/>
+          </a:effectRef>
+          <a:fontRef idx="minor">
+            <a:schemeClr val="lt1"/>
+          </a:fontRef>
+        </p:style>
+        <p:txBody>
+          <a:bodyPr rtlCol="0" anchor="ctr"/>
+          <a:lstStyle/>
+          <a:p>
+            <a:pPr algn="ctr"/>
+            <a:endParaRPr lang="en-US"/>
+          </a:p>
+        </p:txBody>
+      </p:sp>
+      <p:pic>
+        <p:nvPicPr>
+          <p:cNvPr id="43" name="Picture 42">
+            <a:extLst>
+              <a:ext uri="{FF2B5EF4-FFF2-40B4-BE49-F238E27FC236}">
+                <a16:creationId xmlns:a16="http://schemas.microsoft.com/office/drawing/2014/main" id="{B57EB78C-858F-3542-9206-2DC71B3FCDBB}"/>
+              </a:ext>
+            </a:extLst>
+          </p:cNvPr>
+          <p:cNvPicPr>
+            <a:picLocks noChangeAspect="1"/>
+          </p:cNvPicPr>
+          <p:nvPr/>
+        </p:nvPicPr>
+        <p:blipFill>
+          <a:blip r:embed="rId2">
+            <a:extLst>
+              <a:ext uri="{28A0092B-C50C-407E-A947-70E740481C1C}">
+                <a14:useLocalDpi xmlns:a14="http://schemas.microsoft.com/office/drawing/2010/main" val="0"/>
+              </a:ext>
+            </a:extLst>
+          </a:blip>
+          <a:stretch>
+            <a:fillRect/>
+          </a:stretch>
+        </p:blipFill>
+        <p:spPr>
+          <a:xfrm>
+            <a:off x="5582951" y="889671"/>
+            <a:ext cx="1059293" cy="1059293"/>
+          </a:xfrm>
+          <a:prstGeom prst="rect">
+            <a:avLst/>
+          </a:prstGeom>
+          <a:noFill/>
+        </p:spPr>
+      </p:pic>
+      <p:sp>
+        <p:nvSpPr>
+          <p:cNvPr id="44" name="TextBox 43">
+            <a:extLst>
+              <a:ext uri="{FF2B5EF4-FFF2-40B4-BE49-F238E27FC236}">
+                <a16:creationId xmlns:a16="http://schemas.microsoft.com/office/drawing/2014/main" id="{2FF5A72D-8CA7-5A4A-B4E4-53971E49E5F4}"/>
+              </a:ext>
+            </a:extLst>
+          </p:cNvPr>
+          <p:cNvSpPr txBox="1"/>
+          <p:nvPr/>
+        </p:nvSpPr>
+        <p:spPr>
+          <a:xfrm>
+            <a:off x="5882732" y="1419317"/>
+            <a:ext cx="479618" cy="369332"/>
+          </a:xfrm>
+          <a:prstGeom prst="rect">
+            <a:avLst/>
+          </a:prstGeom>
+          <a:noFill/>
+        </p:spPr>
+        <p:txBody>
+          <a:bodyPr wrap="none" rtlCol="0">
+            <a:spAutoFit/>
+          </a:bodyPr>
+          <a:lstStyle/>
+          <a:p>
+            <a:r>
+              <a:rPr lang="en-US" b="1" dirty="0">
+                <a:solidFill>
+                  <a:schemeClr val="bg1"/>
+                </a:solidFill>
+                <a:latin typeface="Yu Gothic" panose="020B0400000000000000" pitchFamily="34" charset="-128"/>
+                <a:ea typeface="Yu Gothic" panose="020B0400000000000000" pitchFamily="34" charset="-128"/>
+              </a:rPr>
+              <a:t>R1</a:t>
+            </a:r>
+          </a:p>
+        </p:txBody>
+      </p:sp>
+      <p:pic>
+        <p:nvPicPr>
+          <p:cNvPr id="45" name="Picture 44">
+            <a:extLst>
+              <a:ext uri="{FF2B5EF4-FFF2-40B4-BE49-F238E27FC236}">
+                <a16:creationId xmlns:a16="http://schemas.microsoft.com/office/drawing/2014/main" id="{C2279E11-1F64-8044-BB30-E020CA54FF26}"/>
+              </a:ext>
+            </a:extLst>
+          </p:cNvPr>
+          <p:cNvPicPr>
+            <a:picLocks noChangeAspect="1"/>
+          </p:cNvPicPr>
+          <p:nvPr/>
+        </p:nvPicPr>
+        <p:blipFill>
+          <a:blip r:embed="rId2">
+            <a:extLst>
+              <a:ext uri="{28A0092B-C50C-407E-A947-70E740481C1C}">
+                <a14:useLocalDpi xmlns:a14="http://schemas.microsoft.com/office/drawing/2010/main" val="0"/>
+              </a:ext>
+            </a:extLst>
+          </a:blip>
+          <a:stretch>
+            <a:fillRect/>
+          </a:stretch>
+        </p:blipFill>
+        <p:spPr>
+          <a:xfrm>
+            <a:off x="9223771" y="907703"/>
+            <a:ext cx="1059293" cy="1059293"/>
+          </a:xfrm>
+          <a:prstGeom prst="rect">
+            <a:avLst/>
+          </a:prstGeom>
+          <a:noFill/>
+        </p:spPr>
+      </p:pic>
+      <p:sp>
+        <p:nvSpPr>
+          <p:cNvPr id="46" name="TextBox 45">
+            <a:extLst>
+              <a:ext uri="{FF2B5EF4-FFF2-40B4-BE49-F238E27FC236}">
+                <a16:creationId xmlns:a16="http://schemas.microsoft.com/office/drawing/2014/main" id="{4CD0C945-2A97-304B-B767-F773A4583878}"/>
+              </a:ext>
+            </a:extLst>
+          </p:cNvPr>
+          <p:cNvSpPr txBox="1"/>
+          <p:nvPr/>
+        </p:nvSpPr>
+        <p:spPr>
+          <a:xfrm>
+            <a:off x="9467922" y="1436202"/>
+            <a:ext cx="570990" cy="369332"/>
+          </a:xfrm>
+          <a:prstGeom prst="rect">
+            <a:avLst/>
+          </a:prstGeom>
+          <a:noFill/>
+        </p:spPr>
+        <p:txBody>
+          <a:bodyPr wrap="none" rtlCol="0">
+            <a:spAutoFit/>
+          </a:bodyPr>
+          <a:lstStyle/>
+          <a:p>
+            <a:r>
+              <a:rPr lang="en-US" b="1" dirty="0">
+                <a:solidFill>
+                  <a:schemeClr val="bg1"/>
+                </a:solidFill>
+                <a:latin typeface="Yu Gothic" panose="020B0400000000000000" pitchFamily="34" charset="-128"/>
+                <a:ea typeface="Yu Gothic" panose="020B0400000000000000" pitchFamily="34" charset="-128"/>
+              </a:rPr>
+              <a:t>ISP</a:t>
+            </a:r>
+          </a:p>
+        </p:txBody>
+      </p:sp>
+      <p:sp>
+        <p:nvSpPr>
+          <p:cNvPr id="53" name="Right Arrow 52">
+            <a:extLst>
+              <a:ext uri="{FF2B5EF4-FFF2-40B4-BE49-F238E27FC236}">
+                <a16:creationId xmlns:a16="http://schemas.microsoft.com/office/drawing/2014/main" id="{50346173-AC94-A44B-8341-2679278D7593}"/>
+              </a:ext>
+            </a:extLst>
+          </p:cNvPr>
+          <p:cNvSpPr/>
+          <p:nvPr/>
+        </p:nvSpPr>
+        <p:spPr>
+          <a:xfrm>
+            <a:off x="7205144" y="1005335"/>
+            <a:ext cx="619914" cy="364548"/>
+          </a:xfrm>
+          <a:prstGeom prst="rightArrow">
+            <a:avLst/>
+          </a:prstGeom>
+          <a:solidFill>
+            <a:schemeClr val="accent3"/>
+          </a:solidFill>
+          <a:ln>
+            <a:solidFill>
+              <a:schemeClr val="bg1"/>
+            </a:solidFill>
+          </a:ln>
+        </p:spPr>
+        <p:style>
+          <a:lnRef idx="2">
+            <a:schemeClr val="accent1">
+              <a:shade val="50000"/>
+            </a:schemeClr>
+          </a:lnRef>
+          <a:fillRef idx="1">
+            <a:schemeClr val="accent1"/>
+          </a:fillRef>
+          <a:effectRef idx="0">
+            <a:schemeClr val="accent1"/>
+          </a:effectRef>
+          <a:fontRef idx="minor">
+            <a:schemeClr val="lt1"/>
+          </a:fontRef>
+        </p:style>
+        <p:txBody>
+          <a:bodyPr rtlCol="0" anchor="ctr"/>
+          <a:lstStyle/>
+          <a:p>
+            <a:pPr algn="ctr"/>
+            <a:endParaRPr lang="en-US"/>
+          </a:p>
+        </p:txBody>
+      </p:sp>
+      <p:sp>
+        <p:nvSpPr>
+          <p:cNvPr id="54" name="TextBox 53">
+            <a:extLst>
+              <a:ext uri="{FF2B5EF4-FFF2-40B4-BE49-F238E27FC236}">
+                <a16:creationId xmlns:a16="http://schemas.microsoft.com/office/drawing/2014/main" id="{5DE80152-6902-B642-8331-674C83BEA2FF}"/>
+              </a:ext>
+            </a:extLst>
+          </p:cNvPr>
+          <p:cNvSpPr txBox="1"/>
+          <p:nvPr/>
+        </p:nvSpPr>
+        <p:spPr>
+          <a:xfrm>
+            <a:off x="6368335" y="619846"/>
+            <a:ext cx="2236510" cy="400110"/>
+          </a:xfrm>
+          <a:prstGeom prst="rect">
+            <a:avLst/>
+          </a:prstGeom>
+          <a:noFill/>
+        </p:spPr>
+        <p:txBody>
+          <a:bodyPr wrap="none" rtlCol="0">
+            <a:spAutoFit/>
+          </a:bodyPr>
+          <a:lstStyle/>
+          <a:p>
+            <a:pPr algn="ctr"/>
+            <a:r>
+              <a:rPr lang="ja-JP" altLang="en-US" sz="2000" b="1">
+                <a:solidFill>
+                  <a:schemeClr val="accent3"/>
+                </a:solidFill>
+              </a:rPr>
+              <a:t>デフォルトルート</a:t>
+            </a:r>
+            <a:endParaRPr lang="en-US" sz="2000" b="1" dirty="0">
+              <a:solidFill>
+                <a:schemeClr val="accent3"/>
+              </a:solidFill>
+            </a:endParaRPr>
+          </a:p>
+        </p:txBody>
+      </p:sp>
+      <p:sp>
+        <p:nvSpPr>
+          <p:cNvPr id="55" name="Right Arrow 54">
+            <a:extLst>
+              <a:ext uri="{FF2B5EF4-FFF2-40B4-BE49-F238E27FC236}">
+                <a16:creationId xmlns:a16="http://schemas.microsoft.com/office/drawing/2014/main" id="{81342C46-F931-FD49-B44D-CB2C93FFE831}"/>
+              </a:ext>
+            </a:extLst>
+          </p:cNvPr>
+          <p:cNvSpPr/>
+          <p:nvPr/>
+        </p:nvSpPr>
+        <p:spPr>
+          <a:xfrm>
+            <a:off x="4360008" y="1071577"/>
+            <a:ext cx="619914" cy="364548"/>
+          </a:xfrm>
+          <a:prstGeom prst="rightArrow">
+            <a:avLst/>
+          </a:prstGeom>
+          <a:solidFill>
+            <a:schemeClr val="accent3"/>
+          </a:solidFill>
+          <a:ln>
+            <a:solidFill>
+              <a:schemeClr val="bg1"/>
+            </a:solidFill>
+          </a:ln>
+        </p:spPr>
+        <p:style>
+          <a:lnRef idx="2">
+            <a:schemeClr val="accent1">
+              <a:shade val="50000"/>
+            </a:schemeClr>
+          </a:lnRef>
+          <a:fillRef idx="1">
+            <a:schemeClr val="accent1"/>
+          </a:fillRef>
+          <a:effectRef idx="0">
+            <a:schemeClr val="accent1"/>
+          </a:effectRef>
+          <a:fontRef idx="minor">
+            <a:schemeClr val="lt1"/>
+          </a:fontRef>
+        </p:style>
+        <p:txBody>
+          <a:bodyPr rtlCol="0" anchor="ctr"/>
+          <a:lstStyle/>
+          <a:p>
+            <a:pPr algn="ctr"/>
+            <a:endParaRPr lang="en-US"/>
+          </a:p>
+        </p:txBody>
+      </p:sp>
+      <p:sp>
+        <p:nvSpPr>
+          <p:cNvPr id="57" name="Right Arrow 56">
+            <a:extLst>
+              <a:ext uri="{FF2B5EF4-FFF2-40B4-BE49-F238E27FC236}">
+                <a16:creationId xmlns:a16="http://schemas.microsoft.com/office/drawing/2014/main" id="{3EFDBAC0-B8BC-C14C-BF8E-8C55304C891C}"/>
+              </a:ext>
+            </a:extLst>
+          </p:cNvPr>
+          <p:cNvSpPr/>
+          <p:nvPr/>
+        </p:nvSpPr>
+        <p:spPr>
+          <a:xfrm>
+            <a:off x="4360008" y="4294489"/>
+            <a:ext cx="619914" cy="364548"/>
+          </a:xfrm>
+          <a:prstGeom prst="rightArrow">
+            <a:avLst/>
+          </a:prstGeom>
+          <a:solidFill>
+            <a:schemeClr val="accent3"/>
+          </a:solidFill>
+          <a:ln>
+            <a:solidFill>
+              <a:schemeClr val="bg1"/>
+            </a:solidFill>
+          </a:ln>
+        </p:spPr>
+        <p:style>
+          <a:lnRef idx="2">
+            <a:schemeClr val="accent1">
+              <a:shade val="50000"/>
+            </a:schemeClr>
+          </a:lnRef>
+          <a:fillRef idx="1">
+            <a:schemeClr val="accent1"/>
+          </a:fillRef>
+          <a:effectRef idx="0">
+            <a:schemeClr val="accent1"/>
+          </a:effectRef>
+          <a:fontRef idx="minor">
+            <a:schemeClr val="lt1"/>
+          </a:fontRef>
+        </p:style>
+        <p:txBody>
+          <a:bodyPr rtlCol="0" anchor="ctr"/>
+          <a:lstStyle/>
+          <a:p>
+            <a:pPr algn="ctr"/>
+            <a:endParaRPr lang="en-US"/>
+          </a:p>
+        </p:txBody>
+      </p:sp>
+      <p:sp>
+        <p:nvSpPr>
+          <p:cNvPr id="58" name="TextBox 57">
+            <a:extLst>
+              <a:ext uri="{FF2B5EF4-FFF2-40B4-BE49-F238E27FC236}">
+                <a16:creationId xmlns:a16="http://schemas.microsoft.com/office/drawing/2014/main" id="{CF76A6DB-B94B-FB4E-88EF-19FFA8CF3918}"/>
+              </a:ext>
+            </a:extLst>
+          </p:cNvPr>
+          <p:cNvSpPr txBox="1"/>
+          <p:nvPr/>
+        </p:nvSpPr>
+        <p:spPr>
+          <a:xfrm>
+            <a:off x="737774" y="1253851"/>
+            <a:ext cx="1832553" cy="461665"/>
+          </a:xfrm>
+          <a:prstGeom prst="rect">
+            <a:avLst/>
+          </a:prstGeom>
+          <a:noFill/>
+        </p:spPr>
+        <p:txBody>
+          <a:bodyPr wrap="none" rtlCol="0">
+            <a:spAutoFit/>
+          </a:bodyPr>
+          <a:lstStyle/>
+          <a:p>
+            <a:r>
+              <a:rPr lang="en-US" sz="2400" b="1" dirty="0">
+                <a:solidFill>
+                  <a:schemeClr val="accent5"/>
+                </a:solidFill>
+                <a:latin typeface="Yu Gothic" panose="020B0400000000000000" pitchFamily="34" charset="-128"/>
+                <a:ea typeface="Yu Gothic" panose="020B0400000000000000" pitchFamily="34" charset="-128"/>
+              </a:rPr>
+              <a:t>10.2.0.0/16</a:t>
+            </a:r>
+          </a:p>
+        </p:txBody>
+      </p:sp>
+      <p:sp>
+        <p:nvSpPr>
+          <p:cNvPr id="62" name="TextBox 61">
+            <a:extLst>
+              <a:ext uri="{FF2B5EF4-FFF2-40B4-BE49-F238E27FC236}">
+                <a16:creationId xmlns:a16="http://schemas.microsoft.com/office/drawing/2014/main" id="{A40E7CB0-EED6-D44D-AB60-359AA8B5D108}"/>
+              </a:ext>
+            </a:extLst>
+          </p:cNvPr>
+          <p:cNvSpPr txBox="1"/>
+          <p:nvPr/>
+        </p:nvSpPr>
+        <p:spPr>
+          <a:xfrm>
+            <a:off x="746016" y="2874939"/>
+            <a:ext cx="1832553" cy="461665"/>
+          </a:xfrm>
+          <a:prstGeom prst="rect">
+            <a:avLst/>
+          </a:prstGeom>
+          <a:noFill/>
+        </p:spPr>
+        <p:txBody>
+          <a:bodyPr wrap="none" rtlCol="0">
+            <a:spAutoFit/>
+          </a:bodyPr>
+          <a:lstStyle/>
+          <a:p>
+            <a:r>
+              <a:rPr lang="en-US" sz="2400" b="1" dirty="0">
+                <a:solidFill>
+                  <a:schemeClr val="accent5"/>
+                </a:solidFill>
+                <a:latin typeface="Yu Gothic" panose="020B0400000000000000" pitchFamily="34" charset="-128"/>
+                <a:ea typeface="Yu Gothic" panose="020B0400000000000000" pitchFamily="34" charset="-128"/>
+              </a:rPr>
+              <a:t>10.3.0.0/16</a:t>
+            </a:r>
+          </a:p>
+        </p:txBody>
+      </p:sp>
+      <p:sp>
+        <p:nvSpPr>
+          <p:cNvPr id="63" name="TextBox 62">
+            <a:extLst>
+              <a:ext uri="{FF2B5EF4-FFF2-40B4-BE49-F238E27FC236}">
+                <a16:creationId xmlns:a16="http://schemas.microsoft.com/office/drawing/2014/main" id="{4A82C3F7-0558-F648-8DF4-02A6034B8915}"/>
+              </a:ext>
+            </a:extLst>
+          </p:cNvPr>
+          <p:cNvSpPr txBox="1"/>
+          <p:nvPr/>
+        </p:nvSpPr>
+        <p:spPr>
+          <a:xfrm>
+            <a:off x="758396" y="4487447"/>
+            <a:ext cx="1832553" cy="461665"/>
+          </a:xfrm>
+          <a:prstGeom prst="rect">
+            <a:avLst/>
+          </a:prstGeom>
+          <a:noFill/>
+        </p:spPr>
+        <p:txBody>
+          <a:bodyPr wrap="none" rtlCol="0">
+            <a:spAutoFit/>
+          </a:bodyPr>
+          <a:lstStyle/>
+          <a:p>
+            <a:r>
+              <a:rPr lang="en-US" sz="2400" b="1" dirty="0">
+                <a:solidFill>
+                  <a:schemeClr val="accent5"/>
+                </a:solidFill>
+                <a:latin typeface="Yu Gothic" panose="020B0400000000000000" pitchFamily="34" charset="-128"/>
+                <a:ea typeface="Yu Gothic" panose="020B0400000000000000" pitchFamily="34" charset="-128"/>
+              </a:rPr>
+              <a:t>10.4.0.0/16</a:t>
+            </a:r>
+          </a:p>
+        </p:txBody>
+      </p:sp>
+      <p:sp>
+        <p:nvSpPr>
+          <p:cNvPr id="64" name="TextBox 63">
+            <a:extLst>
+              <a:ext uri="{FF2B5EF4-FFF2-40B4-BE49-F238E27FC236}">
+                <a16:creationId xmlns:a16="http://schemas.microsoft.com/office/drawing/2014/main" id="{BD9D6CBD-5FF7-5043-94C4-C6636B73D420}"/>
+              </a:ext>
+            </a:extLst>
+          </p:cNvPr>
+          <p:cNvSpPr txBox="1"/>
+          <p:nvPr/>
+        </p:nvSpPr>
+        <p:spPr>
+          <a:xfrm>
+            <a:off x="4128791" y="147055"/>
+            <a:ext cx="1832553" cy="461665"/>
+          </a:xfrm>
+          <a:prstGeom prst="rect">
+            <a:avLst/>
+          </a:prstGeom>
+          <a:noFill/>
+        </p:spPr>
+        <p:txBody>
+          <a:bodyPr wrap="none" rtlCol="0">
+            <a:spAutoFit/>
+          </a:bodyPr>
+          <a:lstStyle/>
+          <a:p>
+            <a:r>
+              <a:rPr lang="en-US" sz="2400" b="1" dirty="0">
+                <a:solidFill>
+                  <a:schemeClr val="accent5"/>
+                </a:solidFill>
+                <a:latin typeface="Yu Gothic" panose="020B0400000000000000" pitchFamily="34" charset="-128"/>
+                <a:ea typeface="Yu Gothic" panose="020B0400000000000000" pitchFamily="34" charset="-128"/>
+              </a:rPr>
+              <a:t>10.0.0.0/16</a:t>
+            </a:r>
+          </a:p>
+        </p:txBody>
+      </p:sp>
+      <p:sp>
+        <p:nvSpPr>
+          <p:cNvPr id="65" name="TextBox 64">
+            <a:extLst>
+              <a:ext uri="{FF2B5EF4-FFF2-40B4-BE49-F238E27FC236}">
+                <a16:creationId xmlns:a16="http://schemas.microsoft.com/office/drawing/2014/main" id="{F006DD2A-86C1-094B-8B45-FB24AFCFD99D}"/>
+              </a:ext>
+            </a:extLst>
+          </p:cNvPr>
+          <p:cNvSpPr txBox="1"/>
+          <p:nvPr/>
+        </p:nvSpPr>
+        <p:spPr>
+          <a:xfrm>
+            <a:off x="2777099" y="4848950"/>
+            <a:ext cx="482824" cy="584775"/>
+          </a:xfrm>
+          <a:prstGeom prst="rect">
+            <a:avLst/>
+          </a:prstGeom>
+          <a:noFill/>
+        </p:spPr>
+        <p:txBody>
+          <a:bodyPr wrap="none" rtlCol="0">
+            <a:spAutoFit/>
+          </a:bodyPr>
+          <a:lstStyle/>
+          <a:p>
+            <a:r>
+              <a:rPr lang="en-US" sz="1600" b="1" dirty="0">
+                <a:latin typeface="Yu Gothic" panose="020B0400000000000000" pitchFamily="34" charset="-128"/>
+                <a:ea typeface="Yu Gothic" panose="020B0400000000000000" pitchFamily="34" charset="-128"/>
+              </a:rPr>
+              <a:t>lo0</a:t>
+            </a:r>
+          </a:p>
+          <a:p>
+            <a:r>
+              <a:rPr lang="en-US" sz="1600" b="1" dirty="0">
+                <a:latin typeface="Yu Gothic" panose="020B0400000000000000" pitchFamily="34" charset="-128"/>
+                <a:ea typeface="Yu Gothic" panose="020B0400000000000000" pitchFamily="34" charset="-128"/>
+              </a:rPr>
+              <a:t>.1</a:t>
+            </a:r>
+          </a:p>
+        </p:txBody>
+      </p:sp>
+      <p:sp>
+        <p:nvSpPr>
+          <p:cNvPr id="66" name="TextBox 65">
+            <a:extLst>
+              <a:ext uri="{FF2B5EF4-FFF2-40B4-BE49-F238E27FC236}">
+                <a16:creationId xmlns:a16="http://schemas.microsoft.com/office/drawing/2014/main" id="{08505FC6-8E94-5741-8C2B-FFCFECD95D67}"/>
+              </a:ext>
+            </a:extLst>
+          </p:cNvPr>
+          <p:cNvSpPr txBox="1"/>
+          <p:nvPr/>
+        </p:nvSpPr>
+        <p:spPr>
+          <a:xfrm>
+            <a:off x="4160549" y="4818424"/>
+            <a:ext cx="639919" cy="584775"/>
+          </a:xfrm>
+          <a:prstGeom prst="rect">
+            <a:avLst/>
+          </a:prstGeom>
+          <a:noFill/>
+        </p:spPr>
+        <p:txBody>
+          <a:bodyPr wrap="none" rtlCol="0">
+            <a:spAutoFit/>
+          </a:bodyPr>
+          <a:lstStyle/>
+          <a:p>
+            <a:r>
+              <a:rPr lang="en-US" sz="1600" b="1" dirty="0">
+                <a:latin typeface="Yu Gothic" panose="020B0400000000000000" pitchFamily="34" charset="-128"/>
+                <a:ea typeface="Yu Gothic" panose="020B0400000000000000" pitchFamily="34" charset="-128"/>
+              </a:rPr>
+              <a:t>g0/1</a:t>
+            </a:r>
+          </a:p>
+          <a:p>
+            <a:r>
+              <a:rPr lang="en-US" sz="1600" b="1" dirty="0">
+                <a:latin typeface="Yu Gothic" panose="020B0400000000000000" pitchFamily="34" charset="-128"/>
+                <a:ea typeface="Yu Gothic" panose="020B0400000000000000" pitchFamily="34" charset="-128"/>
+              </a:rPr>
+              <a:t>.4</a:t>
+            </a:r>
+          </a:p>
+        </p:txBody>
+      </p:sp>
+      <p:sp>
+        <p:nvSpPr>
+          <p:cNvPr id="67" name="TextBox 66">
+            <a:extLst>
+              <a:ext uri="{FF2B5EF4-FFF2-40B4-BE49-F238E27FC236}">
+                <a16:creationId xmlns:a16="http://schemas.microsoft.com/office/drawing/2014/main" id="{5BFA87C4-B60A-4E40-8379-1436CB1059DB}"/>
+              </a:ext>
+            </a:extLst>
+          </p:cNvPr>
+          <p:cNvSpPr txBox="1"/>
+          <p:nvPr/>
+        </p:nvSpPr>
+        <p:spPr>
+          <a:xfrm>
+            <a:off x="2771120" y="3202831"/>
+            <a:ext cx="482824" cy="584775"/>
+          </a:xfrm>
+          <a:prstGeom prst="rect">
+            <a:avLst/>
+          </a:prstGeom>
+          <a:noFill/>
+        </p:spPr>
+        <p:txBody>
+          <a:bodyPr wrap="none" rtlCol="0">
+            <a:spAutoFit/>
+          </a:bodyPr>
+          <a:lstStyle/>
+          <a:p>
+            <a:r>
+              <a:rPr lang="en-US" sz="1600" b="1" dirty="0">
+                <a:latin typeface="Yu Gothic" panose="020B0400000000000000" pitchFamily="34" charset="-128"/>
+                <a:ea typeface="Yu Gothic" panose="020B0400000000000000" pitchFamily="34" charset="-128"/>
+              </a:rPr>
+              <a:t>lo0</a:t>
+            </a:r>
+          </a:p>
+          <a:p>
+            <a:r>
+              <a:rPr lang="en-US" sz="1600" b="1" dirty="0">
+                <a:latin typeface="Yu Gothic" panose="020B0400000000000000" pitchFamily="34" charset="-128"/>
+                <a:ea typeface="Yu Gothic" panose="020B0400000000000000" pitchFamily="34" charset="-128"/>
+              </a:rPr>
+              <a:t>.1</a:t>
+            </a:r>
+          </a:p>
+        </p:txBody>
+      </p:sp>
+      <p:sp>
+        <p:nvSpPr>
+          <p:cNvPr id="68" name="TextBox 67">
+            <a:extLst>
+              <a:ext uri="{FF2B5EF4-FFF2-40B4-BE49-F238E27FC236}">
+                <a16:creationId xmlns:a16="http://schemas.microsoft.com/office/drawing/2014/main" id="{B6F4AB2E-1E50-E14A-AF9B-926C847A8A0F}"/>
+              </a:ext>
+            </a:extLst>
+          </p:cNvPr>
+          <p:cNvSpPr txBox="1"/>
+          <p:nvPr/>
+        </p:nvSpPr>
+        <p:spPr>
+          <a:xfrm>
+            <a:off x="4160549" y="3237018"/>
+            <a:ext cx="639919" cy="584775"/>
+          </a:xfrm>
+          <a:prstGeom prst="rect">
+            <a:avLst/>
+          </a:prstGeom>
+          <a:noFill/>
+        </p:spPr>
+        <p:txBody>
+          <a:bodyPr wrap="none" rtlCol="0">
+            <a:spAutoFit/>
+          </a:bodyPr>
+          <a:lstStyle/>
+          <a:p>
+            <a:r>
+              <a:rPr lang="en-US" sz="1600" b="1" dirty="0">
+                <a:latin typeface="Yu Gothic" panose="020B0400000000000000" pitchFamily="34" charset="-128"/>
+                <a:ea typeface="Yu Gothic" panose="020B0400000000000000" pitchFamily="34" charset="-128"/>
+              </a:rPr>
+              <a:t>g0/1</a:t>
+            </a:r>
+          </a:p>
+          <a:p>
+            <a:r>
+              <a:rPr lang="en-US" sz="1600" b="1" dirty="0">
+                <a:latin typeface="Yu Gothic" panose="020B0400000000000000" pitchFamily="34" charset="-128"/>
+                <a:ea typeface="Yu Gothic" panose="020B0400000000000000" pitchFamily="34" charset="-128"/>
+              </a:rPr>
+              <a:t>.3</a:t>
+            </a:r>
+          </a:p>
+        </p:txBody>
+      </p:sp>
+      <p:sp>
+        <p:nvSpPr>
+          <p:cNvPr id="69" name="TextBox 68">
+            <a:extLst>
+              <a:ext uri="{FF2B5EF4-FFF2-40B4-BE49-F238E27FC236}">
+                <a16:creationId xmlns:a16="http://schemas.microsoft.com/office/drawing/2014/main" id="{7F61213E-6AFA-4242-92A4-56A502F52A80}"/>
+              </a:ext>
+            </a:extLst>
+          </p:cNvPr>
+          <p:cNvSpPr txBox="1"/>
+          <p:nvPr/>
+        </p:nvSpPr>
+        <p:spPr>
+          <a:xfrm>
+            <a:off x="2844771" y="1557155"/>
+            <a:ext cx="482824" cy="584775"/>
+          </a:xfrm>
+          <a:prstGeom prst="rect">
+            <a:avLst/>
+          </a:prstGeom>
+          <a:noFill/>
+        </p:spPr>
+        <p:txBody>
+          <a:bodyPr wrap="none" rtlCol="0">
+            <a:spAutoFit/>
+          </a:bodyPr>
+          <a:lstStyle/>
+          <a:p>
+            <a:r>
+              <a:rPr lang="en-US" sz="1600" b="1" dirty="0">
+                <a:latin typeface="Yu Gothic" panose="020B0400000000000000" pitchFamily="34" charset="-128"/>
+                <a:ea typeface="Yu Gothic" panose="020B0400000000000000" pitchFamily="34" charset="-128"/>
+              </a:rPr>
+              <a:t>lo0</a:t>
+            </a:r>
+          </a:p>
+          <a:p>
+            <a:r>
+              <a:rPr lang="en-US" sz="1600" b="1" dirty="0">
+                <a:latin typeface="Yu Gothic" panose="020B0400000000000000" pitchFamily="34" charset="-128"/>
+                <a:ea typeface="Yu Gothic" panose="020B0400000000000000" pitchFamily="34" charset="-128"/>
+              </a:rPr>
+              <a:t>.1</a:t>
+            </a:r>
+          </a:p>
+        </p:txBody>
+      </p:sp>
+      <p:sp>
+        <p:nvSpPr>
+          <p:cNvPr id="70" name="TextBox 69">
+            <a:extLst>
+              <a:ext uri="{FF2B5EF4-FFF2-40B4-BE49-F238E27FC236}">
+                <a16:creationId xmlns:a16="http://schemas.microsoft.com/office/drawing/2014/main" id="{C8BD4D30-58A8-1842-9A55-87C1E7C51836}"/>
+              </a:ext>
+            </a:extLst>
+          </p:cNvPr>
+          <p:cNvSpPr txBox="1"/>
+          <p:nvPr/>
+        </p:nvSpPr>
+        <p:spPr>
+          <a:xfrm>
+            <a:off x="4155278" y="1558828"/>
+            <a:ext cx="639919" cy="584775"/>
+          </a:xfrm>
+          <a:prstGeom prst="rect">
+            <a:avLst/>
+          </a:prstGeom>
+          <a:noFill/>
+        </p:spPr>
+        <p:txBody>
+          <a:bodyPr wrap="none" rtlCol="0">
+            <a:spAutoFit/>
+          </a:bodyPr>
+          <a:lstStyle/>
+          <a:p>
+            <a:r>
+              <a:rPr lang="en-US" sz="1600" b="1" dirty="0">
+                <a:latin typeface="Yu Gothic" panose="020B0400000000000000" pitchFamily="34" charset="-128"/>
+                <a:ea typeface="Yu Gothic" panose="020B0400000000000000" pitchFamily="34" charset="-128"/>
+              </a:rPr>
+              <a:t>g0/1</a:t>
+            </a:r>
+          </a:p>
+          <a:p>
+            <a:r>
+              <a:rPr lang="en-US" sz="1600" b="1" dirty="0">
+                <a:latin typeface="Yu Gothic" panose="020B0400000000000000" pitchFamily="34" charset="-128"/>
+                <a:ea typeface="Yu Gothic" panose="020B0400000000000000" pitchFamily="34" charset="-128"/>
+              </a:rPr>
+              <a:t>.2</a:t>
+            </a:r>
+          </a:p>
+        </p:txBody>
+      </p:sp>
+      <p:sp>
+        <p:nvSpPr>
+          <p:cNvPr id="77" name="Triangle 76">
+            <a:extLst>
+              <a:ext uri="{FF2B5EF4-FFF2-40B4-BE49-F238E27FC236}">
+                <a16:creationId xmlns:a16="http://schemas.microsoft.com/office/drawing/2014/main" id="{16CEF9CB-1EB2-034B-8895-E36A1F3344EE}"/>
+              </a:ext>
+            </a:extLst>
+          </p:cNvPr>
+          <p:cNvSpPr/>
+          <p:nvPr/>
+        </p:nvSpPr>
+        <p:spPr>
+          <a:xfrm rot="16200000">
+            <a:off x="5415879" y="1748675"/>
+            <a:ext cx="595164" cy="2535211"/>
+          </a:xfrm>
+          <a:prstGeom prst="triangle">
+            <a:avLst/>
+          </a:prstGeom>
+          <a:ln>
+            <a:noFill/>
+          </a:ln>
+        </p:spPr>
+        <p:style>
+          <a:lnRef idx="2">
+            <a:schemeClr val="accent1">
+              <a:shade val="50000"/>
+            </a:schemeClr>
+          </a:lnRef>
+          <a:fillRef idx="1">
+            <a:schemeClr val="accent1"/>
+          </a:fillRef>
+          <a:effectRef idx="0">
+            <a:schemeClr val="accent1"/>
+          </a:effectRef>
+          <a:fontRef idx="minor">
+            <a:schemeClr val="lt1"/>
+          </a:fontRef>
+        </p:style>
+        <p:txBody>
+          <a:bodyPr rtlCol="0" anchor="ctr"/>
+          <a:lstStyle/>
+          <a:p>
+            <a:pPr algn="ctr"/>
+            <a:endParaRPr lang="en-US"/>
+          </a:p>
+        </p:txBody>
+      </p:sp>
+      <p:sp>
+        <p:nvSpPr>
+          <p:cNvPr id="78" name="Rectangle 77">
+            <a:extLst>
+              <a:ext uri="{FF2B5EF4-FFF2-40B4-BE49-F238E27FC236}">
+                <a16:creationId xmlns:a16="http://schemas.microsoft.com/office/drawing/2014/main" id="{02716A08-5385-D847-9683-E868F6F4CC62}"/>
+              </a:ext>
+            </a:extLst>
+          </p:cNvPr>
+          <p:cNvSpPr/>
+          <p:nvPr/>
+        </p:nvSpPr>
+        <p:spPr>
+          <a:xfrm>
+            <a:off x="6390238" y="2408064"/>
+            <a:ext cx="3050859" cy="2862552"/>
+          </a:xfrm>
+          <a:prstGeom prst="rect">
+            <a:avLst/>
+          </a:prstGeom>
+          <a:ln>
+            <a:noFill/>
+          </a:ln>
+        </p:spPr>
+        <p:style>
+          <a:lnRef idx="2">
+            <a:schemeClr val="accent1">
+              <a:shade val="50000"/>
+            </a:schemeClr>
+          </a:lnRef>
+          <a:fillRef idx="1">
+            <a:schemeClr val="accent1"/>
+          </a:fillRef>
+          <a:effectRef idx="0">
+            <a:schemeClr val="accent1"/>
+          </a:effectRef>
+          <a:fontRef idx="minor">
+            <a:schemeClr val="lt1"/>
+          </a:fontRef>
+        </p:style>
+        <p:txBody>
+          <a:bodyPr rtlCol="0" anchor="ctr"/>
+          <a:lstStyle/>
+          <a:p>
+            <a:pPr algn="ctr"/>
+            <a:endParaRPr lang="en-US"/>
+          </a:p>
+        </p:txBody>
+      </p:sp>
+      <p:sp>
+        <p:nvSpPr>
+          <p:cNvPr id="80" name="TextBox 79">
+            <a:extLst>
+              <a:ext uri="{FF2B5EF4-FFF2-40B4-BE49-F238E27FC236}">
+                <a16:creationId xmlns:a16="http://schemas.microsoft.com/office/drawing/2014/main" id="{61B865A8-8786-9C46-B049-4BC35E1A1F63}"/>
+              </a:ext>
+            </a:extLst>
+          </p:cNvPr>
+          <p:cNvSpPr txBox="1"/>
+          <p:nvPr/>
+        </p:nvSpPr>
+        <p:spPr>
+          <a:xfrm>
+            <a:off x="6422322" y="2490522"/>
+            <a:ext cx="3018775" cy="369332"/>
+          </a:xfrm>
+          <a:prstGeom prst="rect">
+            <a:avLst/>
+          </a:prstGeom>
+          <a:noFill/>
+        </p:spPr>
+        <p:txBody>
+          <a:bodyPr wrap="none" rtlCol="0">
+            <a:spAutoFit/>
+          </a:bodyPr>
+          <a:lstStyle/>
+          <a:p>
+            <a:r>
+              <a:rPr lang="en-US" altLang="ja-JP" b="1" dirty="0">
+                <a:solidFill>
+                  <a:schemeClr val="bg1"/>
+                </a:solidFill>
+                <a:latin typeface="Yu Gothic" panose="020B0400000000000000" pitchFamily="34" charset="-128"/>
+                <a:ea typeface="Yu Gothic" panose="020B0400000000000000" pitchFamily="34" charset="-128"/>
+              </a:rPr>
+              <a:t>R3</a:t>
+            </a:r>
+            <a:r>
+              <a:rPr lang="ja-JP" altLang="en-US" b="1">
+                <a:solidFill>
+                  <a:schemeClr val="bg1"/>
+                </a:solidFill>
+                <a:latin typeface="Yu Gothic" panose="020B0400000000000000" pitchFamily="34" charset="-128"/>
+                <a:ea typeface="Yu Gothic" panose="020B0400000000000000" pitchFamily="34" charset="-128"/>
+              </a:rPr>
+              <a:t>のルーティングテーブル</a:t>
+            </a:r>
+            <a:endParaRPr lang="en-US" b="1" dirty="0">
+              <a:solidFill>
+                <a:schemeClr val="bg1"/>
+              </a:solidFill>
+              <a:latin typeface="Yu Gothic" panose="020B0400000000000000" pitchFamily="34" charset="-128"/>
+              <a:ea typeface="Yu Gothic" panose="020B0400000000000000" pitchFamily="34" charset="-128"/>
+            </a:endParaRPr>
+          </a:p>
+        </p:txBody>
+      </p:sp>
+      <p:sp>
+        <p:nvSpPr>
+          <p:cNvPr id="81" name="Right Arrow 80">
+            <a:extLst>
+              <a:ext uri="{FF2B5EF4-FFF2-40B4-BE49-F238E27FC236}">
+                <a16:creationId xmlns:a16="http://schemas.microsoft.com/office/drawing/2014/main" id="{27E854F8-EAC1-AA42-AFB3-052A7E3B7E32}"/>
+              </a:ext>
+            </a:extLst>
+          </p:cNvPr>
+          <p:cNvSpPr/>
+          <p:nvPr/>
+        </p:nvSpPr>
+        <p:spPr>
+          <a:xfrm>
+            <a:off x="4360008" y="2658828"/>
+            <a:ext cx="619914" cy="364548"/>
+          </a:xfrm>
+          <a:prstGeom prst="rightArrow">
+            <a:avLst/>
+          </a:prstGeom>
+          <a:solidFill>
+            <a:schemeClr val="accent3"/>
+          </a:solidFill>
+          <a:ln>
+            <a:solidFill>
+              <a:schemeClr val="bg1"/>
+            </a:solidFill>
+          </a:ln>
+        </p:spPr>
+        <p:style>
+          <a:lnRef idx="2">
+            <a:schemeClr val="accent1">
+              <a:shade val="50000"/>
+            </a:schemeClr>
+          </a:lnRef>
+          <a:fillRef idx="1">
+            <a:schemeClr val="accent1"/>
+          </a:fillRef>
+          <a:effectRef idx="0">
+            <a:schemeClr val="accent1"/>
+          </a:effectRef>
+          <a:fontRef idx="minor">
+            <a:schemeClr val="lt1"/>
+          </a:fontRef>
+        </p:style>
+        <p:txBody>
+          <a:bodyPr rtlCol="0" anchor="ctr"/>
+          <a:lstStyle/>
+          <a:p>
+            <a:pPr algn="ctr"/>
+            <a:endParaRPr lang="en-US"/>
+          </a:p>
+        </p:txBody>
+      </p:sp>
+      <p:sp>
+        <p:nvSpPr>
+          <p:cNvPr id="82" name="Rectangle 81">
+            <a:extLst>
+              <a:ext uri="{FF2B5EF4-FFF2-40B4-BE49-F238E27FC236}">
+                <a16:creationId xmlns:a16="http://schemas.microsoft.com/office/drawing/2014/main" id="{0BD6EBF4-424D-9F4D-A2BB-5C52DB9EC6E6}"/>
+              </a:ext>
+            </a:extLst>
+          </p:cNvPr>
+          <p:cNvSpPr/>
+          <p:nvPr/>
+        </p:nvSpPr>
+        <p:spPr>
+          <a:xfrm>
+            <a:off x="6539411" y="3259051"/>
+            <a:ext cx="2794510" cy="370537"/>
+          </a:xfrm>
+          <a:prstGeom prst="rect">
+            <a:avLst/>
+          </a:prstGeom>
+          <a:solidFill>
+            <a:schemeClr val="accent3"/>
+          </a:solidFill>
+          <a:ln>
+            <a:noFill/>
+          </a:ln>
+        </p:spPr>
+        <p:style>
+          <a:lnRef idx="2">
+            <a:schemeClr val="accent1">
+              <a:shade val="50000"/>
+            </a:schemeClr>
+          </a:lnRef>
+          <a:fillRef idx="1">
+            <a:schemeClr val="accent1"/>
+          </a:fillRef>
+          <a:effectRef idx="0">
+            <a:schemeClr val="accent1"/>
+          </a:effectRef>
+          <a:fontRef idx="minor">
+            <a:schemeClr val="lt1"/>
+          </a:fontRef>
+        </p:style>
+        <p:txBody>
+          <a:bodyPr rtlCol="0" anchor="ctr"/>
+          <a:lstStyle/>
+          <a:p>
+            <a:pPr algn="ctr"/>
+            <a:endParaRPr lang="en-US"/>
+          </a:p>
+        </p:txBody>
+      </p:sp>
+      <p:graphicFrame>
+        <p:nvGraphicFramePr>
+          <p:cNvPr id="83" name="Table 82">
+            <a:extLst>
+              <a:ext uri="{FF2B5EF4-FFF2-40B4-BE49-F238E27FC236}">
+                <a16:creationId xmlns:a16="http://schemas.microsoft.com/office/drawing/2014/main" id="{22887817-CFFD-714A-BAFE-BB43042C65DB}"/>
+              </a:ext>
+            </a:extLst>
+          </p:cNvPr>
+          <p:cNvGraphicFramePr>
+            <a:graphicFrameLocks noGrp="1"/>
+          </p:cNvGraphicFramePr>
+          <p:nvPr>
+            <p:extLst>
+              <p:ext uri="{D42A27DB-BD31-4B8C-83A1-F6EECF244321}">
+                <p14:modId xmlns:p14="http://schemas.microsoft.com/office/powerpoint/2010/main" val="1799020847"/>
+              </p:ext>
+            </p:extLst>
+          </p:nvPr>
+        </p:nvGraphicFramePr>
+        <p:xfrm>
+          <a:off x="6531488" y="2899970"/>
+          <a:ext cx="2802433" cy="2219960"/>
+        </p:xfrm>
+        <a:graphic>
+          <a:graphicData uri="http://schemas.openxmlformats.org/drawingml/2006/table">
+            <a:tbl>
+              <a:tblPr firstRow="1" bandRow="1"/>
+              <a:tblGrid>
+                <a:gridCol w="1662201">
+                  <a:extLst>
+                    <a:ext uri="{9D8B030D-6E8A-4147-A177-3AD203B41FA5}">
+                      <a16:colId xmlns:a16="http://schemas.microsoft.com/office/drawing/2014/main" val="3165905422"/>
+                    </a:ext>
+                  </a:extLst>
+                </a:gridCol>
+                <a:gridCol w="1140232">
+                  <a:extLst>
+                    <a:ext uri="{9D8B030D-6E8A-4147-A177-3AD203B41FA5}">
+                      <a16:colId xmlns:a16="http://schemas.microsoft.com/office/drawing/2014/main" val="2467080021"/>
+                    </a:ext>
+                  </a:extLst>
+                </a:gridCol>
+              </a:tblGrid>
+              <a:tr h="350777">
+                <a:tc>
+                  <a:txBody>
+                    <a:bodyPr/>
+                    <a:lstStyle/>
+                    <a:p>
+                      <a:pPr algn="ctr"/>
+                      <a:r>
+                        <a:rPr lang="ja-JP" altLang="en-US" b="1">
+                          <a:solidFill>
+                            <a:schemeClr val="bg1"/>
+                          </a:solidFill>
+                          <a:latin typeface="+mn-ea"/>
+                          <a:ea typeface="+mn-ea"/>
+                        </a:rPr>
+                        <a:t>ネットワーク</a:t>
+                      </a:r>
+                      <a:endParaRPr lang="en-US" b="1" dirty="0">
+                        <a:solidFill>
+                          <a:schemeClr val="bg1"/>
+                        </a:solidFill>
+                        <a:latin typeface="+mn-ea"/>
+                        <a:ea typeface="+mn-ea"/>
+                      </a:endParaRPr>
+                    </a:p>
+                  </a:txBody>
+                  <a:tcPr>
+                    <a:lnL w="28575" cap="flat" cmpd="sng" algn="ctr">
+                      <a:solidFill>
+                        <a:schemeClr val="bg1"/>
+                      </a:solidFill>
+                      <a:prstDash val="solid"/>
+                      <a:round/>
+                      <a:headEnd type="none" w="med" len="med"/>
+                      <a:tailEnd type="none" w="med" len="med"/>
+                    </a:lnL>
+                    <a:lnR w="28575" cap="flat" cmpd="sng" algn="ctr">
+                      <a:solidFill>
+                        <a:schemeClr val="bg1"/>
+                      </a:solidFill>
+                      <a:prstDash val="solid"/>
+                      <a:round/>
+                      <a:headEnd type="none" w="med" len="med"/>
+                      <a:tailEnd type="none" w="med" len="med"/>
+                    </a:lnR>
+                    <a:lnT w="28575" cap="flat" cmpd="sng" algn="ctr">
+                      <a:solidFill>
+                        <a:schemeClr val="bg1"/>
+                      </a:solidFill>
+                      <a:prstDash val="solid"/>
+                      <a:round/>
+                      <a:headEnd type="none" w="med" len="med"/>
+                      <a:tailEnd type="none" w="med" len="med"/>
+                    </a:lnT>
+                    <a:lnB w="28575" cap="flat" cmpd="sng" algn="ctr">
+                      <a:solidFill>
+                        <a:schemeClr val="bg1"/>
+                      </a:solidFill>
+                      <a:prstDash val="solid"/>
+                      <a:round/>
+                      <a:headEnd type="none" w="med" len="med"/>
+                      <a:tailEnd type="none" w="med" len="med"/>
+                    </a:lnB>
+                    <a:noFill/>
+                  </a:tcPr>
+                </a:tc>
+                <a:tc>
+                  <a:txBody>
+                    <a:bodyPr/>
+                    <a:lstStyle/>
+                    <a:p>
+                      <a:pPr algn="ctr"/>
+                      <a:r>
+                        <a:rPr lang="en-US" b="1" dirty="0">
+                          <a:solidFill>
+                            <a:schemeClr val="bg1"/>
+                          </a:solidFill>
+                          <a:latin typeface="+mn-ea"/>
+                          <a:ea typeface="+mn-ea"/>
+                        </a:rPr>
+                        <a:t>via</a:t>
+                      </a:r>
+                    </a:p>
+                  </a:txBody>
+                  <a:tcPr>
+                    <a:lnL w="28575" cap="flat" cmpd="sng" algn="ctr">
+                      <a:solidFill>
+                        <a:schemeClr val="bg1"/>
+                      </a:solidFill>
+                      <a:prstDash val="solid"/>
+                      <a:round/>
+                      <a:headEnd type="none" w="med" len="med"/>
+                      <a:tailEnd type="none" w="med" len="med"/>
+                    </a:lnL>
+                    <a:lnR w="28575" cap="flat" cmpd="sng" algn="ctr">
+                      <a:solidFill>
+                        <a:schemeClr val="bg1"/>
+                      </a:solidFill>
+                      <a:prstDash val="solid"/>
+                      <a:round/>
+                      <a:headEnd type="none" w="med" len="med"/>
+                      <a:tailEnd type="none" w="med" len="med"/>
+                    </a:lnR>
+                    <a:lnT w="28575" cap="flat" cmpd="sng" algn="ctr">
+                      <a:solidFill>
+                        <a:schemeClr val="bg1"/>
+                      </a:solidFill>
+                      <a:prstDash val="solid"/>
+                      <a:round/>
+                      <a:headEnd type="none" w="med" len="med"/>
+                      <a:tailEnd type="none" w="med" len="med"/>
+                    </a:lnT>
+                    <a:lnB w="28575" cap="flat" cmpd="sng" algn="ctr">
+                      <a:solidFill>
+                        <a:schemeClr val="bg1"/>
+                      </a:solidFill>
+                      <a:prstDash val="solid"/>
+                      <a:round/>
+                      <a:headEnd type="none" w="med" len="med"/>
+                      <a:tailEnd type="none" w="med" len="med"/>
+                    </a:lnB>
+                    <a:noFill/>
+                  </a:tcPr>
+                </a:tc>
+                <a:extLst>
+                  <a:ext uri="{0D108BD9-81ED-4DB2-BD59-A6C34878D82A}">
+                    <a16:rowId xmlns:a16="http://schemas.microsoft.com/office/drawing/2014/main" val="1356393982"/>
+                  </a:ext>
+                </a:extLst>
+              </a:tr>
+              <a:tr h="370840">
+                <a:tc>
+                  <a:txBody>
+                    <a:bodyPr/>
+                    <a:lstStyle/>
+                    <a:p>
+                      <a:pPr algn="ctr"/>
+                      <a:r>
+                        <a:rPr lang="en-US" b="1" dirty="0">
+                          <a:solidFill>
+                            <a:schemeClr val="bg1"/>
+                          </a:solidFill>
+                          <a:latin typeface="+mn-ea"/>
+                          <a:ea typeface="+mn-ea"/>
+                        </a:rPr>
+                        <a:t>0.0.0.0/0</a:t>
+                      </a:r>
+                    </a:p>
+                  </a:txBody>
+                  <a:tcPr>
+                    <a:lnL w="28575" cap="flat" cmpd="sng" algn="ctr">
+                      <a:solidFill>
+                        <a:schemeClr val="bg1"/>
+                      </a:solidFill>
+                      <a:prstDash val="solid"/>
+                      <a:round/>
+                      <a:headEnd type="none" w="med" len="med"/>
+                      <a:tailEnd type="none" w="med" len="med"/>
+                    </a:lnL>
+                    <a:lnR w="28575" cap="flat" cmpd="sng" algn="ctr">
+                      <a:solidFill>
+                        <a:schemeClr val="bg1"/>
+                      </a:solidFill>
+                      <a:prstDash val="solid"/>
+                      <a:round/>
+                      <a:headEnd type="none" w="med" len="med"/>
+                      <a:tailEnd type="none" w="med" len="med"/>
+                    </a:lnR>
+                    <a:lnT w="28575" cap="flat" cmpd="sng" algn="ctr">
+                      <a:solidFill>
+                        <a:schemeClr val="bg1"/>
+                      </a:solidFill>
+                      <a:prstDash val="solid"/>
+                      <a:round/>
+                      <a:headEnd type="none" w="med" len="med"/>
+                      <a:tailEnd type="none" w="med" len="med"/>
+                    </a:lnT>
+                    <a:lnB w="28575" cap="flat" cmpd="sng" algn="ctr">
+                      <a:solidFill>
+                        <a:schemeClr val="bg1"/>
+                      </a:solidFill>
+                      <a:prstDash val="solid"/>
+                      <a:round/>
+                      <a:headEnd type="none" w="med" len="med"/>
+                      <a:tailEnd type="none" w="med" len="med"/>
+                    </a:lnB>
+                    <a:noFill/>
+                  </a:tcPr>
+                </a:tc>
+                <a:tc>
+                  <a:txBody>
+                    <a:bodyPr/>
+                    <a:lstStyle/>
+                    <a:p>
+                      <a:pPr algn="ctr"/>
+                      <a:r>
+                        <a:rPr lang="en-US" b="1" dirty="0">
+                          <a:solidFill>
+                            <a:schemeClr val="bg1"/>
+                          </a:solidFill>
+                          <a:latin typeface="+mn-ea"/>
+                          <a:ea typeface="+mn-ea"/>
+                        </a:rPr>
+                        <a:t>R1</a:t>
+                      </a:r>
+                    </a:p>
+                  </a:txBody>
+                  <a:tcPr>
+                    <a:lnL w="28575" cap="flat" cmpd="sng" algn="ctr">
+                      <a:solidFill>
+                        <a:schemeClr val="bg1"/>
+                      </a:solidFill>
+                      <a:prstDash val="solid"/>
+                      <a:round/>
+                      <a:headEnd type="none" w="med" len="med"/>
+                      <a:tailEnd type="none" w="med" len="med"/>
+                    </a:lnL>
+                    <a:lnR w="28575" cap="flat" cmpd="sng" algn="ctr">
+                      <a:solidFill>
+                        <a:schemeClr val="bg1"/>
+                      </a:solidFill>
+                      <a:prstDash val="solid"/>
+                      <a:round/>
+                      <a:headEnd type="none" w="med" len="med"/>
+                      <a:tailEnd type="none" w="med" len="med"/>
+                    </a:lnR>
+                    <a:lnT w="28575" cap="flat" cmpd="sng" algn="ctr">
+                      <a:solidFill>
+                        <a:schemeClr val="bg1"/>
+                      </a:solidFill>
+                      <a:prstDash val="solid"/>
+                      <a:round/>
+                      <a:headEnd type="none" w="med" len="med"/>
+                      <a:tailEnd type="none" w="med" len="med"/>
+                    </a:lnT>
+                    <a:lnB w="28575" cap="flat" cmpd="sng" algn="ctr">
+                      <a:solidFill>
+                        <a:schemeClr val="bg1"/>
+                      </a:solidFill>
+                      <a:prstDash val="solid"/>
+                      <a:round/>
+                      <a:headEnd type="none" w="med" len="med"/>
+                      <a:tailEnd type="none" w="med" len="med"/>
+                    </a:lnB>
+                    <a:noFill/>
+                  </a:tcPr>
+                </a:tc>
+                <a:extLst>
+                  <a:ext uri="{0D108BD9-81ED-4DB2-BD59-A6C34878D82A}">
+                    <a16:rowId xmlns:a16="http://schemas.microsoft.com/office/drawing/2014/main" val="3819732004"/>
+                  </a:ext>
+                </a:extLst>
+              </a:tr>
+              <a:tr h="370840">
+                <a:tc>
+                  <a:txBody>
+                    <a:bodyPr/>
+                    <a:lstStyle/>
+                    <a:p>
+                      <a:pPr algn="ctr"/>
+                      <a:r>
+                        <a:rPr lang="en-US" b="1" dirty="0">
+                          <a:solidFill>
+                            <a:schemeClr val="bg1"/>
+                          </a:solidFill>
+                          <a:latin typeface="+mn-ea"/>
+                          <a:ea typeface="+mn-ea"/>
+                        </a:rPr>
+                        <a:t>10.0.0.0/16</a:t>
+                      </a:r>
+                    </a:p>
+                  </a:txBody>
+                  <a:tcPr>
+                    <a:lnL w="28575" cap="flat" cmpd="sng" algn="ctr">
+                      <a:solidFill>
+                        <a:schemeClr val="bg1"/>
+                      </a:solidFill>
+                      <a:prstDash val="solid"/>
+                      <a:round/>
+                      <a:headEnd type="none" w="med" len="med"/>
+                      <a:tailEnd type="none" w="med" len="med"/>
+                    </a:lnL>
+                    <a:lnR w="28575" cap="flat" cmpd="sng" algn="ctr">
+                      <a:solidFill>
+                        <a:schemeClr val="bg1"/>
+                      </a:solidFill>
+                      <a:prstDash val="solid"/>
+                      <a:round/>
+                      <a:headEnd type="none" w="med" len="med"/>
+                      <a:tailEnd type="none" w="med" len="med"/>
+                    </a:lnR>
+                    <a:lnT w="28575" cap="flat" cmpd="sng" algn="ctr">
+                      <a:solidFill>
+                        <a:schemeClr val="bg1"/>
+                      </a:solidFill>
+                      <a:prstDash val="solid"/>
+                      <a:round/>
+                      <a:headEnd type="none" w="med" len="med"/>
+                      <a:tailEnd type="none" w="med" len="med"/>
+                    </a:lnT>
+                    <a:lnB w="28575" cap="flat" cmpd="sng" algn="ctr">
+                      <a:solidFill>
+                        <a:schemeClr val="bg1"/>
+                      </a:solidFill>
+                      <a:prstDash val="solid"/>
+                      <a:round/>
+                      <a:headEnd type="none" w="med" len="med"/>
+                      <a:tailEnd type="none" w="med" len="med"/>
+                    </a:lnB>
+                    <a:noFill/>
+                  </a:tcPr>
+                </a:tc>
+                <a:tc>
+                  <a:txBody>
+                    <a:bodyPr/>
+                    <a:lstStyle/>
+                    <a:p>
+                      <a:pPr algn="ctr"/>
+                      <a:r>
+                        <a:rPr lang="en-US" b="1" dirty="0">
+                          <a:solidFill>
+                            <a:schemeClr val="bg1"/>
+                          </a:solidFill>
+                          <a:latin typeface="+mn-ea"/>
+                          <a:ea typeface="+mn-ea"/>
+                        </a:rPr>
+                        <a:t>g0/1</a:t>
+                      </a:r>
+                    </a:p>
+                  </a:txBody>
+                  <a:tcPr>
+                    <a:lnL w="28575" cap="flat" cmpd="sng" algn="ctr">
+                      <a:solidFill>
+                        <a:schemeClr val="bg1"/>
+                      </a:solidFill>
+                      <a:prstDash val="solid"/>
+                      <a:round/>
+                      <a:headEnd type="none" w="med" len="med"/>
+                      <a:tailEnd type="none" w="med" len="med"/>
+                    </a:lnL>
+                    <a:lnR w="28575" cap="flat" cmpd="sng" algn="ctr">
+                      <a:solidFill>
+                        <a:schemeClr val="bg1"/>
+                      </a:solidFill>
+                      <a:prstDash val="solid"/>
+                      <a:round/>
+                      <a:headEnd type="none" w="med" len="med"/>
+                      <a:tailEnd type="none" w="med" len="med"/>
+                    </a:lnR>
+                    <a:lnT w="28575" cap="flat" cmpd="sng" algn="ctr">
+                      <a:solidFill>
+                        <a:schemeClr val="bg1"/>
+                      </a:solidFill>
+                      <a:prstDash val="solid"/>
+                      <a:round/>
+                      <a:headEnd type="none" w="med" len="med"/>
+                      <a:tailEnd type="none" w="med" len="med"/>
+                    </a:lnT>
+                    <a:lnB w="28575" cap="flat" cmpd="sng" algn="ctr">
+                      <a:solidFill>
+                        <a:schemeClr val="bg1"/>
+                      </a:solidFill>
+                      <a:prstDash val="solid"/>
+                      <a:round/>
+                      <a:headEnd type="none" w="med" len="med"/>
+                      <a:tailEnd type="none" w="med" len="med"/>
+                    </a:lnB>
+                    <a:noFill/>
+                  </a:tcPr>
+                </a:tc>
+                <a:extLst>
+                  <a:ext uri="{0D108BD9-81ED-4DB2-BD59-A6C34878D82A}">
+                    <a16:rowId xmlns:a16="http://schemas.microsoft.com/office/drawing/2014/main" val="3517983726"/>
+                  </a:ext>
+                </a:extLst>
+              </a:tr>
+              <a:tr h="370840">
+                <a:tc>
+                  <a:txBody>
+                    <a:bodyPr/>
+                    <a:lstStyle/>
+                    <a:p>
+                      <a:pPr algn="ctr"/>
+                      <a:r>
+                        <a:rPr lang="en-US" b="1" dirty="0">
+                          <a:solidFill>
+                            <a:schemeClr val="bg1"/>
+                          </a:solidFill>
+                          <a:latin typeface="+mn-ea"/>
+                          <a:ea typeface="+mn-ea"/>
+                        </a:rPr>
+                        <a:t>10.2.0.0/16</a:t>
+                      </a:r>
+                    </a:p>
+                  </a:txBody>
+                  <a:tcPr>
+                    <a:lnL w="28575" cap="flat" cmpd="sng" algn="ctr">
+                      <a:solidFill>
+                        <a:schemeClr val="bg1"/>
+                      </a:solidFill>
+                      <a:prstDash val="solid"/>
+                      <a:round/>
+                      <a:headEnd type="none" w="med" len="med"/>
+                      <a:tailEnd type="none" w="med" len="med"/>
+                    </a:lnL>
+                    <a:lnR w="28575" cap="flat" cmpd="sng" algn="ctr">
+                      <a:solidFill>
+                        <a:schemeClr val="bg1"/>
+                      </a:solidFill>
+                      <a:prstDash val="solid"/>
+                      <a:round/>
+                      <a:headEnd type="none" w="med" len="med"/>
+                      <a:tailEnd type="none" w="med" len="med"/>
+                    </a:lnR>
+                    <a:lnT w="28575" cap="flat" cmpd="sng" algn="ctr">
+                      <a:solidFill>
+                        <a:schemeClr val="bg1"/>
+                      </a:solidFill>
+                      <a:prstDash val="solid"/>
+                      <a:round/>
+                      <a:headEnd type="none" w="med" len="med"/>
+                      <a:tailEnd type="none" w="med" len="med"/>
+                    </a:lnT>
+                    <a:lnB w="28575" cap="flat" cmpd="sng" algn="ctr">
+                      <a:solidFill>
+                        <a:schemeClr val="bg1"/>
+                      </a:solidFill>
+                      <a:prstDash val="solid"/>
+                      <a:round/>
+                      <a:headEnd type="none" w="med" len="med"/>
+                      <a:tailEnd type="none" w="med" len="med"/>
+                    </a:lnB>
+                    <a:noFill/>
+                  </a:tcPr>
+                </a:tc>
+                <a:tc>
+                  <a:txBody>
+                    <a:bodyPr/>
+                    <a:lstStyle/>
+                    <a:p>
+                      <a:pPr algn="ctr"/>
+                      <a:r>
+                        <a:rPr lang="en-US" b="1" dirty="0">
+                          <a:solidFill>
+                            <a:schemeClr val="bg1"/>
+                          </a:solidFill>
+                          <a:latin typeface="+mn-ea"/>
+                          <a:ea typeface="+mn-ea"/>
+                        </a:rPr>
+                        <a:t>R2</a:t>
+                      </a:r>
+                    </a:p>
+                  </a:txBody>
+                  <a:tcPr>
+                    <a:lnL w="28575" cap="flat" cmpd="sng" algn="ctr">
+                      <a:solidFill>
+                        <a:schemeClr val="bg1"/>
+                      </a:solidFill>
+                      <a:prstDash val="solid"/>
+                      <a:round/>
+                      <a:headEnd type="none" w="med" len="med"/>
+                      <a:tailEnd type="none" w="med" len="med"/>
+                    </a:lnL>
+                    <a:lnR w="28575" cap="flat" cmpd="sng" algn="ctr">
+                      <a:solidFill>
+                        <a:schemeClr val="bg1"/>
+                      </a:solidFill>
+                      <a:prstDash val="solid"/>
+                      <a:round/>
+                      <a:headEnd type="none" w="med" len="med"/>
+                      <a:tailEnd type="none" w="med" len="med"/>
+                    </a:lnR>
+                    <a:lnT w="28575" cap="flat" cmpd="sng" algn="ctr">
+                      <a:solidFill>
+                        <a:schemeClr val="bg1"/>
+                      </a:solidFill>
+                      <a:prstDash val="solid"/>
+                      <a:round/>
+                      <a:headEnd type="none" w="med" len="med"/>
+                      <a:tailEnd type="none" w="med" len="med"/>
+                    </a:lnT>
+                    <a:lnB w="28575" cap="flat" cmpd="sng" algn="ctr">
+                      <a:solidFill>
+                        <a:schemeClr val="bg1"/>
+                      </a:solidFill>
+                      <a:prstDash val="solid"/>
+                      <a:round/>
+                      <a:headEnd type="none" w="med" len="med"/>
+                      <a:tailEnd type="none" w="med" len="med"/>
+                    </a:lnB>
+                    <a:noFill/>
+                  </a:tcPr>
+                </a:tc>
+                <a:extLst>
+                  <a:ext uri="{0D108BD9-81ED-4DB2-BD59-A6C34878D82A}">
+                    <a16:rowId xmlns:a16="http://schemas.microsoft.com/office/drawing/2014/main" val="2295973759"/>
+                  </a:ext>
+                </a:extLst>
+              </a:tr>
+              <a:tr h="370840">
+                <a:tc>
+                  <a:txBody>
+                    <a:bodyPr/>
+                    <a:lstStyle/>
+                    <a:p>
+                      <a:pPr algn="ctr"/>
+                      <a:r>
+                        <a:rPr lang="en-US" b="1" dirty="0">
+                          <a:solidFill>
+                            <a:schemeClr val="bg1"/>
+                          </a:solidFill>
+                          <a:latin typeface="+mn-ea"/>
+                          <a:ea typeface="+mn-ea"/>
+                        </a:rPr>
+                        <a:t>10.3.0.0/16</a:t>
+                      </a:r>
+                    </a:p>
+                  </a:txBody>
+                  <a:tcPr>
+                    <a:lnL w="28575" cap="flat" cmpd="sng" algn="ctr">
+                      <a:solidFill>
+                        <a:schemeClr val="bg1"/>
+                      </a:solidFill>
+                      <a:prstDash val="solid"/>
+                      <a:round/>
+                      <a:headEnd type="none" w="med" len="med"/>
+                      <a:tailEnd type="none" w="med" len="med"/>
+                    </a:lnL>
+                    <a:lnR w="28575" cap="flat" cmpd="sng" algn="ctr">
+                      <a:solidFill>
+                        <a:schemeClr val="bg1"/>
+                      </a:solidFill>
+                      <a:prstDash val="solid"/>
+                      <a:round/>
+                      <a:headEnd type="none" w="med" len="med"/>
+                      <a:tailEnd type="none" w="med" len="med"/>
+                    </a:lnR>
+                    <a:lnT w="28575" cap="flat" cmpd="sng" algn="ctr">
+                      <a:solidFill>
+                        <a:schemeClr val="bg1"/>
+                      </a:solidFill>
+                      <a:prstDash val="solid"/>
+                      <a:round/>
+                      <a:headEnd type="none" w="med" len="med"/>
+                      <a:tailEnd type="none" w="med" len="med"/>
+                    </a:lnT>
+                    <a:lnB w="28575" cap="flat" cmpd="sng" algn="ctr">
+                      <a:solidFill>
+                        <a:schemeClr val="bg1"/>
+                      </a:solidFill>
+                      <a:prstDash val="solid"/>
+                      <a:round/>
+                      <a:headEnd type="none" w="med" len="med"/>
+                      <a:tailEnd type="none" w="med" len="med"/>
+                    </a:lnB>
+                    <a:noFill/>
+                  </a:tcPr>
+                </a:tc>
+                <a:tc>
+                  <a:txBody>
+                    <a:bodyPr/>
+                    <a:lstStyle/>
+                    <a:p>
+                      <a:pPr algn="ctr"/>
+                      <a:r>
+                        <a:rPr lang="en-US" b="1" dirty="0">
+                          <a:solidFill>
+                            <a:schemeClr val="bg1"/>
+                          </a:solidFill>
+                          <a:latin typeface="+mn-ea"/>
+                          <a:ea typeface="+mn-ea"/>
+                        </a:rPr>
+                        <a:t>g0/2</a:t>
+                      </a:r>
+                    </a:p>
+                  </a:txBody>
+                  <a:tcPr>
+                    <a:lnL w="28575" cap="flat" cmpd="sng" algn="ctr">
+                      <a:solidFill>
+                        <a:schemeClr val="bg1"/>
+                      </a:solidFill>
+                      <a:prstDash val="solid"/>
+                      <a:round/>
+                      <a:headEnd type="none" w="med" len="med"/>
+                      <a:tailEnd type="none" w="med" len="med"/>
+                    </a:lnL>
+                    <a:lnR w="28575" cap="flat" cmpd="sng" algn="ctr">
+                      <a:solidFill>
+                        <a:schemeClr val="bg1"/>
+                      </a:solidFill>
+                      <a:prstDash val="solid"/>
+                      <a:round/>
+                      <a:headEnd type="none" w="med" len="med"/>
+                      <a:tailEnd type="none" w="med" len="med"/>
+                    </a:lnR>
+                    <a:lnT w="28575" cap="flat" cmpd="sng" algn="ctr">
+                      <a:solidFill>
+                        <a:schemeClr val="bg1"/>
+                      </a:solidFill>
+                      <a:prstDash val="solid"/>
+                      <a:round/>
+                      <a:headEnd type="none" w="med" len="med"/>
+                      <a:tailEnd type="none" w="med" len="med"/>
+                    </a:lnT>
+                    <a:lnB w="28575" cap="flat" cmpd="sng" algn="ctr">
+                      <a:solidFill>
+                        <a:schemeClr val="bg1"/>
+                      </a:solidFill>
+                      <a:prstDash val="solid"/>
+                      <a:round/>
+                      <a:headEnd type="none" w="med" len="med"/>
+                      <a:tailEnd type="none" w="med" len="med"/>
+                    </a:lnB>
+                    <a:noFill/>
+                  </a:tcPr>
+                </a:tc>
+                <a:extLst>
+                  <a:ext uri="{0D108BD9-81ED-4DB2-BD59-A6C34878D82A}">
+                    <a16:rowId xmlns:a16="http://schemas.microsoft.com/office/drawing/2014/main" val="2440951121"/>
+                  </a:ext>
+                </a:extLst>
+              </a:tr>
+              <a:tr h="370840">
+                <a:tc>
+                  <a:txBody>
+                    <a:bodyPr/>
+                    <a:lstStyle/>
+                    <a:p>
+                      <a:pPr algn="ctr"/>
+                      <a:r>
+                        <a:rPr lang="en-US" b="1" dirty="0">
+                          <a:solidFill>
+                            <a:schemeClr val="bg1"/>
+                          </a:solidFill>
+                          <a:latin typeface="+mn-ea"/>
+                          <a:ea typeface="+mn-ea"/>
+                        </a:rPr>
+                        <a:t>10.4.0.0/16</a:t>
+                      </a:r>
+                    </a:p>
+                  </a:txBody>
+                  <a:tcPr>
+                    <a:lnL w="28575" cap="flat" cmpd="sng" algn="ctr">
+                      <a:solidFill>
+                        <a:schemeClr val="bg1"/>
+                      </a:solidFill>
+                      <a:prstDash val="solid"/>
+                      <a:round/>
+                      <a:headEnd type="none" w="med" len="med"/>
+                      <a:tailEnd type="none" w="med" len="med"/>
+                    </a:lnL>
+                    <a:lnR w="28575" cap="flat" cmpd="sng" algn="ctr">
+                      <a:solidFill>
+                        <a:schemeClr val="bg1"/>
+                      </a:solidFill>
+                      <a:prstDash val="solid"/>
+                      <a:round/>
+                      <a:headEnd type="none" w="med" len="med"/>
+                      <a:tailEnd type="none" w="med" len="med"/>
+                    </a:lnR>
+                    <a:lnT w="28575" cap="flat" cmpd="sng" algn="ctr">
+                      <a:solidFill>
+                        <a:schemeClr val="bg1"/>
+                      </a:solidFill>
+                      <a:prstDash val="solid"/>
+                      <a:round/>
+                      <a:headEnd type="none" w="med" len="med"/>
+                      <a:tailEnd type="none" w="med" len="med"/>
+                    </a:lnT>
+                    <a:lnB w="28575" cap="flat" cmpd="sng" algn="ctr">
+                      <a:solidFill>
+                        <a:schemeClr val="bg1"/>
+                      </a:solidFill>
+                      <a:prstDash val="solid"/>
+                      <a:round/>
+                      <a:headEnd type="none" w="med" len="med"/>
+                      <a:tailEnd type="none" w="med" len="med"/>
+                    </a:lnB>
+                    <a:noFill/>
+                  </a:tcPr>
+                </a:tc>
+                <a:tc>
+                  <a:txBody>
+                    <a:bodyPr/>
+                    <a:lstStyle/>
+                    <a:p>
+                      <a:pPr algn="ctr"/>
+                      <a:r>
+                        <a:rPr lang="en-US" b="1" dirty="0">
+                          <a:solidFill>
+                            <a:schemeClr val="bg1"/>
+                          </a:solidFill>
+                          <a:latin typeface="+mn-ea"/>
+                          <a:ea typeface="+mn-ea"/>
+                        </a:rPr>
+                        <a:t>R4</a:t>
+                      </a:r>
+                    </a:p>
+                  </a:txBody>
+                  <a:tcPr>
+                    <a:lnL w="28575" cap="flat" cmpd="sng" algn="ctr">
+                      <a:solidFill>
+                        <a:schemeClr val="bg1"/>
+                      </a:solidFill>
+                      <a:prstDash val="solid"/>
+                      <a:round/>
+                      <a:headEnd type="none" w="med" len="med"/>
+                      <a:tailEnd type="none" w="med" len="med"/>
+                    </a:lnL>
+                    <a:lnR w="28575" cap="flat" cmpd="sng" algn="ctr">
+                      <a:solidFill>
+                        <a:schemeClr val="bg1"/>
+                      </a:solidFill>
+                      <a:prstDash val="solid"/>
+                      <a:round/>
+                      <a:headEnd type="none" w="med" len="med"/>
+                      <a:tailEnd type="none" w="med" len="med"/>
+                    </a:lnR>
+                    <a:lnT w="28575" cap="flat" cmpd="sng" algn="ctr">
+                      <a:solidFill>
+                        <a:schemeClr val="bg1"/>
+                      </a:solidFill>
+                      <a:prstDash val="solid"/>
+                      <a:round/>
+                      <a:headEnd type="none" w="med" len="med"/>
+                      <a:tailEnd type="none" w="med" len="med"/>
+                    </a:lnT>
+                    <a:lnB w="28575" cap="flat" cmpd="sng" algn="ctr">
+                      <a:solidFill>
+                        <a:schemeClr val="bg1"/>
+                      </a:solidFill>
+                      <a:prstDash val="solid"/>
+                      <a:round/>
+                      <a:headEnd type="none" w="med" len="med"/>
+                      <a:tailEnd type="none" w="med" len="med"/>
+                    </a:lnB>
+                    <a:noFill/>
+                  </a:tcPr>
+                </a:tc>
+                <a:extLst>
+                  <a:ext uri="{0D108BD9-81ED-4DB2-BD59-A6C34878D82A}">
+                    <a16:rowId xmlns:a16="http://schemas.microsoft.com/office/drawing/2014/main" val="423528439"/>
+                  </a:ext>
+                </a:extLst>
+              </a:tr>
+            </a:tbl>
+          </a:graphicData>
+        </a:graphic>
+      </p:graphicFrame>
+      <p:sp>
+        <p:nvSpPr>
+          <p:cNvPr id="84" name="TextBox 83">
+            <a:extLst>
+              <a:ext uri="{FF2B5EF4-FFF2-40B4-BE49-F238E27FC236}">
+                <a16:creationId xmlns:a16="http://schemas.microsoft.com/office/drawing/2014/main" id="{73231216-84D9-924A-9F25-D5C32B6F53CE}"/>
+              </a:ext>
+            </a:extLst>
+          </p:cNvPr>
+          <p:cNvSpPr txBox="1"/>
+          <p:nvPr/>
+        </p:nvSpPr>
+        <p:spPr>
+          <a:xfrm>
+            <a:off x="9475171" y="3083761"/>
+            <a:ext cx="2492990" cy="707886"/>
+          </a:xfrm>
+          <a:prstGeom prst="rect">
+            <a:avLst/>
+          </a:prstGeom>
+          <a:noFill/>
+        </p:spPr>
+        <p:txBody>
+          <a:bodyPr wrap="none" rtlCol="0">
+            <a:spAutoFit/>
+          </a:bodyPr>
+          <a:lstStyle/>
+          <a:p>
+            <a:pPr algn="ctr"/>
+            <a:r>
+              <a:rPr lang="ja-JP" altLang="en-US" sz="2000" b="1">
+                <a:solidFill>
+                  <a:schemeClr val="accent3"/>
+                </a:solidFill>
+              </a:rPr>
+              <a:t>デフォルトルートの</a:t>
+            </a:r>
+            <a:endParaRPr lang="en-US" altLang="ja-JP" sz="2000" b="1" dirty="0">
+              <a:solidFill>
+                <a:schemeClr val="accent3"/>
+              </a:solidFill>
+            </a:endParaRPr>
+          </a:p>
+          <a:p>
+            <a:pPr algn="ctr"/>
+            <a:r>
+              <a:rPr lang="ja-JP" altLang="en-US" sz="2000" b="1">
+                <a:solidFill>
+                  <a:schemeClr val="accent3"/>
+                </a:solidFill>
+              </a:rPr>
+              <a:t>エントリ</a:t>
+            </a:r>
+            <a:endParaRPr lang="en-US" sz="2000" b="1" dirty="0">
+              <a:solidFill>
+                <a:schemeClr val="accent3"/>
+              </a:solidFill>
+            </a:endParaRPr>
+          </a:p>
+        </p:txBody>
+      </p:sp>
+      <p:sp>
+        <p:nvSpPr>
+          <p:cNvPr id="85" name="Left Brace 84">
+            <a:extLst>
+              <a:ext uri="{FF2B5EF4-FFF2-40B4-BE49-F238E27FC236}">
+                <a16:creationId xmlns:a16="http://schemas.microsoft.com/office/drawing/2014/main" id="{B550E67E-5F6B-8748-AE3B-01A37E633C99}"/>
+              </a:ext>
+            </a:extLst>
+          </p:cNvPr>
+          <p:cNvSpPr/>
+          <p:nvPr/>
+        </p:nvSpPr>
+        <p:spPr>
+          <a:xfrm rot="16200000">
+            <a:off x="3087471" y="3188736"/>
+            <a:ext cx="344906" cy="5530257"/>
+          </a:xfrm>
+          <a:prstGeom prst="leftBrace">
+            <a:avLst/>
+          </a:prstGeom>
+          <a:ln w="57150">
+            <a:solidFill>
+              <a:schemeClr val="tx1"/>
+            </a:solidFill>
+          </a:ln>
+        </p:spPr>
+        <p:style>
+          <a:lnRef idx="1">
+            <a:schemeClr val="accent1"/>
+          </a:lnRef>
+          <a:fillRef idx="0">
+            <a:schemeClr val="accent1"/>
+          </a:fillRef>
+          <a:effectRef idx="0">
+            <a:schemeClr val="accent1"/>
+          </a:effectRef>
+          <a:fontRef idx="minor">
+            <a:schemeClr val="tx1"/>
+          </a:fontRef>
+        </p:style>
+        <p:txBody>
+          <a:bodyPr rtlCol="0" anchor="ctr"/>
+          <a:lstStyle/>
+          <a:p>
+            <a:pPr algn="ctr"/>
+            <a:endParaRPr lang="en-US"/>
+          </a:p>
+        </p:txBody>
+      </p:sp>
+      <p:sp>
+        <p:nvSpPr>
+          <p:cNvPr id="87" name="Left Brace 86">
+            <a:extLst>
+              <a:ext uri="{FF2B5EF4-FFF2-40B4-BE49-F238E27FC236}">
+                <a16:creationId xmlns:a16="http://schemas.microsoft.com/office/drawing/2014/main" id="{39BED261-E944-784C-9DF2-735C4FE271A5}"/>
+              </a:ext>
+            </a:extLst>
+          </p:cNvPr>
+          <p:cNvSpPr/>
+          <p:nvPr/>
+        </p:nvSpPr>
+        <p:spPr>
+          <a:xfrm rot="16200000">
+            <a:off x="8344742" y="3725178"/>
+            <a:ext cx="344906" cy="4457374"/>
+          </a:xfrm>
+          <a:prstGeom prst="leftBrace">
+            <a:avLst/>
+          </a:prstGeom>
+          <a:ln w="57150">
+            <a:solidFill>
+              <a:schemeClr val="tx1"/>
+            </a:solidFill>
+          </a:ln>
+        </p:spPr>
+        <p:style>
+          <a:lnRef idx="1">
+            <a:schemeClr val="accent1"/>
+          </a:lnRef>
+          <a:fillRef idx="0">
+            <a:schemeClr val="accent1"/>
+          </a:fillRef>
+          <a:effectRef idx="0">
+            <a:schemeClr val="accent1"/>
+          </a:effectRef>
+          <a:fontRef idx="minor">
+            <a:schemeClr val="tx1"/>
+          </a:fontRef>
+        </p:style>
+        <p:txBody>
+          <a:bodyPr rtlCol="0" anchor="ctr"/>
+          <a:lstStyle/>
+          <a:p>
+            <a:pPr algn="ctr"/>
+            <a:endParaRPr lang="en-US"/>
+          </a:p>
+        </p:txBody>
+      </p:sp>
+      <p:sp>
+        <p:nvSpPr>
+          <p:cNvPr id="88" name="TextBox 87">
+            <a:extLst>
+              <a:ext uri="{FF2B5EF4-FFF2-40B4-BE49-F238E27FC236}">
+                <a16:creationId xmlns:a16="http://schemas.microsoft.com/office/drawing/2014/main" id="{B4DC1509-9684-664E-8E38-DB15480E7EC2}"/>
+              </a:ext>
+            </a:extLst>
+          </p:cNvPr>
+          <p:cNvSpPr txBox="1"/>
+          <p:nvPr/>
+        </p:nvSpPr>
+        <p:spPr>
+          <a:xfrm>
+            <a:off x="2782870" y="6205236"/>
+            <a:ext cx="954107" cy="400110"/>
+          </a:xfrm>
+          <a:prstGeom prst="rect">
+            <a:avLst/>
+          </a:prstGeom>
+          <a:noFill/>
+        </p:spPr>
+        <p:txBody>
+          <a:bodyPr wrap="none" rtlCol="0">
+            <a:spAutoFit/>
+          </a:bodyPr>
+          <a:lstStyle/>
+          <a:p>
+            <a:pPr algn="ctr"/>
+            <a:r>
+              <a:rPr lang="ja-JP" altLang="en-US" sz="2000" b="1"/>
+              <a:t>組織内</a:t>
+            </a:r>
+            <a:endParaRPr lang="en-US" sz="2000" b="1" dirty="0"/>
+          </a:p>
+        </p:txBody>
+      </p:sp>
+      <p:sp>
+        <p:nvSpPr>
+          <p:cNvPr id="89" name="TextBox 88">
+            <a:extLst>
+              <a:ext uri="{FF2B5EF4-FFF2-40B4-BE49-F238E27FC236}">
+                <a16:creationId xmlns:a16="http://schemas.microsoft.com/office/drawing/2014/main" id="{5941322B-A6D6-8A47-B39C-3D6AE4676E5F}"/>
+              </a:ext>
+            </a:extLst>
+          </p:cNvPr>
+          <p:cNvSpPr txBox="1"/>
+          <p:nvPr/>
+        </p:nvSpPr>
+        <p:spPr>
+          <a:xfrm>
+            <a:off x="8040141" y="6207435"/>
+            <a:ext cx="954107" cy="400110"/>
+          </a:xfrm>
+          <a:prstGeom prst="rect">
+            <a:avLst/>
+          </a:prstGeom>
+          <a:noFill/>
+        </p:spPr>
+        <p:txBody>
+          <a:bodyPr wrap="none" rtlCol="0">
+            <a:spAutoFit/>
+          </a:bodyPr>
+          <a:lstStyle/>
+          <a:p>
+            <a:pPr algn="ctr"/>
+            <a:r>
+              <a:rPr lang="ja-JP" altLang="en-US" sz="2000" b="1"/>
+              <a:t>組織外</a:t>
+            </a:r>
+            <a:endParaRPr lang="en-US" sz="2000" b="1" dirty="0"/>
+          </a:p>
+        </p:txBody>
+      </p:sp>
+      <p:sp>
+        <p:nvSpPr>
+          <p:cNvPr id="95" name="TextBox 94">
+            <a:extLst>
+              <a:ext uri="{FF2B5EF4-FFF2-40B4-BE49-F238E27FC236}">
+                <a16:creationId xmlns:a16="http://schemas.microsoft.com/office/drawing/2014/main" id="{427DAD9F-F4FF-264D-B457-99E1165CE66A}"/>
+              </a:ext>
+            </a:extLst>
+          </p:cNvPr>
+          <p:cNvSpPr txBox="1"/>
+          <p:nvPr/>
+        </p:nvSpPr>
+        <p:spPr>
+          <a:xfrm>
+            <a:off x="5125603" y="1560057"/>
+            <a:ext cx="639919" cy="584775"/>
+          </a:xfrm>
+          <a:prstGeom prst="rect">
+            <a:avLst/>
+          </a:prstGeom>
+          <a:noFill/>
+        </p:spPr>
+        <p:txBody>
+          <a:bodyPr wrap="none" rtlCol="0">
+            <a:spAutoFit/>
+          </a:bodyPr>
+          <a:lstStyle/>
+          <a:p>
+            <a:r>
+              <a:rPr lang="en-US" sz="1600" b="1" dirty="0">
+                <a:latin typeface="Yu Gothic" panose="020B0400000000000000" pitchFamily="34" charset="-128"/>
+                <a:ea typeface="Yu Gothic" panose="020B0400000000000000" pitchFamily="34" charset="-128"/>
+              </a:rPr>
+              <a:t>g0/1</a:t>
+            </a:r>
+          </a:p>
+          <a:p>
+            <a:r>
+              <a:rPr lang="en-US" sz="1600" b="1" dirty="0">
+                <a:latin typeface="Yu Gothic" panose="020B0400000000000000" pitchFamily="34" charset="-128"/>
+                <a:ea typeface="Yu Gothic" panose="020B0400000000000000" pitchFamily="34" charset="-128"/>
+              </a:rPr>
+              <a:t>.1</a:t>
+            </a:r>
+          </a:p>
+        </p:txBody>
+      </p:sp>
+      <p:sp>
+        <p:nvSpPr>
+          <p:cNvPr id="96" name="TextBox 95">
+            <a:extLst>
+              <a:ext uri="{FF2B5EF4-FFF2-40B4-BE49-F238E27FC236}">
+                <a16:creationId xmlns:a16="http://schemas.microsoft.com/office/drawing/2014/main" id="{E78FDEF6-3055-F249-86ED-D30C23893BED}"/>
+              </a:ext>
+            </a:extLst>
+          </p:cNvPr>
+          <p:cNvSpPr txBox="1"/>
+          <p:nvPr/>
+        </p:nvSpPr>
+        <p:spPr>
+          <a:xfrm>
+            <a:off x="7309113" y="1576985"/>
+            <a:ext cx="1689886" cy="369332"/>
+          </a:xfrm>
+          <a:prstGeom prst="rect">
+            <a:avLst/>
+          </a:prstGeom>
+          <a:noFill/>
+        </p:spPr>
+        <p:txBody>
+          <a:bodyPr wrap="none" rtlCol="0">
+            <a:spAutoFit/>
+          </a:bodyPr>
+          <a:lstStyle/>
+          <a:p>
+            <a:r>
+              <a:rPr lang="en-US" b="1" dirty="0">
+                <a:solidFill>
+                  <a:schemeClr val="accent5"/>
+                </a:solidFill>
+                <a:latin typeface="Yu Gothic" panose="020B0400000000000000" pitchFamily="34" charset="-128"/>
+                <a:ea typeface="Yu Gothic" panose="020B0400000000000000" pitchFamily="34" charset="-128"/>
+              </a:rPr>
+              <a:t>172.16.0.0/16</a:t>
+            </a:r>
+          </a:p>
+        </p:txBody>
+      </p:sp>
+      <p:sp>
+        <p:nvSpPr>
+          <p:cNvPr id="97" name="TextBox 96">
+            <a:extLst>
+              <a:ext uri="{FF2B5EF4-FFF2-40B4-BE49-F238E27FC236}">
+                <a16:creationId xmlns:a16="http://schemas.microsoft.com/office/drawing/2014/main" id="{253A9C92-9A5D-3C45-AA08-8374DF0D755C}"/>
+              </a:ext>
+            </a:extLst>
+          </p:cNvPr>
+          <p:cNvSpPr txBox="1"/>
+          <p:nvPr/>
+        </p:nvSpPr>
+        <p:spPr>
+          <a:xfrm>
+            <a:off x="6506612" y="1529052"/>
+            <a:ext cx="639919" cy="584775"/>
+          </a:xfrm>
+          <a:prstGeom prst="rect">
+            <a:avLst/>
+          </a:prstGeom>
+          <a:noFill/>
+        </p:spPr>
+        <p:txBody>
+          <a:bodyPr wrap="none" rtlCol="0">
+            <a:spAutoFit/>
+          </a:bodyPr>
+          <a:lstStyle/>
+          <a:p>
+            <a:r>
+              <a:rPr lang="en-US" sz="1600" b="1" dirty="0">
+                <a:latin typeface="Yu Gothic" panose="020B0400000000000000" pitchFamily="34" charset="-128"/>
+                <a:ea typeface="Yu Gothic" panose="020B0400000000000000" pitchFamily="34" charset="-128"/>
+              </a:rPr>
+              <a:t>g0/2</a:t>
+            </a:r>
+          </a:p>
+          <a:p>
+            <a:r>
+              <a:rPr lang="en-US" sz="1600" b="1" dirty="0">
+                <a:latin typeface="Yu Gothic" panose="020B0400000000000000" pitchFamily="34" charset="-128"/>
+                <a:ea typeface="Yu Gothic" panose="020B0400000000000000" pitchFamily="34" charset="-128"/>
+              </a:rPr>
+              <a:t>.2</a:t>
+            </a:r>
+          </a:p>
+        </p:txBody>
+      </p:sp>
+      <p:sp>
+        <p:nvSpPr>
+          <p:cNvPr id="98" name="TextBox 97">
+            <a:extLst>
+              <a:ext uri="{FF2B5EF4-FFF2-40B4-BE49-F238E27FC236}">
+                <a16:creationId xmlns:a16="http://schemas.microsoft.com/office/drawing/2014/main" id="{FD46A9D8-9463-C349-BFBD-9A48D4B2C00C}"/>
+              </a:ext>
+            </a:extLst>
+          </p:cNvPr>
+          <p:cNvSpPr txBox="1"/>
+          <p:nvPr/>
+        </p:nvSpPr>
+        <p:spPr>
+          <a:xfrm>
+            <a:off x="8687913" y="936267"/>
+            <a:ext cx="639919" cy="584775"/>
+          </a:xfrm>
+          <a:prstGeom prst="rect">
+            <a:avLst/>
+          </a:prstGeom>
+          <a:noFill/>
+        </p:spPr>
+        <p:txBody>
+          <a:bodyPr wrap="none" rtlCol="0">
+            <a:spAutoFit/>
+          </a:bodyPr>
+          <a:lstStyle/>
+          <a:p>
+            <a:r>
+              <a:rPr lang="en-US" sz="1600" b="1" dirty="0">
+                <a:latin typeface="Yu Gothic" panose="020B0400000000000000" pitchFamily="34" charset="-128"/>
+                <a:ea typeface="Yu Gothic" panose="020B0400000000000000" pitchFamily="34" charset="-128"/>
+              </a:rPr>
+              <a:t>g0/1</a:t>
+            </a:r>
+          </a:p>
+          <a:p>
+            <a:r>
+              <a:rPr lang="en-US" sz="1600" b="1" dirty="0">
+                <a:latin typeface="Yu Gothic" panose="020B0400000000000000" pitchFamily="34" charset="-128"/>
+                <a:ea typeface="Yu Gothic" panose="020B0400000000000000" pitchFamily="34" charset="-128"/>
+              </a:rPr>
+              <a:t>.1</a:t>
+            </a:r>
+          </a:p>
+        </p:txBody>
+      </p:sp>
+      <p:sp>
+        <p:nvSpPr>
+          <p:cNvPr id="101" name="TextBox 100">
+            <a:extLst>
+              <a:ext uri="{FF2B5EF4-FFF2-40B4-BE49-F238E27FC236}">
+                <a16:creationId xmlns:a16="http://schemas.microsoft.com/office/drawing/2014/main" id="{F098D49E-440B-0942-8D42-47901CCA5FE2}"/>
+              </a:ext>
+            </a:extLst>
+          </p:cNvPr>
+          <p:cNvSpPr txBox="1"/>
+          <p:nvPr/>
+        </p:nvSpPr>
+        <p:spPr>
+          <a:xfrm>
+            <a:off x="10122121" y="1540815"/>
+            <a:ext cx="1513556" cy="584775"/>
+          </a:xfrm>
+          <a:prstGeom prst="rect">
+            <a:avLst/>
+          </a:prstGeom>
+          <a:noFill/>
+        </p:spPr>
+        <p:txBody>
+          <a:bodyPr wrap="none" rtlCol="0">
+            <a:spAutoFit/>
+          </a:bodyPr>
+          <a:lstStyle/>
+          <a:p>
+            <a:r>
+              <a:rPr lang="en-US" sz="1600" b="1" dirty="0">
+                <a:latin typeface="Yu Gothic" panose="020B0400000000000000" pitchFamily="34" charset="-128"/>
+                <a:ea typeface="Yu Gothic" panose="020B0400000000000000" pitchFamily="34" charset="-128"/>
+              </a:rPr>
+              <a:t>lo0</a:t>
+            </a:r>
+          </a:p>
+          <a:p>
+            <a:r>
+              <a:rPr lang="en-US" sz="1600" b="1" dirty="0">
+                <a:latin typeface="Yu Gothic" panose="020B0400000000000000" pitchFamily="34" charset="-128"/>
+                <a:ea typeface="Yu Gothic" panose="020B0400000000000000" pitchFamily="34" charset="-128"/>
+              </a:rPr>
+              <a:t>172.32.0.1/32</a:t>
+            </a:r>
+          </a:p>
+        </p:txBody>
+      </p:sp>
+    </p:spTree>
+    <p:extLst>
+      <p:ext uri="{BB962C8B-B14F-4D97-AF65-F5344CB8AC3E}">
+        <p14:creationId xmlns:p14="http://schemas.microsoft.com/office/powerpoint/2010/main" val="201683327"/>
+      </p:ext>
+    </p:extLst>
+  </p:cSld>
+  <p:clrMapOvr>
+    <a:masterClrMapping/>
+  </p:clrMapOvr>
+</p:sld>
+</file>
+
+<file path=ppt/slides/slide6.xml><?xml version="1.0" encoding="utf-8"?>
 <p:sld xmlns:a="http://schemas.openxmlformats.org/drawingml/2006/main" xmlns:r="http://schemas.openxmlformats.org/officeDocument/2006/relationships" xmlns:p="http://schemas.openxmlformats.org/presentationml/2006/main">
   <p:cSld>
     <p:spTree>
@@ -14978,13 +18251,13 @@
           <p:nvPr>
             <p:extLst>
               <p:ext uri="{D42A27DB-BD31-4B8C-83A1-F6EECF244321}">
-                <p14:modId xmlns:p14="http://schemas.microsoft.com/office/powerpoint/2010/main" val="3650119639"/>
+                <p14:modId xmlns:p14="http://schemas.microsoft.com/office/powerpoint/2010/main" val="3969165330"/>
               </p:ext>
             </p:extLst>
           </p:nvPr>
         </p:nvGraphicFramePr>
         <p:xfrm>
-          <a:off x="515989" y="4198056"/>
+          <a:off x="515989" y="4200914"/>
           <a:ext cx="3422257" cy="2219960"/>
         </p:xfrm>
         <a:graphic>
@@ -16271,7 +19544,7 @@
 </p:sld>
 </file>
 
-<file path=ppt/slides/slide6.xml><?xml version="1.0" encoding="utf-8"?>
+<file path=ppt/slides/slide7.xml><?xml version="1.0" encoding="utf-8"?>
 <p:sld xmlns:a="http://schemas.openxmlformats.org/drawingml/2006/main" xmlns:r="http://schemas.openxmlformats.org/officeDocument/2006/relationships" xmlns:p="http://schemas.openxmlformats.org/presentationml/2006/main">
   <p:cSld>
     <p:spTree>
